--- a/kakeibo_ER.pptx
+++ b/kakeibo_ER.pptx
@@ -5,12 +5,10 @@
     <p:sldMasterId id="2147483648" r:id="rId1"/>
   </p:sldMasterIdLst>
   <p:notesMasterIdLst>
-    <p:notesMasterId r:id="rId5"/>
+    <p:notesMasterId r:id="rId3"/>
   </p:notesMasterIdLst>
   <p:sldIdLst>
     <p:sldId id="256" r:id="rId2"/>
-    <p:sldId id="257" r:id="rId3"/>
-    <p:sldId id="258" r:id="rId4"/>
   </p:sldIdLst>
   <p:sldSz cx="12192000" cy="6858000"/>
   <p:notesSz cx="6858000" cy="9144000"/>
@@ -109,6 +107,11 @@
       </a:defRPr>
     </a:lvl9pPr>
   </p:defaultTextStyle>
+  <p:extLst>
+    <p:ext uri="{EFAFB233-063F-42B5-8137-9DF3F51BA10A}">
+      <p15:sldGuideLst xmlns:p15="http://schemas.microsoft.com/office/powerpoint/2012/main"/>
+    </p:ext>
+  </p:extLst>
 </p:presentation>
 </file>
 
@@ -117,32 +120,160 @@
   <pc:docChgLst>
     <pc:chgData name="陽輝 大野" userId="ee31402ec8028d41" providerId="LiveId" clId="{62EA90DB-1D41-444C-ABF1-5E22D59D8BFE}"/>
     <pc:docChg chg="custSel addSld delSld modSld">
-      <pc:chgData name="陽輝 大野" userId="ee31402ec8028d41" providerId="LiveId" clId="{62EA90DB-1D41-444C-ABF1-5E22D59D8BFE}" dt="2025-06-01T22:32:11.283" v="462" actId="20577"/>
+      <pc:chgData name="陽輝 大野" userId="ee31402ec8028d41" providerId="LiveId" clId="{62EA90DB-1D41-444C-ABF1-5E22D59D8BFE}" dt="2025-06-06T22:02:16.513" v="666" actId="2696"/>
       <pc:docMkLst>
         <pc:docMk/>
       </pc:docMkLst>
       <pc:sldChg chg="addSp delSp modSp mod">
-        <pc:chgData name="陽輝 大野" userId="ee31402ec8028d41" providerId="LiveId" clId="{62EA90DB-1D41-444C-ABF1-5E22D59D8BFE}" dt="2025-06-01T22:24:59.007" v="7" actId="478"/>
+        <pc:chgData name="陽輝 大野" userId="ee31402ec8028d41" providerId="LiveId" clId="{62EA90DB-1D41-444C-ABF1-5E22D59D8BFE}" dt="2025-06-06T22:02:05.106" v="664" actId="1076"/>
         <pc:sldMkLst>
           <pc:docMk/>
           <pc:sldMk cId="4162796079" sldId="256"/>
         </pc:sldMkLst>
-        <pc:graphicFrameChg chg="add del mod">
-          <ac:chgData name="陽輝 大野" userId="ee31402ec8028d41" providerId="LiveId" clId="{62EA90DB-1D41-444C-ABF1-5E22D59D8BFE}" dt="2025-06-01T22:24:54.901" v="5" actId="478"/>
+        <pc:spChg chg="mod">
+          <ac:chgData name="陽輝 大野" userId="ee31402ec8028d41" providerId="LiveId" clId="{62EA90DB-1D41-444C-ABF1-5E22D59D8BFE}" dt="2025-06-06T22:00:52.773" v="646" actId="20577"/>
+          <ac:spMkLst>
+            <pc:docMk/>
+            <pc:sldMk cId="4162796079" sldId="256"/>
+            <ac:spMk id="3" creationId="{B4655445-434B-18BC-F554-B9D1067E20B7}"/>
+          </ac:spMkLst>
+        </pc:spChg>
+        <pc:spChg chg="add mod">
+          <ac:chgData name="陽輝 大野" userId="ee31402ec8028d41" providerId="LiveId" clId="{62EA90DB-1D41-444C-ABF1-5E22D59D8BFE}" dt="2025-06-06T22:01:11.020" v="648" actId="1076"/>
+          <ac:spMkLst>
+            <pc:docMk/>
+            <pc:sldMk cId="4162796079" sldId="256"/>
+            <ac:spMk id="19" creationId="{3637381B-5F6C-952A-DFDF-9DC00ADFAF27}"/>
+          </ac:spMkLst>
+        </pc:spChg>
+        <pc:spChg chg="add mod">
+          <ac:chgData name="陽輝 大野" userId="ee31402ec8028d41" providerId="LiveId" clId="{62EA90DB-1D41-444C-ABF1-5E22D59D8BFE}" dt="2025-06-06T22:01:26.774" v="653" actId="1076"/>
+          <ac:spMkLst>
+            <pc:docMk/>
+            <pc:sldMk cId="4162796079" sldId="256"/>
+            <ac:spMk id="34" creationId="{024083EA-0C37-4B9B-BA71-FAF7F6A4649A}"/>
+          </ac:spMkLst>
+        </pc:spChg>
+        <pc:graphicFrameChg chg="del">
+          <ac:chgData name="陽輝 大野" userId="ee31402ec8028d41" providerId="LiveId" clId="{62EA90DB-1D41-444C-ABF1-5E22D59D8BFE}" dt="2025-06-06T21:56:00.776" v="473" actId="21"/>
           <ac:graphicFrameMkLst>
             <pc:docMk/>
             <pc:sldMk cId="4162796079" sldId="256"/>
-            <ac:graphicFrameMk id="34" creationId="{236C9AE9-6FAB-E483-B574-8CE4BD5EFA3F}"/>
+            <ac:graphicFrameMk id="5" creationId="{3D7C3E27-7A7E-E3CC-9039-515A5656DA41}"/>
           </ac:graphicFrameMkLst>
         </pc:graphicFrameChg>
         <pc:graphicFrameChg chg="add del mod">
-          <ac:chgData name="陽輝 大野" userId="ee31402ec8028d41" providerId="LiveId" clId="{62EA90DB-1D41-444C-ABF1-5E22D59D8BFE}" dt="2025-06-01T22:24:59.007" v="7" actId="478"/>
+          <ac:chgData name="陽輝 大野" userId="ee31402ec8028d41" providerId="LiveId" clId="{62EA90DB-1D41-444C-ABF1-5E22D59D8BFE}" dt="2025-06-06T21:54:45.118" v="465" actId="21"/>
           <ac:graphicFrameMkLst>
             <pc:docMk/>
             <pc:sldMk cId="4162796079" sldId="256"/>
-            <ac:graphicFrameMk id="35" creationId="{2E9E8874-36F0-E00A-4A4B-6CF0805E1C15}"/>
+            <ac:graphicFrameMk id="6" creationId="{2CD8B734-7FD7-6C13-D00B-ACAEFD86DFBE}"/>
           </ac:graphicFrameMkLst>
         </pc:graphicFrameChg>
+        <pc:graphicFrameChg chg="add del mod">
+          <ac:chgData name="陽輝 大野" userId="ee31402ec8028d41" providerId="LiveId" clId="{62EA90DB-1D41-444C-ABF1-5E22D59D8BFE}" dt="2025-06-06T21:56:07.377" v="475" actId="21"/>
+          <ac:graphicFrameMkLst>
+            <pc:docMk/>
+            <pc:sldMk cId="4162796079" sldId="256"/>
+            <ac:graphicFrameMk id="7" creationId="{3D7C3E27-7A7E-E3CC-9039-515A5656DA41}"/>
+          </ac:graphicFrameMkLst>
+        </pc:graphicFrameChg>
+        <pc:graphicFrameChg chg="add mod modGraphic">
+          <ac:chgData name="陽輝 大野" userId="ee31402ec8028d41" providerId="LiveId" clId="{62EA90DB-1D41-444C-ABF1-5E22D59D8BFE}" dt="2025-06-06T21:56:29.750" v="479" actId="1076"/>
+          <ac:graphicFrameMkLst>
+            <pc:docMk/>
+            <pc:sldMk cId="4162796079" sldId="256"/>
+            <ac:graphicFrameMk id="8" creationId="{22B0881D-0C93-44E9-DCAD-0377BFC64EBD}"/>
+          </ac:graphicFrameMkLst>
+        </pc:graphicFrameChg>
+        <pc:graphicFrameChg chg="add mod modGraphic">
+          <ac:chgData name="陽輝 大野" userId="ee31402ec8028d41" providerId="LiveId" clId="{62EA90DB-1D41-444C-ABF1-5E22D59D8BFE}" dt="2025-06-06T21:57:47.662" v="523" actId="14100"/>
+          <ac:graphicFrameMkLst>
+            <pc:docMk/>
+            <pc:sldMk cId="4162796079" sldId="256"/>
+            <ac:graphicFrameMk id="9" creationId="{7A39BA5E-95AD-BDFB-8BC3-0C04A07197E7}"/>
+          </ac:graphicFrameMkLst>
+        </pc:graphicFrameChg>
+        <pc:graphicFrameChg chg="add mod modGraphic">
+          <ac:chgData name="陽輝 大野" userId="ee31402ec8028d41" providerId="LiveId" clId="{62EA90DB-1D41-444C-ABF1-5E22D59D8BFE}" dt="2025-06-06T22:00:24.416" v="550" actId="1076"/>
+          <ac:graphicFrameMkLst>
+            <pc:docMk/>
+            <pc:sldMk cId="4162796079" sldId="256"/>
+            <ac:graphicFrameMk id="33" creationId="{3E9AFFE4-7B6F-90CA-5ECA-A5B093779D4B}"/>
+          </ac:graphicFrameMkLst>
+        </pc:graphicFrameChg>
+        <pc:cxnChg chg="add mod">
+          <ac:chgData name="陽輝 大野" userId="ee31402ec8028d41" providerId="LiveId" clId="{62EA90DB-1D41-444C-ABF1-5E22D59D8BFE}" dt="2025-06-06T22:01:58.635" v="662" actId="14100"/>
+          <ac:cxnSpMkLst>
+            <pc:docMk/>
+            <pc:sldMk cId="4162796079" sldId="256"/>
+            <ac:cxnSpMk id="10" creationId="{30B2B3EB-CE77-3D7D-AB0B-2555F4D123E0}"/>
+          </ac:cxnSpMkLst>
+        </pc:cxnChg>
+        <pc:cxnChg chg="add mod">
+          <ac:chgData name="陽輝 大野" userId="ee31402ec8028d41" providerId="LiveId" clId="{62EA90DB-1D41-444C-ABF1-5E22D59D8BFE}" dt="2025-06-06T21:59:03.053" v="536" actId="1076"/>
+          <ac:cxnSpMkLst>
+            <pc:docMk/>
+            <pc:sldMk cId="4162796079" sldId="256"/>
+            <ac:cxnSpMk id="13" creationId="{92D4CF0A-6914-76B8-14CA-CA9FAC90FA32}"/>
+          </ac:cxnSpMkLst>
+        </pc:cxnChg>
+        <pc:cxnChg chg="add mod">
+          <ac:chgData name="陽輝 大野" userId="ee31402ec8028d41" providerId="LiveId" clId="{62EA90DB-1D41-444C-ABF1-5E22D59D8BFE}" dt="2025-06-06T21:58:57.380" v="534" actId="1076"/>
+          <ac:cxnSpMkLst>
+            <pc:docMk/>
+            <pc:sldMk cId="4162796079" sldId="256"/>
+            <ac:cxnSpMk id="20" creationId="{B4906E4C-0899-DA14-E9CD-5DD0CF9D189D}"/>
+          </ac:cxnSpMkLst>
+        </pc:cxnChg>
+        <pc:cxnChg chg="add mod">
+          <ac:chgData name="陽輝 大野" userId="ee31402ec8028d41" providerId="LiveId" clId="{62EA90DB-1D41-444C-ABF1-5E22D59D8BFE}" dt="2025-06-06T22:01:11.020" v="648" actId="1076"/>
+          <ac:cxnSpMkLst>
+            <pc:docMk/>
+            <pc:sldMk cId="4162796079" sldId="256"/>
+            <ac:cxnSpMk id="28" creationId="{1E81E6FF-3F81-487D-51D9-5F8CD97B4477}"/>
+          </ac:cxnSpMkLst>
+        </pc:cxnChg>
+        <pc:cxnChg chg="add mod">
+          <ac:chgData name="陽輝 大野" userId="ee31402ec8028d41" providerId="LiveId" clId="{62EA90DB-1D41-444C-ABF1-5E22D59D8BFE}" dt="2025-06-06T21:59:49.140" v="546" actId="1076"/>
+          <ac:cxnSpMkLst>
+            <pc:docMk/>
+            <pc:sldMk cId="4162796079" sldId="256"/>
+            <ac:cxnSpMk id="32" creationId="{24B6BDA2-A58F-F1BB-D7D0-02144534B513}"/>
+          </ac:cxnSpMkLst>
+        </pc:cxnChg>
+        <pc:cxnChg chg="add mod">
+          <ac:chgData name="陽輝 大野" userId="ee31402ec8028d41" providerId="LiveId" clId="{62EA90DB-1D41-444C-ABF1-5E22D59D8BFE}" dt="2025-06-06T22:01:53.121" v="661" actId="14100"/>
+          <ac:cxnSpMkLst>
+            <pc:docMk/>
+            <pc:sldMk cId="4162796079" sldId="256"/>
+            <ac:cxnSpMk id="35" creationId="{4075D0BE-4A8A-5761-72A2-1F49EFFF19D7}"/>
+          </ac:cxnSpMkLst>
+        </pc:cxnChg>
+        <pc:cxnChg chg="add mod">
+          <ac:chgData name="陽輝 大野" userId="ee31402ec8028d41" providerId="LiveId" clId="{62EA90DB-1D41-444C-ABF1-5E22D59D8BFE}" dt="2025-06-06T22:01:40.689" v="657" actId="14100"/>
+          <ac:cxnSpMkLst>
+            <pc:docMk/>
+            <pc:sldMk cId="4162796079" sldId="256"/>
+            <ac:cxnSpMk id="36" creationId="{D46B6745-3BF5-7915-E7A4-6F776DAE89EA}"/>
+          </ac:cxnSpMkLst>
+        </pc:cxnChg>
+        <pc:cxnChg chg="add mod">
+          <ac:chgData name="陽輝 大野" userId="ee31402ec8028d41" providerId="LiveId" clId="{62EA90DB-1D41-444C-ABF1-5E22D59D8BFE}" dt="2025-06-06T22:01:50.644" v="660" actId="14100"/>
+          <ac:cxnSpMkLst>
+            <pc:docMk/>
+            <pc:sldMk cId="4162796079" sldId="256"/>
+            <ac:cxnSpMk id="38" creationId="{223C5B06-AEE7-9AB2-F8D8-7B183C2C8FE2}"/>
+          </ac:cxnSpMkLst>
+        </pc:cxnChg>
+        <pc:cxnChg chg="add mod">
+          <ac:chgData name="陽輝 大野" userId="ee31402ec8028d41" providerId="LiveId" clId="{62EA90DB-1D41-444C-ABF1-5E22D59D8BFE}" dt="2025-06-06T22:02:05.106" v="664" actId="1076"/>
+          <ac:cxnSpMkLst>
+            <pc:docMk/>
+            <pc:sldMk cId="4162796079" sldId="256"/>
+            <ac:cxnSpMk id="43" creationId="{B06AC699-39FD-2BCE-EB25-2D944A05F1B9}"/>
+          </ac:cxnSpMkLst>
+        </pc:cxnChg>
       </pc:sldChg>
       <pc:sldChg chg="modSp new del mod">
         <pc:chgData name="陽輝 大野" userId="ee31402ec8028d41" providerId="LiveId" clId="{62EA90DB-1D41-444C-ABF1-5E22D59D8BFE}" dt="2025-06-01T22:25:58.907" v="18" actId="2696"/>
@@ -150,22 +281,6 @@
           <pc:docMk/>
           <pc:sldMk cId="129297716" sldId="257"/>
         </pc:sldMkLst>
-        <pc:spChg chg="mod">
-          <ac:chgData name="陽輝 大野" userId="ee31402ec8028d41" providerId="LiveId" clId="{62EA90DB-1D41-444C-ABF1-5E22D59D8BFE}" dt="2025-06-01T22:25:48.658" v="15" actId="27636"/>
-          <ac:spMkLst>
-            <pc:docMk/>
-            <pc:sldMk cId="129297716" sldId="257"/>
-            <ac:spMk id="2" creationId="{0A7EBA33-54AE-FB0A-23F1-71143B00640E}"/>
-          </ac:spMkLst>
-        </pc:spChg>
-        <pc:spChg chg="mod">
-          <ac:chgData name="陽輝 大野" userId="ee31402ec8028d41" providerId="LiveId" clId="{62EA90DB-1D41-444C-ABF1-5E22D59D8BFE}" dt="2025-06-01T22:25:55.098" v="17" actId="14100"/>
-          <ac:spMkLst>
-            <pc:docMk/>
-            <pc:sldMk cId="129297716" sldId="257"/>
-            <ac:spMk id="3" creationId="{94BB7382-3366-1CCD-68F2-5193AB2E8072}"/>
-          </ac:spMkLst>
-        </pc:spChg>
       </pc:sldChg>
       <pc:sldChg chg="addSp modSp new del mod">
         <pc:chgData name="陽輝 大野" userId="ee31402ec8028d41" providerId="LiveId" clId="{62EA90DB-1D41-444C-ABF1-5E22D59D8BFE}" dt="2025-06-01T22:25:30.229" v="11" actId="2696"/>
@@ -173,17 +288,9 @@
           <pc:docMk/>
           <pc:sldMk cId="1067348943" sldId="257"/>
         </pc:sldMkLst>
-        <pc:graphicFrameChg chg="add mod">
-          <ac:chgData name="陽輝 大野" userId="ee31402ec8028d41" providerId="LiveId" clId="{62EA90DB-1D41-444C-ABF1-5E22D59D8BFE}" dt="2025-06-01T22:25:19.807" v="10" actId="1076"/>
-          <ac:graphicFrameMkLst>
-            <pc:docMk/>
-            <pc:sldMk cId="1067348943" sldId="257"/>
-            <ac:graphicFrameMk id="2" creationId="{F80C75C0-BF17-3D51-9DF5-5951F8865E91}"/>
-          </ac:graphicFrameMkLst>
-        </pc:graphicFrameChg>
       </pc:sldChg>
-      <pc:sldChg chg="addSp delSp modSp new mod modNotesTx">
-        <pc:chgData name="陽輝 大野" userId="ee31402ec8028d41" providerId="LiveId" clId="{62EA90DB-1D41-444C-ABF1-5E22D59D8BFE}" dt="2025-06-01T22:30:42.537" v="444" actId="20577"/>
+      <pc:sldChg chg="addSp delSp modSp new del mod modNotesTx">
+        <pc:chgData name="陽輝 大野" userId="ee31402ec8028d41" providerId="LiveId" clId="{62EA90DB-1D41-444C-ABF1-5E22D59D8BFE}" dt="2025-06-06T22:02:13.952" v="665" actId="2696"/>
         <pc:sldMkLst>
           <pc:docMk/>
           <pc:sldMk cId="2000147720" sldId="257"/>
@@ -194,14 +301,6 @@
             <pc:docMk/>
             <pc:sldMk cId="2000147720" sldId="257"/>
             <ac:spMk id="2" creationId="{FE957A91-BFF6-6A06-AC1C-86DBF0F76731}"/>
-          </ac:spMkLst>
-        </pc:spChg>
-        <pc:spChg chg="del mod">
-          <ac:chgData name="陽輝 大野" userId="ee31402ec8028d41" providerId="LiveId" clId="{62EA90DB-1D41-444C-ABF1-5E22D59D8BFE}" dt="2025-06-01T22:26:54.212" v="203"/>
-          <ac:spMkLst>
-            <pc:docMk/>
-            <pc:sldMk cId="2000147720" sldId="257"/>
-            <ac:spMk id="3" creationId="{BCC724BB-893F-39B3-F472-EAB0C9286D32}"/>
           </ac:spMkLst>
         </pc:spChg>
         <pc:spChg chg="add mod">
@@ -220,24 +319,24 @@
             <ac:spMk id="9" creationId="{A7BE7F61-FBE6-9D5A-8785-F96F3A422C06}"/>
           </ac:spMkLst>
         </pc:spChg>
-        <pc:graphicFrameChg chg="add del mod modGraphic">
-          <ac:chgData name="陽輝 大野" userId="ee31402ec8028d41" providerId="LiveId" clId="{62EA90DB-1D41-444C-ABF1-5E22D59D8BFE}" dt="2025-06-01T22:27:05.706" v="208" actId="478"/>
+        <pc:graphicFrameChg chg="add mod modGraphic">
+          <ac:chgData name="陽輝 大野" userId="ee31402ec8028d41" providerId="LiveId" clId="{62EA90DB-1D41-444C-ABF1-5E22D59D8BFE}" dt="2025-06-06T21:55:49.447" v="472" actId="14100"/>
           <ac:graphicFrameMkLst>
             <pc:docMk/>
             <pc:sldMk cId="2000147720" sldId="257"/>
-            <ac:graphicFrameMk id="4" creationId="{F4DAA6AF-FEEB-AD2F-3E28-8AA1AEB48844}"/>
+            <ac:graphicFrameMk id="3" creationId="{4AF33CFC-2C3D-5AFF-D8BE-2E84F162D657}"/>
           </ac:graphicFrameMkLst>
         </pc:graphicFrameChg>
         <pc:graphicFrameChg chg="add mod modGraphic">
-          <ac:chgData name="陽輝 大野" userId="ee31402ec8028d41" providerId="LiveId" clId="{62EA90DB-1D41-444C-ABF1-5E22D59D8BFE}" dt="2025-06-01T22:29:47.677" v="319" actId="1076"/>
+          <ac:chgData name="陽輝 大野" userId="ee31402ec8028d41" providerId="LiveId" clId="{62EA90DB-1D41-444C-ABF1-5E22D59D8BFE}" dt="2025-06-06T21:53:48.221" v="463" actId="14734"/>
           <ac:graphicFrameMkLst>
             <pc:docMk/>
             <pc:sldMk cId="2000147720" sldId="257"/>
             <ac:graphicFrameMk id="7" creationId="{4960E283-311F-C365-E2C6-2AE58BE23ABE}"/>
           </ac:graphicFrameMkLst>
         </pc:graphicFrameChg>
-        <pc:graphicFrameChg chg="add mod modGraphic">
-          <ac:chgData name="陽輝 大野" userId="ee31402ec8028d41" providerId="LiveId" clId="{62EA90DB-1D41-444C-ABF1-5E22D59D8BFE}" dt="2025-06-01T22:28:45.804" v="311" actId="1076"/>
+        <pc:graphicFrameChg chg="add del mod modGraphic">
+          <ac:chgData name="陽輝 大野" userId="ee31402ec8028d41" providerId="LiveId" clId="{62EA90DB-1D41-444C-ABF1-5E22D59D8BFE}" dt="2025-06-06T21:55:38.911" v="468" actId="21"/>
           <ac:graphicFrameMkLst>
             <pc:docMk/>
             <pc:sldMk cId="2000147720" sldId="257"/>
@@ -291,17 +390,9 @@
           <pc:docMk/>
           <pc:sldMk cId="392525221" sldId="258"/>
         </pc:sldMkLst>
-        <pc:spChg chg="mod">
-          <ac:chgData name="陽輝 大野" userId="ee31402ec8028d41" providerId="LiveId" clId="{62EA90DB-1D41-444C-ABF1-5E22D59D8BFE}" dt="2025-06-01T22:31:20.850" v="446" actId="14100"/>
-          <ac:spMkLst>
-            <pc:docMk/>
-            <pc:sldMk cId="392525221" sldId="258"/>
-            <ac:spMk id="2" creationId="{3F5D6CE8-171A-D950-3D91-5FCBB4EBCC85}"/>
-          </ac:spMkLst>
-        </pc:spChg>
       </pc:sldChg>
-      <pc:sldChg chg="addSp delSp modSp add mod">
-        <pc:chgData name="陽輝 大野" userId="ee31402ec8028d41" providerId="LiveId" clId="{62EA90DB-1D41-444C-ABF1-5E22D59D8BFE}" dt="2025-06-01T22:32:11.283" v="462" actId="20577"/>
+      <pc:sldChg chg="addSp delSp modSp add del mod">
+        <pc:chgData name="陽輝 大野" userId="ee31402ec8028d41" providerId="LiveId" clId="{62EA90DB-1D41-444C-ABF1-5E22D59D8BFE}" dt="2025-06-06T22:02:16.513" v="666" actId="2696"/>
         <pc:sldMkLst>
           <pc:docMk/>
           <pc:sldMk cId="993729704" sldId="258"/>
@@ -320,14 +411,6 @@
             <pc:docMk/>
             <pc:sldMk cId="993729704" sldId="258"/>
             <ac:graphicFrameMk id="3" creationId="{F2C125F8-5B7A-4EE7-BC59-939C69EFC347}"/>
-          </ac:graphicFrameMkLst>
-        </pc:graphicFrameChg>
-        <pc:graphicFrameChg chg="del">
-          <ac:chgData name="陽輝 大野" userId="ee31402ec8028d41" providerId="LiveId" clId="{62EA90DB-1D41-444C-ABF1-5E22D59D8BFE}" dt="2025-06-01T22:31:49.665" v="449" actId="478"/>
-          <ac:graphicFrameMkLst>
-            <pc:docMk/>
-            <pc:sldMk cId="993729704" sldId="258"/>
-            <ac:graphicFrameMk id="7" creationId="{833246CE-2213-7C9D-1124-3E08237A6AB7}"/>
           </ac:graphicFrameMkLst>
         </pc:graphicFrameChg>
       </pc:sldChg>
@@ -432,7 +515,7 @@
           <a:p>
             <a:fld id="{41704378-0970-428A-966A-961ECABF9822}" type="datetimeFigureOut">
               <a:rPr kumimoji="1" lang="ja-JP" altLang="en-US" smtClean="0"/>
-              <a:t>2025/6/2</a:t>
+              <a:t>2025/6/7</a:t>
             </a:fld>
             <a:endParaRPr kumimoji="1" lang="ja-JP" altLang="en-US"/>
           </a:p>
@@ -731,198 +814,6 @@
 </p:notesMaster>
 </file>
 
-<file path=ppt/notesSlides/notesSlide1.xml><?xml version="1.0" encoding="utf-8"?>
-<p:notes xmlns:a="http://schemas.openxmlformats.org/drawingml/2006/main" xmlns:r="http://schemas.openxmlformats.org/officeDocument/2006/relationships" xmlns:p="http://schemas.openxmlformats.org/presentationml/2006/main">
-  <p:cSld>
-    <p:spTree>
-      <p:nvGrpSpPr>
-        <p:cNvPr id="1" name=""/>
-        <p:cNvGrpSpPr/>
-        <p:nvPr/>
-      </p:nvGrpSpPr>
-      <p:grpSpPr>
-        <a:xfrm>
-          <a:off x="0" y="0"/>
-          <a:ext cx="0" cy="0"/>
-          <a:chOff x="0" y="0"/>
-          <a:chExt cx="0" cy="0"/>
-        </a:xfrm>
-      </p:grpSpPr>
-      <p:sp>
-        <p:nvSpPr>
-          <p:cNvPr id="2" name="スライド イメージ プレースホルダー 1"/>
-          <p:cNvSpPr>
-            <a:spLocks noGrp="1" noRot="1" noChangeAspect="1"/>
-          </p:cNvSpPr>
-          <p:nvPr>
-            <p:ph type="sldImg"/>
-          </p:nvPr>
-        </p:nvSpPr>
-        <p:spPr/>
-      </p:sp>
-      <p:sp>
-        <p:nvSpPr>
-          <p:cNvPr id="3" name="ノート プレースホルダー 2"/>
-          <p:cNvSpPr>
-            <a:spLocks noGrp="1"/>
-          </p:cNvSpPr>
-          <p:nvPr>
-            <p:ph type="body" idx="1"/>
-          </p:nvPr>
-        </p:nvSpPr>
-        <p:spPr/>
-        <p:txBody>
-          <a:bodyPr/>
-          <a:lstStyle/>
-          <a:p>
-            <a:endParaRPr kumimoji="1" lang="ja-JP" altLang="en-US" dirty="0"/>
-          </a:p>
-        </p:txBody>
-      </p:sp>
-      <p:sp>
-        <p:nvSpPr>
-          <p:cNvPr id="4" name="スライド番号プレースホルダー 3"/>
-          <p:cNvSpPr>
-            <a:spLocks noGrp="1"/>
-          </p:cNvSpPr>
-          <p:nvPr>
-            <p:ph type="sldNum" sz="quarter" idx="5"/>
-          </p:nvPr>
-        </p:nvSpPr>
-        <p:spPr/>
-        <p:txBody>
-          <a:bodyPr/>
-          <a:lstStyle/>
-          <a:p>
-            <a:fld id="{842DD4A6-7300-4AB1-9D71-A5D11B234243}" type="slidenum">
-              <a:rPr kumimoji="1" lang="ja-JP" altLang="en-US" smtClean="0"/>
-              <a:t>2</a:t>
-            </a:fld>
-            <a:endParaRPr kumimoji="1" lang="ja-JP" altLang="en-US"/>
-          </a:p>
-        </p:txBody>
-      </p:sp>
-    </p:spTree>
-    <p:extLst>
-      <p:ext uri="{BB962C8B-B14F-4D97-AF65-F5344CB8AC3E}">
-        <p14:creationId xmlns:p14="http://schemas.microsoft.com/office/powerpoint/2010/main" val="282160194"/>
-      </p:ext>
-    </p:extLst>
-  </p:cSld>
-  <p:clrMapOvr>
-    <a:masterClrMapping/>
-  </p:clrMapOvr>
-</p:notes>
-</file>
-
-<file path=ppt/notesSlides/notesSlide2.xml><?xml version="1.0" encoding="utf-8"?>
-<p:notes xmlns:a="http://schemas.openxmlformats.org/drawingml/2006/main" xmlns:r="http://schemas.openxmlformats.org/officeDocument/2006/relationships" xmlns:p="http://schemas.openxmlformats.org/presentationml/2006/main">
-  <p:cSld>
-    <p:spTree>
-      <p:nvGrpSpPr>
-        <p:cNvPr id="1" name="">
-          <a:extLst>
-            <a:ext uri="{FF2B5EF4-FFF2-40B4-BE49-F238E27FC236}">
-              <a16:creationId xmlns:a16="http://schemas.microsoft.com/office/drawing/2014/main" id="{5088E219-1E6F-EE0E-90EA-D551F1B77156}"/>
-            </a:ext>
-          </a:extLst>
-        </p:cNvPr>
-        <p:cNvGrpSpPr/>
-        <p:nvPr/>
-      </p:nvGrpSpPr>
-      <p:grpSpPr>
-        <a:xfrm>
-          <a:off x="0" y="0"/>
-          <a:ext cx="0" cy="0"/>
-          <a:chOff x="0" y="0"/>
-          <a:chExt cx="0" cy="0"/>
-        </a:xfrm>
-      </p:grpSpPr>
-      <p:sp>
-        <p:nvSpPr>
-          <p:cNvPr id="2" name="スライド イメージ プレースホルダー 1">
-            <a:extLst>
-              <a:ext uri="{FF2B5EF4-FFF2-40B4-BE49-F238E27FC236}">
-                <a16:creationId xmlns:a16="http://schemas.microsoft.com/office/drawing/2014/main" id="{4157DD34-0029-66A1-D879-A14782CCF821}"/>
-              </a:ext>
-            </a:extLst>
-          </p:cNvPr>
-          <p:cNvSpPr>
-            <a:spLocks noGrp="1" noRot="1" noChangeAspect="1"/>
-          </p:cNvSpPr>
-          <p:nvPr>
-            <p:ph type="sldImg"/>
-          </p:nvPr>
-        </p:nvSpPr>
-        <p:spPr/>
-      </p:sp>
-      <p:sp>
-        <p:nvSpPr>
-          <p:cNvPr id="3" name="ノート プレースホルダー 2">
-            <a:extLst>
-              <a:ext uri="{FF2B5EF4-FFF2-40B4-BE49-F238E27FC236}">
-                <a16:creationId xmlns:a16="http://schemas.microsoft.com/office/drawing/2014/main" id="{8B3BB9AB-9290-5CA5-C21C-FA5F4F5AD575}"/>
-              </a:ext>
-            </a:extLst>
-          </p:cNvPr>
-          <p:cNvSpPr>
-            <a:spLocks noGrp="1"/>
-          </p:cNvSpPr>
-          <p:nvPr>
-            <p:ph type="body" idx="1"/>
-          </p:nvPr>
-        </p:nvSpPr>
-        <p:spPr/>
-        <p:txBody>
-          <a:bodyPr/>
-          <a:lstStyle/>
-          <a:p>
-            <a:endParaRPr kumimoji="1" lang="ja-JP" altLang="en-US" dirty="0"/>
-          </a:p>
-        </p:txBody>
-      </p:sp>
-      <p:sp>
-        <p:nvSpPr>
-          <p:cNvPr id="4" name="スライド番号プレースホルダー 3">
-            <a:extLst>
-              <a:ext uri="{FF2B5EF4-FFF2-40B4-BE49-F238E27FC236}">
-                <a16:creationId xmlns:a16="http://schemas.microsoft.com/office/drawing/2014/main" id="{8BF17BF5-BA8E-6AD2-E8B3-76D4C94D2F6F}"/>
-              </a:ext>
-            </a:extLst>
-          </p:cNvPr>
-          <p:cNvSpPr>
-            <a:spLocks noGrp="1"/>
-          </p:cNvSpPr>
-          <p:nvPr>
-            <p:ph type="sldNum" sz="quarter" idx="5"/>
-          </p:nvPr>
-        </p:nvSpPr>
-        <p:spPr/>
-        <p:txBody>
-          <a:bodyPr/>
-          <a:lstStyle/>
-          <a:p>
-            <a:fld id="{842DD4A6-7300-4AB1-9D71-A5D11B234243}" type="slidenum">
-              <a:rPr kumimoji="1" lang="ja-JP" altLang="en-US" smtClean="0"/>
-              <a:t>3</a:t>
-            </a:fld>
-            <a:endParaRPr kumimoji="1" lang="ja-JP" altLang="en-US"/>
-          </a:p>
-        </p:txBody>
-      </p:sp>
-    </p:spTree>
-    <p:extLst>
-      <p:ext uri="{BB962C8B-B14F-4D97-AF65-F5344CB8AC3E}">
-        <p14:creationId xmlns:p14="http://schemas.microsoft.com/office/powerpoint/2010/main" val="3884545480"/>
-      </p:ext>
-    </p:extLst>
-  </p:cSld>
-  <p:clrMapOvr>
-    <a:masterClrMapping/>
-  </p:clrMapOvr>
-</p:notes>
-</file>
-
 <file path=ppt/slideLayouts/slideLayout1.xml><?xml version="1.0" encoding="utf-8"?>
 <p:sldLayout xmlns:a="http://schemas.openxmlformats.org/drawingml/2006/main" xmlns:r="http://schemas.openxmlformats.org/officeDocument/2006/relationships" xmlns:p="http://schemas.openxmlformats.org/presentationml/2006/main" type="title" preserve="1">
   <p:cSld name="タイトル スライド">
@@ -1070,7 +961,7 @@
           <a:p>
             <a:fld id="{C9D4C7F4-BA88-43DA-ABEC-BE77AAF7BF29}" type="datetimeFigureOut">
               <a:rPr kumimoji="1" lang="ja-JP" altLang="en-US" smtClean="0"/>
-              <a:t>2025/6/2</a:t>
+              <a:t>2025/6/7</a:t>
             </a:fld>
             <a:endParaRPr kumimoji="1" lang="ja-JP" altLang="en-US"/>
           </a:p>
@@ -1300,7 +1191,7 @@
           <a:p>
             <a:fld id="{C9D4C7F4-BA88-43DA-ABEC-BE77AAF7BF29}" type="datetimeFigureOut">
               <a:rPr kumimoji="1" lang="ja-JP" altLang="en-US" smtClean="0"/>
-              <a:t>2025/6/2</a:t>
+              <a:t>2025/6/7</a:t>
             </a:fld>
             <a:endParaRPr kumimoji="1" lang="ja-JP" altLang="en-US"/>
           </a:p>
@@ -1540,7 +1431,7 @@
           <a:p>
             <a:fld id="{C9D4C7F4-BA88-43DA-ABEC-BE77AAF7BF29}" type="datetimeFigureOut">
               <a:rPr kumimoji="1" lang="ja-JP" altLang="en-US" smtClean="0"/>
-              <a:t>2025/6/2</a:t>
+              <a:t>2025/6/7</a:t>
             </a:fld>
             <a:endParaRPr kumimoji="1" lang="ja-JP" altLang="en-US"/>
           </a:p>
@@ -1770,7 +1661,7 @@
           <a:p>
             <a:fld id="{C9D4C7F4-BA88-43DA-ABEC-BE77AAF7BF29}" type="datetimeFigureOut">
               <a:rPr kumimoji="1" lang="ja-JP" altLang="en-US" smtClean="0"/>
-              <a:t>2025/6/2</a:t>
+              <a:t>2025/6/7</a:t>
             </a:fld>
             <a:endParaRPr kumimoji="1" lang="ja-JP" altLang="en-US"/>
           </a:p>
@@ -2045,7 +1936,7 @@
           <a:p>
             <a:fld id="{C9D4C7F4-BA88-43DA-ABEC-BE77AAF7BF29}" type="datetimeFigureOut">
               <a:rPr kumimoji="1" lang="ja-JP" altLang="en-US" smtClean="0"/>
-              <a:t>2025/6/2</a:t>
+              <a:t>2025/6/7</a:t>
             </a:fld>
             <a:endParaRPr kumimoji="1" lang="ja-JP" altLang="en-US"/>
           </a:p>
@@ -2374,7 +2265,7 @@
           <a:p>
             <a:fld id="{C9D4C7F4-BA88-43DA-ABEC-BE77AAF7BF29}" type="datetimeFigureOut">
               <a:rPr kumimoji="1" lang="ja-JP" altLang="en-US" smtClean="0"/>
-              <a:t>2025/6/2</a:t>
+              <a:t>2025/6/7</a:t>
             </a:fld>
             <a:endParaRPr kumimoji="1" lang="ja-JP" altLang="en-US"/>
           </a:p>
@@ -2850,7 +2741,7 @@
           <a:p>
             <a:fld id="{C9D4C7F4-BA88-43DA-ABEC-BE77AAF7BF29}" type="datetimeFigureOut">
               <a:rPr kumimoji="1" lang="ja-JP" altLang="en-US" smtClean="0"/>
-              <a:t>2025/6/2</a:t>
+              <a:t>2025/6/7</a:t>
             </a:fld>
             <a:endParaRPr kumimoji="1" lang="ja-JP" altLang="en-US"/>
           </a:p>
@@ -2991,7 +2882,7 @@
           <a:p>
             <a:fld id="{C9D4C7F4-BA88-43DA-ABEC-BE77AAF7BF29}" type="datetimeFigureOut">
               <a:rPr kumimoji="1" lang="ja-JP" altLang="en-US" smtClean="0"/>
-              <a:t>2025/6/2</a:t>
+              <a:t>2025/6/7</a:t>
             </a:fld>
             <a:endParaRPr kumimoji="1" lang="ja-JP" altLang="en-US"/>
           </a:p>
@@ -3104,7 +2995,7 @@
           <a:p>
             <a:fld id="{C9D4C7F4-BA88-43DA-ABEC-BE77AAF7BF29}" type="datetimeFigureOut">
               <a:rPr kumimoji="1" lang="ja-JP" altLang="en-US" smtClean="0"/>
-              <a:t>2025/6/2</a:t>
+              <a:t>2025/6/7</a:t>
             </a:fld>
             <a:endParaRPr kumimoji="1" lang="ja-JP" altLang="en-US"/>
           </a:p>
@@ -3447,7 +3338,7 @@
           <a:p>
             <a:fld id="{C9D4C7F4-BA88-43DA-ABEC-BE77AAF7BF29}" type="datetimeFigureOut">
               <a:rPr kumimoji="1" lang="ja-JP" altLang="en-US" smtClean="0"/>
-              <a:t>2025/6/2</a:t>
+              <a:t>2025/6/7</a:t>
             </a:fld>
             <a:endParaRPr kumimoji="1" lang="ja-JP" altLang="en-US"/>
           </a:p>
@@ -3735,7 +3626,7 @@
           <a:p>
             <a:fld id="{C9D4C7F4-BA88-43DA-ABEC-BE77AAF7BF29}" type="datetimeFigureOut">
               <a:rPr kumimoji="1" lang="ja-JP" altLang="en-US" smtClean="0"/>
-              <a:t>2025/6/2</a:t>
+              <a:t>2025/6/7</a:t>
             </a:fld>
             <a:endParaRPr kumimoji="1" lang="ja-JP" altLang="en-US"/>
           </a:p>
@@ -4008,7 +3899,7 @@
           <a:p>
             <a:fld id="{C9D4C7F4-BA88-43DA-ABEC-BE77AAF7BF29}" type="datetimeFigureOut">
               <a:rPr kumimoji="1" lang="ja-JP" altLang="en-US" smtClean="0"/>
-              <a:t>2025/6/2</a:t>
+              <a:t>2025/6/7</a:t>
             </a:fld>
             <a:endParaRPr kumimoji="1" lang="ja-JP" altLang="en-US"/>
           </a:p>
@@ -4492,6 +4383,56 @@
               <a:rPr kumimoji="1" lang="en-US" altLang="ja-JP" dirty="0"/>
               <a:t>user                                                          goals</a:t>
             </a:r>
+          </a:p>
+          <a:p>
+            <a:pPr algn="l"/>
+            <a:endParaRPr lang="en-US" altLang="ja-JP" dirty="0"/>
+          </a:p>
+          <a:p>
+            <a:pPr algn="l"/>
+            <a:endParaRPr kumimoji="1" lang="en-US" altLang="ja-JP" dirty="0"/>
+          </a:p>
+          <a:p>
+            <a:pPr algn="l"/>
+            <a:endParaRPr lang="en-US" altLang="ja-JP" dirty="0"/>
+          </a:p>
+          <a:p>
+            <a:pPr algn="l"/>
+            <a:endParaRPr kumimoji="1" lang="en-US" altLang="ja-JP" dirty="0"/>
+          </a:p>
+          <a:p>
+            <a:pPr algn="l"/>
+            <a:r>
+              <a:rPr lang="ja-JP" altLang="en-US" dirty="0"/>
+              <a:t>　　　　　　　　　　　　　　　　　　　　　　　　</a:t>
+            </a:r>
+            <a:r>
+              <a:rPr lang="en-US" altLang="ja-JP" dirty="0"/>
+              <a:t>incomes</a:t>
+            </a:r>
+          </a:p>
+          <a:p>
+            <a:pPr algn="l"/>
+            <a:endParaRPr kumimoji="1" lang="en-US" altLang="ja-JP" dirty="0"/>
+          </a:p>
+          <a:p>
+            <a:pPr algn="l"/>
+            <a:endParaRPr lang="en-US" altLang="ja-JP" dirty="0"/>
+          </a:p>
+          <a:p>
+            <a:pPr algn="l"/>
+            <a:endParaRPr kumimoji="1" lang="en-US" altLang="ja-JP" dirty="0"/>
+          </a:p>
+          <a:p>
+            <a:pPr algn="l"/>
+            <a:endParaRPr lang="en-US" altLang="ja-JP" dirty="0"/>
+          </a:p>
+          <a:p>
+            <a:pPr algn="l"/>
+            <a:r>
+              <a:rPr kumimoji="1" lang="en-US" altLang="ja-JP" dirty="0"/>
+              <a:t>                                                                                   outcomes</a:t>
+            </a:r>
             <a:endParaRPr kumimoji="1" lang="ja-JP" altLang="en-US" dirty="0"/>
           </a:p>
         </p:txBody>
@@ -5345,12 +5286,12 @@
                     <a:p>
                       <a:pPr algn="l" fontAlgn="ctr"/>
                       <a:r>
-                        <a:rPr lang="ja-JP" altLang="en-US" sz="1100" u="none" strike="noStrike">
+                        <a:rPr lang="ja-JP" altLang="en-US" sz="1100" u="none" strike="noStrike" dirty="0">
                           <a:effectLst/>
                         </a:rPr>
                         <a:t>目標金額</a:t>
                       </a:r>
-                      <a:endParaRPr lang="ja-JP" altLang="en-US" sz="1100" b="0" i="0" u="none" strike="noStrike">
+                      <a:endParaRPr lang="ja-JP" altLang="en-US" sz="1100" b="0" i="0" u="none" strike="noStrike" dirty="0">
                         <a:solidFill>
                           <a:srgbClr val="000000"/>
                         </a:solidFill>
@@ -5449,1250 +5390,6 @@
                 <a:extLst>
                   <a:ext uri="{0D108BD9-81ED-4DB2-BD59-A6C34878D82A}">
                     <a16:rowId xmlns:a16="http://schemas.microsoft.com/office/drawing/2014/main" val="538184283"/>
-                  </a:ext>
-                </a:extLst>
-              </a:tr>
-            </a:tbl>
-          </a:graphicData>
-        </a:graphic>
-      </p:graphicFrame>
-      <p:graphicFrame>
-        <p:nvGraphicFramePr>
-          <p:cNvPr id="5" name="表 4">
-            <a:extLst>
-              <a:ext uri="{FF2B5EF4-FFF2-40B4-BE49-F238E27FC236}">
-                <a16:creationId xmlns:a16="http://schemas.microsoft.com/office/drawing/2014/main" id="{3D7C3E27-7A7E-E3CC-9039-515A5656DA41}"/>
-              </a:ext>
-            </a:extLst>
-          </p:cNvPr>
-          <p:cNvGraphicFramePr>
-            <a:graphicFrameLocks noGrp="1"/>
-          </p:cNvGraphicFramePr>
-          <p:nvPr>
-            <p:extLst>
-              <p:ext uri="{D42A27DB-BD31-4B8C-83A1-F6EECF244321}">
-                <p14:modId xmlns:p14="http://schemas.microsoft.com/office/powerpoint/2010/main" val="196133217"/>
-              </p:ext>
-            </p:extLst>
-          </p:nvPr>
-        </p:nvGraphicFramePr>
-        <p:xfrm>
-          <a:off x="0" y="733425"/>
-          <a:ext cx="5200650" cy="2057400"/>
-        </p:xfrm>
-        <a:graphic>
-          <a:graphicData uri="http://schemas.openxmlformats.org/drawingml/2006/table">
-            <a:tbl>
-              <a:tblPr>
-                <a:tableStyleId>{5C22544A-7EE6-4342-B048-85BDC9FD1C3A}</a:tableStyleId>
-              </a:tblPr>
-              <a:tblGrid>
-                <a:gridCol w="530066">
-                  <a:extLst>
-                    <a:ext uri="{9D8B030D-6E8A-4147-A177-3AD203B41FA5}">
-                      <a16:colId xmlns:a16="http://schemas.microsoft.com/office/drawing/2014/main" val="3073927920"/>
-                    </a:ext>
-                  </a:extLst>
-                </a:gridCol>
-                <a:gridCol w="860108">
-                  <a:extLst>
-                    <a:ext uri="{9D8B030D-6E8A-4147-A177-3AD203B41FA5}">
-                      <a16:colId xmlns:a16="http://schemas.microsoft.com/office/drawing/2014/main" val="3442324476"/>
-                    </a:ext>
-                  </a:extLst>
-                </a:gridCol>
-                <a:gridCol w="1220153">
-                  <a:extLst>
-                    <a:ext uri="{9D8B030D-6E8A-4147-A177-3AD203B41FA5}">
-                      <a16:colId xmlns:a16="http://schemas.microsoft.com/office/drawing/2014/main" val="3870296358"/>
-                    </a:ext>
-                  </a:extLst>
-                </a:gridCol>
-                <a:gridCol w="1010126">
-                  <a:extLst>
-                    <a:ext uri="{9D8B030D-6E8A-4147-A177-3AD203B41FA5}">
-                      <a16:colId xmlns:a16="http://schemas.microsoft.com/office/drawing/2014/main" val="77484853"/>
-                    </a:ext>
-                  </a:extLst>
-                </a:gridCol>
-                <a:gridCol w="520065">
-                  <a:extLst>
-                    <a:ext uri="{9D8B030D-6E8A-4147-A177-3AD203B41FA5}">
-                      <a16:colId xmlns:a16="http://schemas.microsoft.com/office/drawing/2014/main" val="2337297416"/>
-                    </a:ext>
-                  </a:extLst>
-                </a:gridCol>
-                <a:gridCol w="530066">
-                  <a:extLst>
-                    <a:ext uri="{9D8B030D-6E8A-4147-A177-3AD203B41FA5}">
-                      <a16:colId xmlns:a16="http://schemas.microsoft.com/office/drawing/2014/main" val="95366015"/>
-                    </a:ext>
-                  </a:extLst>
-                </a:gridCol>
-                <a:gridCol w="530066">
-                  <a:extLst>
-                    <a:ext uri="{9D8B030D-6E8A-4147-A177-3AD203B41FA5}">
-                      <a16:colId xmlns:a16="http://schemas.microsoft.com/office/drawing/2014/main" val="1257381242"/>
-                    </a:ext>
-                  </a:extLst>
-                </a:gridCol>
-              </a:tblGrid>
-              <a:tr h="228600">
-                <a:tc>
-                  <a:txBody>
-                    <a:bodyPr/>
-                    <a:lstStyle/>
-                    <a:p>
-                      <a:pPr algn="l" fontAlgn="ctr"/>
-                      <a:r>
-                        <a:rPr lang="en-US" sz="900" u="none" strike="noStrike">
-                          <a:effectLst/>
-                        </a:rPr>
-                        <a:t>No</a:t>
-                      </a:r>
-                      <a:endParaRPr lang="en-US" sz="900" b="0" i="0" u="none" strike="noStrike">
-                        <a:solidFill>
-                          <a:srgbClr val="242424"/>
-                        </a:solidFill>
-                        <a:effectLst/>
-                        <a:latin typeface="Segoe UI" panose="020B0502040204020203" pitchFamily="34" charset="0"/>
-                        <a:ea typeface="游ゴシック" panose="020B0400000000000000" pitchFamily="50" charset="-128"/>
-                      </a:endParaRPr>
-                    </a:p>
-                  </a:txBody>
-                  <a:tcPr marL="7620" marR="7620" marT="7620" marB="0" anchor="ctr"/>
-                </a:tc>
-                <a:tc>
-                  <a:txBody>
-                    <a:bodyPr/>
-                    <a:lstStyle/>
-                    <a:p>
-                      <a:pPr algn="l" fontAlgn="ctr"/>
-                      <a:r>
-                        <a:rPr lang="en-US" sz="1100" u="none" strike="noStrike">
-                          <a:effectLst/>
-                        </a:rPr>
-                        <a:t>ID</a:t>
-                      </a:r>
-                      <a:endParaRPr lang="en-US" sz="1100" b="0" i="0" u="none" strike="noStrike">
-                        <a:solidFill>
-                          <a:srgbClr val="000000"/>
-                        </a:solidFill>
-                        <a:effectLst/>
-                        <a:latin typeface="游ゴシック" panose="020B0400000000000000" pitchFamily="50" charset="-128"/>
-                        <a:ea typeface="游ゴシック" panose="020B0400000000000000" pitchFamily="50" charset="-128"/>
-                      </a:endParaRPr>
-                    </a:p>
-                  </a:txBody>
-                  <a:tcPr marL="7620" marR="7620" marT="7620" marB="0" anchor="ctr"/>
-                </a:tc>
-                <a:tc>
-                  <a:txBody>
-                    <a:bodyPr/>
-                    <a:lstStyle/>
-                    <a:p>
-                      <a:pPr algn="l" fontAlgn="ctr"/>
-                      <a:r>
-                        <a:rPr lang="ja-JP" altLang="en-US" sz="1100" u="none" strike="noStrike">
-                          <a:effectLst/>
-                        </a:rPr>
-                        <a:t>カラム名</a:t>
-                      </a:r>
-                      <a:endParaRPr lang="ja-JP" altLang="en-US" sz="1100" b="0" i="0" u="none" strike="noStrike">
-                        <a:solidFill>
-                          <a:srgbClr val="000000"/>
-                        </a:solidFill>
-                        <a:effectLst/>
-                        <a:latin typeface="游ゴシック" panose="020B0400000000000000" pitchFamily="50" charset="-128"/>
-                        <a:ea typeface="游ゴシック" panose="020B0400000000000000" pitchFamily="50" charset="-128"/>
-                      </a:endParaRPr>
-                    </a:p>
-                  </a:txBody>
-                  <a:tcPr marL="7620" marR="7620" marT="7620" marB="0" anchor="ctr"/>
-                </a:tc>
-                <a:tc>
-                  <a:txBody>
-                    <a:bodyPr/>
-                    <a:lstStyle/>
-                    <a:p>
-                      <a:pPr algn="l" fontAlgn="ctr"/>
-                      <a:r>
-                        <a:rPr lang="ja-JP" altLang="en-US" sz="1100" u="none" strike="noStrike" dirty="0">
-                          <a:effectLst/>
-                        </a:rPr>
-                        <a:t>項目名</a:t>
-                      </a:r>
-                      <a:endParaRPr lang="ja-JP" altLang="en-US" sz="1100" b="0" i="0" u="none" strike="noStrike" dirty="0">
-                        <a:solidFill>
-                          <a:srgbClr val="000000"/>
-                        </a:solidFill>
-                        <a:effectLst/>
-                        <a:latin typeface="游ゴシック" panose="020B0400000000000000" pitchFamily="50" charset="-128"/>
-                        <a:ea typeface="游ゴシック" panose="020B0400000000000000" pitchFamily="50" charset="-128"/>
-                      </a:endParaRPr>
-                    </a:p>
-                  </a:txBody>
-                  <a:tcPr marL="7620" marR="7620" marT="7620" marB="0" anchor="ctr"/>
-                </a:tc>
-                <a:tc>
-                  <a:txBody>
-                    <a:bodyPr/>
-                    <a:lstStyle/>
-                    <a:p>
-                      <a:pPr algn="l" fontAlgn="ctr"/>
-                      <a:r>
-                        <a:rPr lang="ja-JP" altLang="en-US" sz="1100" u="none" strike="noStrike">
-                          <a:effectLst/>
-                        </a:rPr>
-                        <a:t>データ型</a:t>
-                      </a:r>
-                      <a:endParaRPr lang="ja-JP" altLang="en-US" sz="1100" b="0" i="0" u="none" strike="noStrike">
-                        <a:solidFill>
-                          <a:srgbClr val="000000"/>
-                        </a:solidFill>
-                        <a:effectLst/>
-                        <a:latin typeface="游ゴシック" panose="020B0400000000000000" pitchFamily="50" charset="-128"/>
-                        <a:ea typeface="游ゴシック" panose="020B0400000000000000" pitchFamily="50" charset="-128"/>
-                      </a:endParaRPr>
-                    </a:p>
-                  </a:txBody>
-                  <a:tcPr marL="7620" marR="7620" marT="7620" marB="0" anchor="ctr"/>
-                </a:tc>
-                <a:tc>
-                  <a:txBody>
-                    <a:bodyPr/>
-                    <a:lstStyle/>
-                    <a:p>
-                      <a:pPr algn="l" fontAlgn="ctr"/>
-                      <a:r>
-                        <a:rPr lang="en-US" sz="1100" u="none" strike="noStrike">
-                          <a:effectLst/>
-                        </a:rPr>
-                        <a:t>Null</a:t>
-                      </a:r>
-                      <a:endParaRPr lang="en-US" sz="1100" b="0" i="0" u="none" strike="noStrike">
-                        <a:solidFill>
-                          <a:srgbClr val="000000"/>
-                        </a:solidFill>
-                        <a:effectLst/>
-                        <a:latin typeface="游ゴシック" panose="020B0400000000000000" pitchFamily="50" charset="-128"/>
-                        <a:ea typeface="游ゴシック" panose="020B0400000000000000" pitchFamily="50" charset="-128"/>
-                      </a:endParaRPr>
-                    </a:p>
-                  </a:txBody>
-                  <a:tcPr marL="7620" marR="7620" marT="7620" marB="0" anchor="ctr"/>
-                </a:tc>
-                <a:tc>
-                  <a:txBody>
-                    <a:bodyPr/>
-                    <a:lstStyle/>
-                    <a:p>
-                      <a:pPr algn="l" fontAlgn="ctr"/>
-                      <a:r>
-                        <a:rPr lang="ja-JP" altLang="en-US" sz="1100" u="none" strike="noStrike" dirty="0">
-                          <a:effectLst/>
-                        </a:rPr>
-                        <a:t>備考</a:t>
-                      </a:r>
-                      <a:endParaRPr lang="ja-JP" altLang="en-US" sz="1100" b="0" i="0" u="none" strike="noStrike" dirty="0">
-                        <a:solidFill>
-                          <a:srgbClr val="000000"/>
-                        </a:solidFill>
-                        <a:effectLst/>
-                        <a:latin typeface="游ゴシック" panose="020B0400000000000000" pitchFamily="50" charset="-128"/>
-                        <a:ea typeface="游ゴシック" panose="020B0400000000000000" pitchFamily="50" charset="-128"/>
-                      </a:endParaRPr>
-                    </a:p>
-                  </a:txBody>
-                  <a:tcPr marL="7620" marR="7620" marT="7620" marB="0" anchor="ctr"/>
-                </a:tc>
-                <a:extLst>
-                  <a:ext uri="{0D108BD9-81ED-4DB2-BD59-A6C34878D82A}">
-                    <a16:rowId xmlns:a16="http://schemas.microsoft.com/office/drawing/2014/main" val="4078756960"/>
-                  </a:ext>
-                </a:extLst>
-              </a:tr>
-              <a:tr h="228600">
-                <a:tc>
-                  <a:txBody>
-                    <a:bodyPr/>
-                    <a:lstStyle/>
-                    <a:p>
-                      <a:pPr algn="r" fontAlgn="ctr"/>
-                      <a:r>
-                        <a:rPr lang="en-US" altLang="ja-JP" sz="900" u="none" strike="noStrike">
-                          <a:effectLst/>
-                        </a:rPr>
-                        <a:t>1</a:t>
-                      </a:r>
-                      <a:endParaRPr lang="en-US" altLang="ja-JP" sz="900" b="0" i="0" u="none" strike="noStrike">
-                        <a:solidFill>
-                          <a:srgbClr val="242424"/>
-                        </a:solidFill>
-                        <a:effectLst/>
-                        <a:latin typeface="Segoe UI" panose="020B0502040204020203" pitchFamily="34" charset="0"/>
-                        <a:ea typeface="游ゴシック" panose="020B0400000000000000" pitchFamily="50" charset="-128"/>
-                      </a:endParaRPr>
-                    </a:p>
-                  </a:txBody>
-                  <a:tcPr marL="7620" marR="7620" marT="7620" marB="0" anchor="ctr"/>
-                </a:tc>
-                <a:tc>
-                  <a:txBody>
-                    <a:bodyPr/>
-                    <a:lstStyle/>
-                    <a:p>
-                      <a:pPr algn="l" fontAlgn="ctr"/>
-                      <a:r>
-                        <a:rPr lang="en-US" sz="1100" u="none" strike="noStrike">
-                          <a:effectLst/>
-                        </a:rPr>
-                        <a:t>id</a:t>
-                      </a:r>
-                      <a:endParaRPr lang="en-US" sz="1100" b="0" i="0" u="none" strike="noStrike">
-                        <a:solidFill>
-                          <a:srgbClr val="000000"/>
-                        </a:solidFill>
-                        <a:effectLst/>
-                        <a:latin typeface="游ゴシック" panose="020B0400000000000000" pitchFamily="50" charset="-128"/>
-                        <a:ea typeface="游ゴシック" panose="020B0400000000000000" pitchFamily="50" charset="-128"/>
-                      </a:endParaRPr>
-                    </a:p>
-                  </a:txBody>
-                  <a:tcPr marL="7620" marR="7620" marT="7620" marB="0" anchor="ctr"/>
-                </a:tc>
-                <a:tc>
-                  <a:txBody>
-                    <a:bodyPr/>
-                    <a:lstStyle/>
-                    <a:p>
-                      <a:pPr algn="l" fontAlgn="ctr"/>
-                      <a:r>
-                        <a:rPr lang="ja-JP" altLang="en-US" sz="1100" u="none" strike="noStrike">
-                          <a:effectLst/>
-                        </a:rPr>
-                        <a:t>ユーザー</a:t>
-                      </a:r>
-                      <a:r>
-                        <a:rPr lang="en-US" sz="1100" u="none" strike="noStrike">
-                          <a:effectLst/>
-                        </a:rPr>
-                        <a:t>ID</a:t>
-                      </a:r>
-                      <a:endParaRPr lang="en-US" sz="1100" b="0" i="0" u="none" strike="noStrike">
-                        <a:solidFill>
-                          <a:srgbClr val="000000"/>
-                        </a:solidFill>
-                        <a:effectLst/>
-                        <a:latin typeface="游ゴシック" panose="020B0400000000000000" pitchFamily="50" charset="-128"/>
-                        <a:ea typeface="游ゴシック" panose="020B0400000000000000" pitchFamily="50" charset="-128"/>
-                      </a:endParaRPr>
-                    </a:p>
-                  </a:txBody>
-                  <a:tcPr marL="7620" marR="7620" marT="7620" marB="0" anchor="ctr"/>
-                </a:tc>
-                <a:tc>
-                  <a:txBody>
-                    <a:bodyPr/>
-                    <a:lstStyle/>
-                    <a:p>
-                      <a:pPr algn="l" fontAlgn="ctr"/>
-                      <a:r>
-                        <a:rPr lang="en-US" sz="1100" u="none" strike="noStrike">
-                          <a:effectLst/>
-                        </a:rPr>
-                        <a:t>INT</a:t>
-                      </a:r>
-                      <a:endParaRPr lang="en-US" sz="1100" b="0" i="0" u="none" strike="noStrike">
-                        <a:solidFill>
-                          <a:srgbClr val="000000"/>
-                        </a:solidFill>
-                        <a:effectLst/>
-                        <a:latin typeface="游ゴシック" panose="020B0400000000000000" pitchFamily="50" charset="-128"/>
-                        <a:ea typeface="游ゴシック" panose="020B0400000000000000" pitchFamily="50" charset="-128"/>
-                      </a:endParaRPr>
-                    </a:p>
-                  </a:txBody>
-                  <a:tcPr marL="7620" marR="7620" marT="7620" marB="0" anchor="ctr"/>
-                </a:tc>
-                <a:tc>
-                  <a:txBody>
-                    <a:bodyPr/>
-                    <a:lstStyle/>
-                    <a:p>
-                      <a:pPr algn="l" fontAlgn="ctr"/>
-                      <a:r>
-                        <a:rPr lang="en-US" sz="1100" u="none" strike="noStrike">
-                          <a:effectLst/>
-                        </a:rPr>
-                        <a:t>PK</a:t>
-                      </a:r>
-                      <a:endParaRPr lang="en-US" sz="1100" b="0" i="0" u="none" strike="noStrike">
-                        <a:solidFill>
-                          <a:srgbClr val="000000"/>
-                        </a:solidFill>
-                        <a:effectLst/>
-                        <a:latin typeface="游ゴシック" panose="020B0400000000000000" pitchFamily="50" charset="-128"/>
-                        <a:ea typeface="游ゴシック" panose="020B0400000000000000" pitchFamily="50" charset="-128"/>
-                      </a:endParaRPr>
-                    </a:p>
-                  </a:txBody>
-                  <a:tcPr marL="7620" marR="7620" marT="7620" marB="0" anchor="ctr"/>
-                </a:tc>
-                <a:tc>
-                  <a:txBody>
-                    <a:bodyPr/>
-                    <a:lstStyle/>
-                    <a:p>
-                      <a:pPr algn="l" fontAlgn="ctr"/>
-                      <a:r>
-                        <a:rPr lang="en-US" altLang="ja-JP" sz="1100" u="none" strike="noStrike">
-                          <a:effectLst/>
-                        </a:rPr>
-                        <a:t>×</a:t>
-                      </a:r>
-                      <a:endParaRPr lang="en-US" altLang="ja-JP" sz="1100" b="0" i="0" u="none" strike="noStrike">
-                        <a:solidFill>
-                          <a:srgbClr val="000000"/>
-                        </a:solidFill>
-                        <a:effectLst/>
-                        <a:latin typeface="游ゴシック" panose="020B0400000000000000" pitchFamily="50" charset="-128"/>
-                        <a:ea typeface="游ゴシック" panose="020B0400000000000000" pitchFamily="50" charset="-128"/>
-                      </a:endParaRPr>
-                    </a:p>
-                  </a:txBody>
-                  <a:tcPr marL="7620" marR="7620" marT="7620" marB="0" anchor="ctr"/>
-                </a:tc>
-                <a:tc>
-                  <a:txBody>
-                    <a:bodyPr/>
-                    <a:lstStyle/>
-                    <a:p>
-                      <a:pPr algn="l" fontAlgn="ctr"/>
-                      <a:endParaRPr lang="ja-JP" altLang="en-US" sz="1100" b="0" i="0" u="none" strike="noStrike" dirty="0">
-                        <a:solidFill>
-                          <a:srgbClr val="000000"/>
-                        </a:solidFill>
-                        <a:effectLst/>
-                        <a:latin typeface="游ゴシック" panose="020B0400000000000000" pitchFamily="50" charset="-128"/>
-                        <a:ea typeface="游ゴシック" panose="020B0400000000000000" pitchFamily="50" charset="-128"/>
-                      </a:endParaRPr>
-                    </a:p>
-                  </a:txBody>
-                  <a:tcPr marL="7620" marR="7620" marT="7620" marB="0" anchor="ctr"/>
-                </a:tc>
-                <a:extLst>
-                  <a:ext uri="{0D108BD9-81ED-4DB2-BD59-A6C34878D82A}">
-                    <a16:rowId xmlns:a16="http://schemas.microsoft.com/office/drawing/2014/main" val="4249302846"/>
-                  </a:ext>
-                </a:extLst>
-              </a:tr>
-              <a:tr h="228600">
-                <a:tc>
-                  <a:txBody>
-                    <a:bodyPr/>
-                    <a:lstStyle/>
-                    <a:p>
-                      <a:pPr algn="r" fontAlgn="ctr"/>
-                      <a:r>
-                        <a:rPr lang="en-US" altLang="ja-JP" sz="900" u="none" strike="noStrike">
-                          <a:effectLst/>
-                        </a:rPr>
-                        <a:t>2</a:t>
-                      </a:r>
-                      <a:endParaRPr lang="en-US" altLang="ja-JP" sz="900" b="0" i="0" u="none" strike="noStrike">
-                        <a:solidFill>
-                          <a:srgbClr val="242424"/>
-                        </a:solidFill>
-                        <a:effectLst/>
-                        <a:latin typeface="Segoe UI" panose="020B0502040204020203" pitchFamily="34" charset="0"/>
-                        <a:ea typeface="游ゴシック" panose="020B0400000000000000" pitchFamily="50" charset="-128"/>
-                      </a:endParaRPr>
-                    </a:p>
-                  </a:txBody>
-                  <a:tcPr marL="7620" marR="7620" marT="7620" marB="0" anchor="ctr"/>
-                </a:tc>
-                <a:tc>
-                  <a:txBody>
-                    <a:bodyPr/>
-                    <a:lstStyle/>
-                    <a:p>
-                      <a:pPr algn="l" fontAlgn="ctr"/>
-                      <a:r>
-                        <a:rPr lang="en-US" sz="1100" u="none" strike="noStrike">
-                          <a:effectLst/>
-                        </a:rPr>
-                        <a:t>name</a:t>
-                      </a:r>
-                      <a:endParaRPr lang="en-US" sz="1100" b="0" i="0" u="none" strike="noStrike">
-                        <a:solidFill>
-                          <a:srgbClr val="000000"/>
-                        </a:solidFill>
-                        <a:effectLst/>
-                        <a:latin typeface="游ゴシック" panose="020B0400000000000000" pitchFamily="50" charset="-128"/>
-                        <a:ea typeface="游ゴシック" panose="020B0400000000000000" pitchFamily="50" charset="-128"/>
-                      </a:endParaRPr>
-                    </a:p>
-                  </a:txBody>
-                  <a:tcPr marL="7620" marR="7620" marT="7620" marB="0" anchor="ctr"/>
-                </a:tc>
-                <a:tc>
-                  <a:txBody>
-                    <a:bodyPr/>
-                    <a:lstStyle/>
-                    <a:p>
-                      <a:pPr algn="l" fontAlgn="ctr"/>
-                      <a:r>
-                        <a:rPr lang="ja-JP" altLang="en-US" sz="1100" u="none" strike="noStrike">
-                          <a:effectLst/>
-                        </a:rPr>
-                        <a:t>ユーザー名</a:t>
-                      </a:r>
-                      <a:endParaRPr lang="ja-JP" altLang="en-US" sz="1100" b="0" i="0" u="none" strike="noStrike">
-                        <a:solidFill>
-                          <a:srgbClr val="000000"/>
-                        </a:solidFill>
-                        <a:effectLst/>
-                        <a:latin typeface="游ゴシック" panose="020B0400000000000000" pitchFamily="50" charset="-128"/>
-                        <a:ea typeface="游ゴシック" panose="020B0400000000000000" pitchFamily="50" charset="-128"/>
-                      </a:endParaRPr>
-                    </a:p>
-                  </a:txBody>
-                  <a:tcPr marL="7620" marR="7620" marT="7620" marB="0" anchor="ctr"/>
-                </a:tc>
-                <a:tc>
-                  <a:txBody>
-                    <a:bodyPr/>
-                    <a:lstStyle/>
-                    <a:p>
-                      <a:pPr algn="l" fontAlgn="ctr"/>
-                      <a:r>
-                        <a:rPr lang="en-US" sz="1100" u="none" strike="noStrike">
-                          <a:effectLst/>
-                        </a:rPr>
-                        <a:t>VARCHAR(255)</a:t>
-                      </a:r>
-                      <a:endParaRPr lang="en-US" sz="1100" b="0" i="0" u="none" strike="noStrike">
-                        <a:solidFill>
-                          <a:srgbClr val="000000"/>
-                        </a:solidFill>
-                        <a:effectLst/>
-                        <a:latin typeface="游ゴシック" panose="020B0400000000000000" pitchFamily="50" charset="-128"/>
-                        <a:ea typeface="游ゴシック" panose="020B0400000000000000" pitchFamily="50" charset="-128"/>
-                      </a:endParaRPr>
-                    </a:p>
-                  </a:txBody>
-                  <a:tcPr marL="7620" marR="7620" marT="7620" marB="0" anchor="ctr"/>
-                </a:tc>
-                <a:tc>
-                  <a:txBody>
-                    <a:bodyPr/>
-                    <a:lstStyle/>
-                    <a:p>
-                      <a:pPr algn="l" fontAlgn="ctr"/>
-                      <a:endParaRPr lang="ja-JP" altLang="en-US" sz="1100" b="0" i="0" u="none" strike="noStrike">
-                        <a:solidFill>
-                          <a:srgbClr val="000000"/>
-                        </a:solidFill>
-                        <a:effectLst/>
-                        <a:latin typeface="游ゴシック" panose="020B0400000000000000" pitchFamily="50" charset="-128"/>
-                        <a:ea typeface="游ゴシック" panose="020B0400000000000000" pitchFamily="50" charset="-128"/>
-                      </a:endParaRPr>
-                    </a:p>
-                  </a:txBody>
-                  <a:tcPr marL="7620" marR="7620" marT="7620" marB="0" anchor="ctr"/>
-                </a:tc>
-                <a:tc>
-                  <a:txBody>
-                    <a:bodyPr/>
-                    <a:lstStyle/>
-                    <a:p>
-                      <a:pPr algn="l" fontAlgn="ctr"/>
-                      <a:r>
-                        <a:rPr lang="en-US" altLang="ja-JP" sz="1100" u="none" strike="noStrike">
-                          <a:effectLst/>
-                        </a:rPr>
-                        <a:t>×</a:t>
-                      </a:r>
-                      <a:endParaRPr lang="en-US" altLang="ja-JP" sz="1100" b="0" i="0" u="none" strike="noStrike">
-                        <a:solidFill>
-                          <a:srgbClr val="000000"/>
-                        </a:solidFill>
-                        <a:effectLst/>
-                        <a:latin typeface="游ゴシック" panose="020B0400000000000000" pitchFamily="50" charset="-128"/>
-                        <a:ea typeface="游ゴシック" panose="020B0400000000000000" pitchFamily="50" charset="-128"/>
-                      </a:endParaRPr>
-                    </a:p>
-                  </a:txBody>
-                  <a:tcPr marL="7620" marR="7620" marT="7620" marB="0" anchor="ctr"/>
-                </a:tc>
-                <a:tc>
-                  <a:txBody>
-                    <a:bodyPr/>
-                    <a:lstStyle/>
-                    <a:p>
-                      <a:pPr algn="l" fontAlgn="ctr"/>
-                      <a:endParaRPr lang="ja-JP" altLang="en-US" sz="1100" b="0" i="0" u="none" strike="noStrike">
-                        <a:solidFill>
-                          <a:srgbClr val="000000"/>
-                        </a:solidFill>
-                        <a:effectLst/>
-                        <a:latin typeface="游ゴシック" panose="020B0400000000000000" pitchFamily="50" charset="-128"/>
-                        <a:ea typeface="游ゴシック" panose="020B0400000000000000" pitchFamily="50" charset="-128"/>
-                      </a:endParaRPr>
-                    </a:p>
-                  </a:txBody>
-                  <a:tcPr marL="7620" marR="7620" marT="7620" marB="0" anchor="ctr"/>
-                </a:tc>
-                <a:extLst>
-                  <a:ext uri="{0D108BD9-81ED-4DB2-BD59-A6C34878D82A}">
-                    <a16:rowId xmlns:a16="http://schemas.microsoft.com/office/drawing/2014/main" val="4025454594"/>
-                  </a:ext>
-                </a:extLst>
-              </a:tr>
-              <a:tr h="228600">
-                <a:tc>
-                  <a:txBody>
-                    <a:bodyPr/>
-                    <a:lstStyle/>
-                    <a:p>
-                      <a:pPr algn="r" fontAlgn="ctr"/>
-                      <a:r>
-                        <a:rPr lang="en-US" altLang="ja-JP" sz="900" u="none" strike="noStrike">
-                          <a:effectLst/>
-                        </a:rPr>
-                        <a:t>3</a:t>
-                      </a:r>
-                      <a:endParaRPr lang="en-US" altLang="ja-JP" sz="900" b="0" i="0" u="none" strike="noStrike">
-                        <a:solidFill>
-                          <a:srgbClr val="242424"/>
-                        </a:solidFill>
-                        <a:effectLst/>
-                        <a:latin typeface="Segoe UI" panose="020B0502040204020203" pitchFamily="34" charset="0"/>
-                        <a:ea typeface="游ゴシック" panose="020B0400000000000000" pitchFamily="50" charset="-128"/>
-                      </a:endParaRPr>
-                    </a:p>
-                  </a:txBody>
-                  <a:tcPr marL="7620" marR="7620" marT="7620" marB="0" anchor="ctr"/>
-                </a:tc>
-                <a:tc>
-                  <a:txBody>
-                    <a:bodyPr/>
-                    <a:lstStyle/>
-                    <a:p>
-                      <a:pPr algn="l" fontAlgn="ctr"/>
-                      <a:r>
-                        <a:rPr lang="en-US" sz="1100" u="none" strike="noStrike">
-                          <a:effectLst/>
-                        </a:rPr>
-                        <a:t>mail</a:t>
-                      </a:r>
-                      <a:endParaRPr lang="en-US" sz="1100" b="0" i="0" u="none" strike="noStrike">
-                        <a:solidFill>
-                          <a:srgbClr val="000000"/>
-                        </a:solidFill>
-                        <a:effectLst/>
-                        <a:latin typeface="游ゴシック" panose="020B0400000000000000" pitchFamily="50" charset="-128"/>
-                        <a:ea typeface="游ゴシック" panose="020B0400000000000000" pitchFamily="50" charset="-128"/>
-                      </a:endParaRPr>
-                    </a:p>
-                  </a:txBody>
-                  <a:tcPr marL="7620" marR="7620" marT="7620" marB="0" anchor="ctr"/>
-                </a:tc>
-                <a:tc>
-                  <a:txBody>
-                    <a:bodyPr/>
-                    <a:lstStyle/>
-                    <a:p>
-                      <a:pPr algn="l" fontAlgn="ctr"/>
-                      <a:r>
-                        <a:rPr lang="ja-JP" altLang="en-US" sz="1100" u="none" strike="noStrike">
-                          <a:effectLst/>
-                        </a:rPr>
-                        <a:t>メールアドレス</a:t>
-                      </a:r>
-                      <a:endParaRPr lang="ja-JP" altLang="en-US" sz="1100" b="0" i="0" u="none" strike="noStrike">
-                        <a:solidFill>
-                          <a:srgbClr val="000000"/>
-                        </a:solidFill>
-                        <a:effectLst/>
-                        <a:latin typeface="游ゴシック" panose="020B0400000000000000" pitchFamily="50" charset="-128"/>
-                        <a:ea typeface="游ゴシック" panose="020B0400000000000000" pitchFamily="50" charset="-128"/>
-                      </a:endParaRPr>
-                    </a:p>
-                  </a:txBody>
-                  <a:tcPr marL="7620" marR="7620" marT="7620" marB="0" anchor="ctr"/>
-                </a:tc>
-                <a:tc>
-                  <a:txBody>
-                    <a:bodyPr/>
-                    <a:lstStyle/>
-                    <a:p>
-                      <a:pPr algn="l" fontAlgn="ctr"/>
-                      <a:r>
-                        <a:rPr lang="en-US" sz="1100" u="none" strike="noStrike">
-                          <a:effectLst/>
-                        </a:rPr>
-                        <a:t>VARCHAR(255)</a:t>
-                      </a:r>
-                      <a:endParaRPr lang="en-US" sz="1100" b="0" i="0" u="none" strike="noStrike">
-                        <a:solidFill>
-                          <a:srgbClr val="000000"/>
-                        </a:solidFill>
-                        <a:effectLst/>
-                        <a:latin typeface="游ゴシック" panose="020B0400000000000000" pitchFamily="50" charset="-128"/>
-                        <a:ea typeface="游ゴシック" panose="020B0400000000000000" pitchFamily="50" charset="-128"/>
-                      </a:endParaRPr>
-                    </a:p>
-                  </a:txBody>
-                  <a:tcPr marL="7620" marR="7620" marT="7620" marB="0" anchor="ctr"/>
-                </a:tc>
-                <a:tc>
-                  <a:txBody>
-                    <a:bodyPr/>
-                    <a:lstStyle/>
-                    <a:p>
-                      <a:pPr algn="l" fontAlgn="ctr"/>
-                      <a:r>
-                        <a:rPr lang="en-US" sz="1100" u="none" strike="noStrike">
-                          <a:effectLst/>
-                        </a:rPr>
-                        <a:t>UK</a:t>
-                      </a:r>
-                      <a:endParaRPr lang="en-US" sz="1100" b="0" i="0" u="none" strike="noStrike">
-                        <a:solidFill>
-                          <a:srgbClr val="000000"/>
-                        </a:solidFill>
-                        <a:effectLst/>
-                        <a:latin typeface="游ゴシック" panose="020B0400000000000000" pitchFamily="50" charset="-128"/>
-                        <a:ea typeface="游ゴシック" panose="020B0400000000000000" pitchFamily="50" charset="-128"/>
-                      </a:endParaRPr>
-                    </a:p>
-                  </a:txBody>
-                  <a:tcPr marL="7620" marR="7620" marT="7620" marB="0" anchor="ctr"/>
-                </a:tc>
-                <a:tc>
-                  <a:txBody>
-                    <a:bodyPr/>
-                    <a:lstStyle/>
-                    <a:p>
-                      <a:pPr algn="l" fontAlgn="ctr"/>
-                      <a:r>
-                        <a:rPr lang="en-US" altLang="ja-JP" sz="1100" u="none" strike="noStrike">
-                          <a:effectLst/>
-                        </a:rPr>
-                        <a:t>×</a:t>
-                      </a:r>
-                      <a:endParaRPr lang="en-US" altLang="ja-JP" sz="1100" b="0" i="0" u="none" strike="noStrike">
-                        <a:solidFill>
-                          <a:srgbClr val="000000"/>
-                        </a:solidFill>
-                        <a:effectLst/>
-                        <a:latin typeface="游ゴシック" panose="020B0400000000000000" pitchFamily="50" charset="-128"/>
-                        <a:ea typeface="游ゴシック" panose="020B0400000000000000" pitchFamily="50" charset="-128"/>
-                      </a:endParaRPr>
-                    </a:p>
-                  </a:txBody>
-                  <a:tcPr marL="7620" marR="7620" marT="7620" marB="0" anchor="ctr"/>
-                </a:tc>
-                <a:tc>
-                  <a:txBody>
-                    <a:bodyPr/>
-                    <a:lstStyle/>
-                    <a:p>
-                      <a:pPr algn="l" fontAlgn="ctr"/>
-                      <a:endParaRPr lang="ja-JP" altLang="en-US" sz="1100" b="0" i="0" u="none" strike="noStrike">
-                        <a:solidFill>
-                          <a:srgbClr val="000000"/>
-                        </a:solidFill>
-                        <a:effectLst/>
-                        <a:latin typeface="游ゴシック" panose="020B0400000000000000" pitchFamily="50" charset="-128"/>
-                        <a:ea typeface="游ゴシック" panose="020B0400000000000000" pitchFamily="50" charset="-128"/>
-                      </a:endParaRPr>
-                    </a:p>
-                  </a:txBody>
-                  <a:tcPr marL="7620" marR="7620" marT="7620" marB="0" anchor="ctr"/>
-                </a:tc>
-                <a:extLst>
-                  <a:ext uri="{0D108BD9-81ED-4DB2-BD59-A6C34878D82A}">
-                    <a16:rowId xmlns:a16="http://schemas.microsoft.com/office/drawing/2014/main" val="973519467"/>
-                  </a:ext>
-                </a:extLst>
-              </a:tr>
-              <a:tr h="228600">
-                <a:tc>
-                  <a:txBody>
-                    <a:bodyPr/>
-                    <a:lstStyle/>
-                    <a:p>
-                      <a:pPr algn="r" fontAlgn="ctr"/>
-                      <a:r>
-                        <a:rPr lang="en-US" altLang="ja-JP" sz="900" u="none" strike="noStrike">
-                          <a:effectLst/>
-                        </a:rPr>
-                        <a:t>4</a:t>
-                      </a:r>
-                      <a:endParaRPr lang="en-US" altLang="ja-JP" sz="900" b="0" i="0" u="none" strike="noStrike">
-                        <a:solidFill>
-                          <a:srgbClr val="242424"/>
-                        </a:solidFill>
-                        <a:effectLst/>
-                        <a:latin typeface="Segoe UI" panose="020B0502040204020203" pitchFamily="34" charset="0"/>
-                        <a:ea typeface="游ゴシック" panose="020B0400000000000000" pitchFamily="50" charset="-128"/>
-                      </a:endParaRPr>
-                    </a:p>
-                  </a:txBody>
-                  <a:tcPr marL="7620" marR="7620" marT="7620" marB="0" anchor="ctr"/>
-                </a:tc>
-                <a:tc>
-                  <a:txBody>
-                    <a:bodyPr/>
-                    <a:lstStyle/>
-                    <a:p>
-                      <a:pPr algn="l" fontAlgn="ctr"/>
-                      <a:r>
-                        <a:rPr lang="en-US" sz="1100" u="none" strike="noStrike">
-                          <a:effectLst/>
-                        </a:rPr>
-                        <a:t>password</a:t>
-                      </a:r>
-                      <a:endParaRPr lang="en-US" sz="1100" b="0" i="0" u="none" strike="noStrike">
-                        <a:solidFill>
-                          <a:srgbClr val="000000"/>
-                        </a:solidFill>
-                        <a:effectLst/>
-                        <a:latin typeface="游ゴシック" panose="020B0400000000000000" pitchFamily="50" charset="-128"/>
-                        <a:ea typeface="游ゴシック" panose="020B0400000000000000" pitchFamily="50" charset="-128"/>
-                      </a:endParaRPr>
-                    </a:p>
-                  </a:txBody>
-                  <a:tcPr marL="7620" marR="7620" marT="7620" marB="0" anchor="ctr"/>
-                </a:tc>
-                <a:tc>
-                  <a:txBody>
-                    <a:bodyPr/>
-                    <a:lstStyle/>
-                    <a:p>
-                      <a:pPr algn="l" fontAlgn="ctr"/>
-                      <a:r>
-                        <a:rPr lang="ja-JP" altLang="en-US" sz="1100" u="none" strike="noStrike">
-                          <a:effectLst/>
-                        </a:rPr>
-                        <a:t>パスワード</a:t>
-                      </a:r>
-                      <a:endParaRPr lang="ja-JP" altLang="en-US" sz="1100" b="0" i="0" u="none" strike="noStrike">
-                        <a:solidFill>
-                          <a:srgbClr val="000000"/>
-                        </a:solidFill>
-                        <a:effectLst/>
-                        <a:latin typeface="游ゴシック" panose="020B0400000000000000" pitchFamily="50" charset="-128"/>
-                        <a:ea typeface="游ゴシック" panose="020B0400000000000000" pitchFamily="50" charset="-128"/>
-                      </a:endParaRPr>
-                    </a:p>
-                  </a:txBody>
-                  <a:tcPr marL="7620" marR="7620" marT="7620" marB="0" anchor="ctr"/>
-                </a:tc>
-                <a:tc>
-                  <a:txBody>
-                    <a:bodyPr/>
-                    <a:lstStyle/>
-                    <a:p>
-                      <a:pPr algn="l" fontAlgn="ctr"/>
-                      <a:r>
-                        <a:rPr lang="en-US" sz="1100" u="none" strike="noStrike">
-                          <a:effectLst/>
-                        </a:rPr>
-                        <a:t>VARCHAR(255)</a:t>
-                      </a:r>
-                      <a:endParaRPr lang="en-US" sz="1100" b="0" i="0" u="none" strike="noStrike">
-                        <a:solidFill>
-                          <a:srgbClr val="000000"/>
-                        </a:solidFill>
-                        <a:effectLst/>
-                        <a:latin typeface="游ゴシック" panose="020B0400000000000000" pitchFamily="50" charset="-128"/>
-                        <a:ea typeface="游ゴシック" panose="020B0400000000000000" pitchFamily="50" charset="-128"/>
-                      </a:endParaRPr>
-                    </a:p>
-                  </a:txBody>
-                  <a:tcPr marL="7620" marR="7620" marT="7620" marB="0" anchor="ctr"/>
-                </a:tc>
-                <a:tc>
-                  <a:txBody>
-                    <a:bodyPr/>
-                    <a:lstStyle/>
-                    <a:p>
-                      <a:pPr algn="l" fontAlgn="ctr"/>
-                      <a:endParaRPr lang="ja-JP" altLang="en-US" sz="1100" b="0" i="0" u="none" strike="noStrike">
-                        <a:solidFill>
-                          <a:srgbClr val="000000"/>
-                        </a:solidFill>
-                        <a:effectLst/>
-                        <a:latin typeface="游ゴシック" panose="020B0400000000000000" pitchFamily="50" charset="-128"/>
-                        <a:ea typeface="游ゴシック" panose="020B0400000000000000" pitchFamily="50" charset="-128"/>
-                      </a:endParaRPr>
-                    </a:p>
-                  </a:txBody>
-                  <a:tcPr marL="7620" marR="7620" marT="7620" marB="0" anchor="ctr"/>
-                </a:tc>
-                <a:tc>
-                  <a:txBody>
-                    <a:bodyPr/>
-                    <a:lstStyle/>
-                    <a:p>
-                      <a:pPr algn="l" fontAlgn="ctr"/>
-                      <a:r>
-                        <a:rPr lang="en-US" altLang="ja-JP" sz="1100" u="none" strike="noStrike">
-                          <a:effectLst/>
-                        </a:rPr>
-                        <a:t>×</a:t>
-                      </a:r>
-                      <a:endParaRPr lang="en-US" altLang="ja-JP" sz="1100" b="0" i="0" u="none" strike="noStrike">
-                        <a:solidFill>
-                          <a:srgbClr val="000000"/>
-                        </a:solidFill>
-                        <a:effectLst/>
-                        <a:latin typeface="游ゴシック" panose="020B0400000000000000" pitchFamily="50" charset="-128"/>
-                        <a:ea typeface="游ゴシック" panose="020B0400000000000000" pitchFamily="50" charset="-128"/>
-                      </a:endParaRPr>
-                    </a:p>
-                  </a:txBody>
-                  <a:tcPr marL="7620" marR="7620" marT="7620" marB="0" anchor="ctr"/>
-                </a:tc>
-                <a:tc>
-                  <a:txBody>
-                    <a:bodyPr/>
-                    <a:lstStyle/>
-                    <a:p>
-                      <a:pPr algn="l" fontAlgn="ctr"/>
-                      <a:endParaRPr lang="ja-JP" altLang="en-US" sz="1100" b="0" i="0" u="none" strike="noStrike">
-                        <a:solidFill>
-                          <a:srgbClr val="000000"/>
-                        </a:solidFill>
-                        <a:effectLst/>
-                        <a:latin typeface="游ゴシック" panose="020B0400000000000000" pitchFamily="50" charset="-128"/>
-                        <a:ea typeface="游ゴシック" panose="020B0400000000000000" pitchFamily="50" charset="-128"/>
-                      </a:endParaRPr>
-                    </a:p>
-                  </a:txBody>
-                  <a:tcPr marL="7620" marR="7620" marT="7620" marB="0" anchor="ctr"/>
-                </a:tc>
-                <a:extLst>
-                  <a:ext uri="{0D108BD9-81ED-4DB2-BD59-A6C34878D82A}">
-                    <a16:rowId xmlns:a16="http://schemas.microsoft.com/office/drawing/2014/main" val="174041162"/>
-                  </a:ext>
-                </a:extLst>
-              </a:tr>
-              <a:tr h="228600">
-                <a:tc>
-                  <a:txBody>
-                    <a:bodyPr/>
-                    <a:lstStyle/>
-                    <a:p>
-                      <a:pPr algn="r" fontAlgn="ctr"/>
-                      <a:r>
-                        <a:rPr lang="en-US" altLang="ja-JP" sz="900" u="none" strike="noStrike">
-                          <a:effectLst/>
-                        </a:rPr>
-                        <a:t>5</a:t>
-                      </a:r>
-                      <a:endParaRPr lang="en-US" altLang="ja-JP" sz="900" b="0" i="0" u="none" strike="noStrike">
-                        <a:solidFill>
-                          <a:srgbClr val="242424"/>
-                        </a:solidFill>
-                        <a:effectLst/>
-                        <a:latin typeface="Segoe UI" panose="020B0502040204020203" pitchFamily="34" charset="0"/>
-                        <a:ea typeface="游ゴシック" panose="020B0400000000000000" pitchFamily="50" charset="-128"/>
-                      </a:endParaRPr>
-                    </a:p>
-                  </a:txBody>
-                  <a:tcPr marL="7620" marR="7620" marT="7620" marB="0" anchor="ctr"/>
-                </a:tc>
-                <a:tc>
-                  <a:txBody>
-                    <a:bodyPr/>
-                    <a:lstStyle/>
-                    <a:p>
-                      <a:pPr algn="l" fontAlgn="ctr"/>
-                      <a:r>
-                        <a:rPr lang="en-US" sz="1100" u="none" strike="noStrike">
-                          <a:effectLst/>
-                        </a:rPr>
-                        <a:t>created_at</a:t>
-                      </a:r>
-                      <a:endParaRPr lang="en-US" sz="1100" b="0" i="0" u="none" strike="noStrike">
-                        <a:solidFill>
-                          <a:srgbClr val="000000"/>
-                        </a:solidFill>
-                        <a:effectLst/>
-                        <a:latin typeface="游ゴシック" panose="020B0400000000000000" pitchFamily="50" charset="-128"/>
-                        <a:ea typeface="游ゴシック" panose="020B0400000000000000" pitchFamily="50" charset="-128"/>
-                      </a:endParaRPr>
-                    </a:p>
-                  </a:txBody>
-                  <a:tcPr marL="7620" marR="7620" marT="7620" marB="0" anchor="ctr"/>
-                </a:tc>
-                <a:tc>
-                  <a:txBody>
-                    <a:bodyPr/>
-                    <a:lstStyle/>
-                    <a:p>
-                      <a:pPr algn="l" fontAlgn="ctr"/>
-                      <a:r>
-                        <a:rPr lang="ja-JP" altLang="en-US" sz="1100" u="none" strike="noStrike">
-                          <a:effectLst/>
-                        </a:rPr>
-                        <a:t>登録日時</a:t>
-                      </a:r>
-                      <a:endParaRPr lang="ja-JP" altLang="en-US" sz="1100" b="0" i="0" u="none" strike="noStrike">
-                        <a:solidFill>
-                          <a:srgbClr val="000000"/>
-                        </a:solidFill>
-                        <a:effectLst/>
-                        <a:latin typeface="游ゴシック" panose="020B0400000000000000" pitchFamily="50" charset="-128"/>
-                        <a:ea typeface="游ゴシック" panose="020B0400000000000000" pitchFamily="50" charset="-128"/>
-                      </a:endParaRPr>
-                    </a:p>
-                  </a:txBody>
-                  <a:tcPr marL="7620" marR="7620" marT="7620" marB="0" anchor="ctr"/>
-                </a:tc>
-                <a:tc>
-                  <a:txBody>
-                    <a:bodyPr/>
-                    <a:lstStyle/>
-                    <a:p>
-                      <a:pPr algn="l" fontAlgn="ctr"/>
-                      <a:r>
-                        <a:rPr lang="en-US" sz="1100" u="none" strike="noStrike">
-                          <a:effectLst/>
-                        </a:rPr>
-                        <a:t>DATETIME</a:t>
-                      </a:r>
-                      <a:endParaRPr lang="en-US" sz="1100" b="0" i="0" u="none" strike="noStrike">
-                        <a:solidFill>
-                          <a:srgbClr val="000000"/>
-                        </a:solidFill>
-                        <a:effectLst/>
-                        <a:latin typeface="游ゴシック" panose="020B0400000000000000" pitchFamily="50" charset="-128"/>
-                        <a:ea typeface="游ゴシック" panose="020B0400000000000000" pitchFamily="50" charset="-128"/>
-                      </a:endParaRPr>
-                    </a:p>
-                  </a:txBody>
-                  <a:tcPr marL="7620" marR="7620" marT="7620" marB="0" anchor="ctr"/>
-                </a:tc>
-                <a:tc>
-                  <a:txBody>
-                    <a:bodyPr/>
-                    <a:lstStyle/>
-                    <a:p>
-                      <a:pPr algn="l" fontAlgn="ctr"/>
-                      <a:endParaRPr lang="ja-JP" altLang="en-US" sz="1100" b="0" i="0" u="none" strike="noStrike">
-                        <a:solidFill>
-                          <a:srgbClr val="000000"/>
-                        </a:solidFill>
-                        <a:effectLst/>
-                        <a:latin typeface="游ゴシック" panose="020B0400000000000000" pitchFamily="50" charset="-128"/>
-                        <a:ea typeface="游ゴシック" panose="020B0400000000000000" pitchFamily="50" charset="-128"/>
-                      </a:endParaRPr>
-                    </a:p>
-                  </a:txBody>
-                  <a:tcPr marL="7620" marR="7620" marT="7620" marB="0" anchor="ctr"/>
-                </a:tc>
-                <a:tc>
-                  <a:txBody>
-                    <a:bodyPr/>
-                    <a:lstStyle/>
-                    <a:p>
-                      <a:pPr algn="l" fontAlgn="ctr"/>
-                      <a:endParaRPr lang="ja-JP" altLang="en-US" sz="1100" b="0" i="0" u="none" strike="noStrike">
-                        <a:solidFill>
-                          <a:srgbClr val="000000"/>
-                        </a:solidFill>
-                        <a:effectLst/>
-                        <a:latin typeface="游ゴシック" panose="020B0400000000000000" pitchFamily="50" charset="-128"/>
-                        <a:ea typeface="游ゴシック" panose="020B0400000000000000" pitchFamily="50" charset="-128"/>
-                      </a:endParaRPr>
-                    </a:p>
-                  </a:txBody>
-                  <a:tcPr marL="7620" marR="7620" marT="7620" marB="0" anchor="ctr"/>
-                </a:tc>
-                <a:tc>
-                  <a:txBody>
-                    <a:bodyPr/>
-                    <a:lstStyle/>
-                    <a:p>
-                      <a:pPr algn="l" fontAlgn="ctr"/>
-                      <a:endParaRPr lang="ja-JP" altLang="en-US" sz="1100" b="0" i="0" u="none" strike="noStrike">
-                        <a:solidFill>
-                          <a:srgbClr val="000000"/>
-                        </a:solidFill>
-                        <a:effectLst/>
-                        <a:latin typeface="游ゴシック" panose="020B0400000000000000" pitchFamily="50" charset="-128"/>
-                        <a:ea typeface="游ゴシック" panose="020B0400000000000000" pitchFamily="50" charset="-128"/>
-                      </a:endParaRPr>
-                    </a:p>
-                  </a:txBody>
-                  <a:tcPr marL="7620" marR="7620" marT="7620" marB="0" anchor="ctr"/>
-                </a:tc>
-                <a:extLst>
-                  <a:ext uri="{0D108BD9-81ED-4DB2-BD59-A6C34878D82A}">
-                    <a16:rowId xmlns:a16="http://schemas.microsoft.com/office/drawing/2014/main" val="3459525375"/>
-                  </a:ext>
-                </a:extLst>
-              </a:tr>
-              <a:tr h="228600">
-                <a:tc>
-                  <a:txBody>
-                    <a:bodyPr/>
-                    <a:lstStyle/>
-                    <a:p>
-                      <a:pPr algn="r" fontAlgn="ctr"/>
-                      <a:r>
-                        <a:rPr lang="en-US" altLang="ja-JP" sz="900" u="none" strike="noStrike">
-                          <a:effectLst/>
-                        </a:rPr>
-                        <a:t>6</a:t>
-                      </a:r>
-                      <a:endParaRPr lang="en-US" altLang="ja-JP" sz="900" b="0" i="0" u="none" strike="noStrike">
-                        <a:solidFill>
-                          <a:srgbClr val="242424"/>
-                        </a:solidFill>
-                        <a:effectLst/>
-                        <a:latin typeface="Segoe UI" panose="020B0502040204020203" pitchFamily="34" charset="0"/>
-                        <a:ea typeface="游ゴシック" panose="020B0400000000000000" pitchFamily="50" charset="-128"/>
-                      </a:endParaRPr>
-                    </a:p>
-                  </a:txBody>
-                  <a:tcPr marL="7620" marR="7620" marT="7620" marB="0" anchor="ctr"/>
-                </a:tc>
-                <a:tc>
-                  <a:txBody>
-                    <a:bodyPr/>
-                    <a:lstStyle/>
-                    <a:p>
-                      <a:pPr algn="l" fontAlgn="ctr"/>
-                      <a:r>
-                        <a:rPr lang="en-US" sz="1100" u="none" strike="noStrike">
-                          <a:effectLst/>
-                        </a:rPr>
-                        <a:t>updated_at</a:t>
-                      </a:r>
-                      <a:endParaRPr lang="en-US" sz="1100" b="0" i="0" u="none" strike="noStrike">
-                        <a:solidFill>
-                          <a:srgbClr val="000000"/>
-                        </a:solidFill>
-                        <a:effectLst/>
-                        <a:latin typeface="游ゴシック" panose="020B0400000000000000" pitchFamily="50" charset="-128"/>
-                        <a:ea typeface="游ゴシック" panose="020B0400000000000000" pitchFamily="50" charset="-128"/>
-                      </a:endParaRPr>
-                    </a:p>
-                  </a:txBody>
-                  <a:tcPr marL="7620" marR="7620" marT="7620" marB="0" anchor="ctr"/>
-                </a:tc>
-                <a:tc>
-                  <a:txBody>
-                    <a:bodyPr/>
-                    <a:lstStyle/>
-                    <a:p>
-                      <a:pPr algn="l" fontAlgn="ctr"/>
-                      <a:r>
-                        <a:rPr lang="ja-JP" altLang="en-US" sz="1100" u="none" strike="noStrike">
-                          <a:effectLst/>
-                        </a:rPr>
-                        <a:t>更新日時</a:t>
-                      </a:r>
-                      <a:endParaRPr lang="ja-JP" altLang="en-US" sz="1100" b="0" i="0" u="none" strike="noStrike">
-                        <a:solidFill>
-                          <a:srgbClr val="000000"/>
-                        </a:solidFill>
-                        <a:effectLst/>
-                        <a:latin typeface="游ゴシック" panose="020B0400000000000000" pitchFamily="50" charset="-128"/>
-                        <a:ea typeface="游ゴシック" panose="020B0400000000000000" pitchFamily="50" charset="-128"/>
-                      </a:endParaRPr>
-                    </a:p>
-                  </a:txBody>
-                  <a:tcPr marL="7620" marR="7620" marT="7620" marB="0" anchor="ctr"/>
-                </a:tc>
-                <a:tc>
-                  <a:txBody>
-                    <a:bodyPr/>
-                    <a:lstStyle/>
-                    <a:p>
-                      <a:pPr algn="l" fontAlgn="ctr"/>
-                      <a:r>
-                        <a:rPr lang="en-US" sz="1100" u="none" strike="noStrike">
-                          <a:effectLst/>
-                        </a:rPr>
-                        <a:t>DATETIME</a:t>
-                      </a:r>
-                      <a:endParaRPr lang="en-US" sz="1100" b="0" i="0" u="none" strike="noStrike">
-                        <a:solidFill>
-                          <a:srgbClr val="000000"/>
-                        </a:solidFill>
-                        <a:effectLst/>
-                        <a:latin typeface="游ゴシック" panose="020B0400000000000000" pitchFamily="50" charset="-128"/>
-                        <a:ea typeface="游ゴシック" panose="020B0400000000000000" pitchFamily="50" charset="-128"/>
-                      </a:endParaRPr>
-                    </a:p>
-                  </a:txBody>
-                  <a:tcPr marL="7620" marR="7620" marT="7620" marB="0" anchor="ctr"/>
-                </a:tc>
-                <a:tc>
-                  <a:txBody>
-                    <a:bodyPr/>
-                    <a:lstStyle/>
-                    <a:p>
-                      <a:pPr algn="l" fontAlgn="ctr"/>
-                      <a:endParaRPr lang="ja-JP" altLang="en-US" sz="1100" b="0" i="0" u="none" strike="noStrike">
-                        <a:solidFill>
-                          <a:srgbClr val="000000"/>
-                        </a:solidFill>
-                        <a:effectLst/>
-                        <a:latin typeface="游ゴシック" panose="020B0400000000000000" pitchFamily="50" charset="-128"/>
-                        <a:ea typeface="游ゴシック" panose="020B0400000000000000" pitchFamily="50" charset="-128"/>
-                      </a:endParaRPr>
-                    </a:p>
-                  </a:txBody>
-                  <a:tcPr marL="7620" marR="7620" marT="7620" marB="0" anchor="ctr"/>
-                </a:tc>
-                <a:tc>
-                  <a:txBody>
-                    <a:bodyPr/>
-                    <a:lstStyle/>
-                    <a:p>
-                      <a:pPr algn="l" fontAlgn="ctr"/>
-                      <a:endParaRPr lang="ja-JP" altLang="en-US" sz="1100" b="0" i="0" u="none" strike="noStrike">
-                        <a:solidFill>
-                          <a:srgbClr val="000000"/>
-                        </a:solidFill>
-                        <a:effectLst/>
-                        <a:latin typeface="游ゴシック" panose="020B0400000000000000" pitchFamily="50" charset="-128"/>
-                        <a:ea typeface="游ゴシック" panose="020B0400000000000000" pitchFamily="50" charset="-128"/>
-                      </a:endParaRPr>
-                    </a:p>
-                  </a:txBody>
-                  <a:tcPr marL="7620" marR="7620" marT="7620" marB="0" anchor="ctr"/>
-                </a:tc>
-                <a:tc>
-                  <a:txBody>
-                    <a:bodyPr/>
-                    <a:lstStyle/>
-                    <a:p>
-                      <a:pPr algn="l" fontAlgn="ctr"/>
-                      <a:endParaRPr lang="ja-JP" altLang="en-US" sz="1100" b="0" i="0" u="none" strike="noStrike" dirty="0">
-                        <a:solidFill>
-                          <a:srgbClr val="000000"/>
-                        </a:solidFill>
-                        <a:effectLst/>
-                        <a:latin typeface="游ゴシック" panose="020B0400000000000000" pitchFamily="50" charset="-128"/>
-                        <a:ea typeface="游ゴシック" panose="020B0400000000000000" pitchFamily="50" charset="-128"/>
-                      </a:endParaRPr>
-                    </a:p>
-                  </a:txBody>
-                  <a:tcPr marL="7620" marR="7620" marT="7620" marB="0" anchor="ctr"/>
-                </a:tc>
-                <a:extLst>
-                  <a:ext uri="{0D108BD9-81ED-4DB2-BD59-A6C34878D82A}">
-                    <a16:rowId xmlns:a16="http://schemas.microsoft.com/office/drawing/2014/main" val="1285812905"/>
                   </a:ext>
                 </a:extLst>
               </a:tr>
@@ -6940,134 +5637,12 @@
           </a:fontRef>
         </p:style>
       </p:cxnSp>
-    </p:spTree>
-    <p:extLst>
-      <p:ext uri="{BB962C8B-B14F-4D97-AF65-F5344CB8AC3E}">
-        <p14:creationId xmlns:p14="http://schemas.microsoft.com/office/powerpoint/2010/main" val="4162796079"/>
-      </p:ext>
-    </p:extLst>
-  </p:cSld>
-  <p:clrMapOvr>
-    <a:masterClrMapping/>
-  </p:clrMapOvr>
-</p:sld>
-</file>
-
-<file path=ppt/slides/slide2.xml><?xml version="1.0" encoding="utf-8"?>
-<p:sld xmlns:a="http://schemas.openxmlformats.org/drawingml/2006/main" xmlns:r="http://schemas.openxmlformats.org/officeDocument/2006/relationships" xmlns:p="http://schemas.openxmlformats.org/presentationml/2006/main">
-  <p:cSld>
-    <p:spTree>
-      <p:nvGrpSpPr>
-        <p:cNvPr id="1" name=""/>
-        <p:cNvGrpSpPr/>
-        <p:nvPr/>
-      </p:nvGrpSpPr>
-      <p:grpSpPr>
-        <a:xfrm>
-          <a:off x="0" y="0"/>
-          <a:ext cx="0" cy="0"/>
-          <a:chOff x="0" y="0"/>
-          <a:chExt cx="0" cy="0"/>
-        </a:xfrm>
-      </p:grpSpPr>
-      <p:sp>
-        <p:nvSpPr>
-          <p:cNvPr id="2" name="タイトル 1">
+      <p:graphicFrame>
+        <p:nvGraphicFramePr>
+          <p:cNvPr id="8" name="表 7">
             <a:extLst>
               <a:ext uri="{FF2B5EF4-FFF2-40B4-BE49-F238E27FC236}">
-                <a16:creationId xmlns:a16="http://schemas.microsoft.com/office/drawing/2014/main" id="{FE957A91-BFF6-6A06-AC1C-86DBF0F76731}"/>
-              </a:ext>
-            </a:extLst>
-          </p:cNvPr>
-          <p:cNvSpPr>
-            <a:spLocks noGrp="1"/>
-          </p:cNvSpPr>
-          <p:nvPr>
-            <p:ph type="title"/>
-          </p:nvPr>
-        </p:nvSpPr>
-        <p:spPr>
-          <a:xfrm flipV="1">
-            <a:off x="838200" y="-676274"/>
-            <a:ext cx="10515600" cy="142874"/>
-          </a:xfrm>
-        </p:spPr>
-        <p:txBody>
-          <a:bodyPr>
-            <a:normAutofit fontScale="90000"/>
-          </a:bodyPr>
-          <a:lstStyle/>
-          <a:p>
-            <a:endParaRPr kumimoji="1" lang="ja-JP" altLang="en-US" dirty="0"/>
-          </a:p>
-        </p:txBody>
-      </p:sp>
-      <p:sp>
-        <p:nvSpPr>
-          <p:cNvPr id="6" name="コンテンツ プレースホルダー 5">
-            <a:extLst>
-              <a:ext uri="{FF2B5EF4-FFF2-40B4-BE49-F238E27FC236}">
-                <a16:creationId xmlns:a16="http://schemas.microsoft.com/office/drawing/2014/main" id="{528F69E7-D802-C1D2-80A1-8D8D23870569}"/>
-              </a:ext>
-            </a:extLst>
-          </p:cNvPr>
-          <p:cNvSpPr>
-            <a:spLocks noGrp="1"/>
-          </p:cNvSpPr>
-          <p:nvPr>
-            <p:ph idx="1"/>
-          </p:nvPr>
-        </p:nvSpPr>
-        <p:spPr>
-          <a:xfrm>
-            <a:off x="-1" y="0"/>
-            <a:ext cx="12258675" cy="6419850"/>
-          </a:xfrm>
-        </p:spPr>
-        <p:txBody>
-          <a:bodyPr/>
-          <a:lstStyle/>
-          <a:p>
-            <a:pPr marL="0" indent="0">
-              <a:buNone/>
-            </a:pPr>
-            <a:endParaRPr lang="en-US" altLang="ja-JP" dirty="0"/>
-          </a:p>
-          <a:p>
-            <a:pPr marL="0" indent="0">
-              <a:buNone/>
-            </a:pPr>
-            <a:endParaRPr lang="en-US" altLang="ja-JP" dirty="0"/>
-          </a:p>
-          <a:p>
-            <a:pPr marL="0" indent="0">
-              <a:buNone/>
-            </a:pPr>
-            <a:endParaRPr lang="en-US" altLang="ja-JP" dirty="0"/>
-          </a:p>
-          <a:p>
-            <a:pPr marL="0" indent="0">
-              <a:buNone/>
-            </a:pPr>
-            <a:r>
-              <a:rPr lang="en-US" altLang="ja-JP" dirty="0"/>
-              <a:t>                   user                                                      outcomes</a:t>
-            </a:r>
-          </a:p>
-          <a:p>
-            <a:pPr marL="0" indent="0">
-              <a:buNone/>
-            </a:pPr>
-            <a:endParaRPr lang="ja-JP" altLang="en-US" dirty="0"/>
-          </a:p>
-        </p:txBody>
-      </p:sp>
-      <p:graphicFrame>
-        <p:nvGraphicFramePr>
-          <p:cNvPr id="7" name="表 6">
-            <a:extLst>
-              <a:ext uri="{FF2B5EF4-FFF2-40B4-BE49-F238E27FC236}">
-                <a16:creationId xmlns:a16="http://schemas.microsoft.com/office/drawing/2014/main" id="{4960E283-311F-C365-E2C6-2AE58BE23ABE}"/>
+                <a16:creationId xmlns:a16="http://schemas.microsoft.com/office/drawing/2014/main" id="{22B0881D-0C93-44E9-DCAD-0377BFC64EBD}"/>
               </a:ext>
             </a:extLst>
           </p:cNvPr>
@@ -7077,14 +5652,14 @@
           <p:nvPr>
             <p:extLst>
               <p:ext uri="{D42A27DB-BD31-4B8C-83A1-F6EECF244321}">
-                <p14:modId xmlns:p14="http://schemas.microsoft.com/office/powerpoint/2010/main" val="1494578976"/>
+                <p14:modId xmlns:p14="http://schemas.microsoft.com/office/powerpoint/2010/main" val="415629651"/>
               </p:ext>
             </p:extLst>
           </p:nvPr>
         </p:nvGraphicFramePr>
         <p:xfrm>
-          <a:off x="6724649" y="1981200"/>
-          <a:ext cx="4905375" cy="1828800"/>
+          <a:off x="288925" y="809625"/>
+          <a:ext cx="4946650" cy="1943100"/>
         </p:xfrm>
         <a:graphic>
           <a:graphicData uri="http://schemas.openxmlformats.org/drawingml/2006/table">
@@ -7093,52 +5668,52 @@
                 <a:tableStyleId>{5C22544A-7EE6-4342-B048-85BDC9FD1C3A}</a:tableStyleId>
               </a:tblPr>
               <a:tblGrid>
-                <a:gridCol w="505807">
+                <a:gridCol w="504178">
                   <a:extLst>
                     <a:ext uri="{9D8B030D-6E8A-4147-A177-3AD203B41FA5}">
-                      <a16:colId xmlns:a16="http://schemas.microsoft.com/office/drawing/2014/main" val="548453906"/>
+                      <a16:colId xmlns:a16="http://schemas.microsoft.com/office/drawing/2014/main" val="3679246825"/>
                     </a:ext>
                   </a:extLst>
                 </a:gridCol>
-                <a:gridCol w="505807">
+                <a:gridCol w="818100">
                   <a:extLst>
                     <a:ext uri="{9D8B030D-6E8A-4147-A177-3AD203B41FA5}">
-                      <a16:colId xmlns:a16="http://schemas.microsoft.com/office/drawing/2014/main" val="4014408932"/>
+                      <a16:colId xmlns:a16="http://schemas.microsoft.com/office/drawing/2014/main" val="4122959624"/>
                     </a:ext>
                   </a:extLst>
                 </a:gridCol>
-                <a:gridCol w="992527">
+                <a:gridCol w="1160560">
                   <a:extLst>
                     <a:ext uri="{9D8B030D-6E8A-4147-A177-3AD203B41FA5}">
-                      <a16:colId xmlns:a16="http://schemas.microsoft.com/office/drawing/2014/main" val="3231749905"/>
+                      <a16:colId xmlns:a16="http://schemas.microsoft.com/office/drawing/2014/main" val="1113191248"/>
                     </a:ext>
                   </a:extLst>
                 </a:gridCol>
-                <a:gridCol w="1021159">
+                <a:gridCol w="960791">
                   <a:extLst>
                     <a:ext uri="{9D8B030D-6E8A-4147-A177-3AD203B41FA5}">
-                      <a16:colId xmlns:a16="http://schemas.microsoft.com/office/drawing/2014/main" val="2848586320"/>
+                      <a16:colId xmlns:a16="http://schemas.microsoft.com/office/drawing/2014/main" val="1364810098"/>
                     </a:ext>
                   </a:extLst>
                 </a:gridCol>
-                <a:gridCol w="505807">
+                <a:gridCol w="494665">
                   <a:extLst>
                     <a:ext uri="{9D8B030D-6E8A-4147-A177-3AD203B41FA5}">
-                      <a16:colId xmlns:a16="http://schemas.microsoft.com/office/drawing/2014/main" val="2193491093"/>
+                      <a16:colId xmlns:a16="http://schemas.microsoft.com/office/drawing/2014/main" val="3646897306"/>
                     </a:ext>
                   </a:extLst>
                 </a:gridCol>
-                <a:gridCol w="505807">
+                <a:gridCol w="504178">
                   <a:extLst>
                     <a:ext uri="{9D8B030D-6E8A-4147-A177-3AD203B41FA5}">
-                      <a16:colId xmlns:a16="http://schemas.microsoft.com/office/drawing/2014/main" val="3185571961"/>
+                      <a16:colId xmlns:a16="http://schemas.microsoft.com/office/drawing/2014/main" val="2754987746"/>
                     </a:ext>
                   </a:extLst>
                 </a:gridCol>
-                <a:gridCol w="868461">
+                <a:gridCol w="504178">
                   <a:extLst>
                     <a:ext uri="{9D8B030D-6E8A-4147-A177-3AD203B41FA5}">
-                      <a16:colId xmlns:a16="http://schemas.microsoft.com/office/drawing/2014/main" val="872410795"/>
+                      <a16:colId xmlns:a16="http://schemas.microsoft.com/office/drawing/2014/main" val="1610941617"/>
                     </a:ext>
                   </a:extLst>
                 </a:gridCol>
@@ -7151,30 +5726,6 @@
                     <a:p>
                       <a:pPr algn="l" fontAlgn="ctr"/>
                       <a:r>
-                        <a:rPr lang="en-US" sz="900" u="none" strike="noStrike">
-                          <a:effectLst/>
-                        </a:rPr>
-                        <a:t>No</a:t>
-                      </a:r>
-                      <a:endParaRPr lang="en-US" sz="900" b="0" i="0" u="none" strike="noStrike">
-                        <a:solidFill>
-                          <a:srgbClr val="242424"/>
-                        </a:solidFill>
-                        <a:effectLst/>
-                        <a:latin typeface="Segoe UI" panose="020B0502040204020203" pitchFamily="34" charset="0"/>
-                        <a:ea typeface="游ゴシック" panose="020B0400000000000000" pitchFamily="50" charset="-128"/>
-                      </a:endParaRPr>
-                    </a:p>
-                  </a:txBody>
-                  <a:tcPr marL="7620" marR="7620" marT="7620" marB="0" anchor="ctr"/>
-                </a:tc>
-                <a:tc>
-                  <a:txBody>
-                    <a:bodyPr/>
-                    <a:lstStyle/>
-                    <a:p>
-                      <a:pPr algn="l" fontAlgn="ctr"/>
-                      <a:r>
                         <a:rPr lang="en-US" sz="1100" u="none" strike="noStrike">
                           <a:effectLst/>
                         </a:rPr>
@@ -7251,6 +5802,30 @@
                           <a:effectLst/>
                         </a:rPr>
                         <a:t>データ型</a:t>
+                      </a:r>
+                      <a:endParaRPr lang="ja-JP" altLang="en-US" sz="1100" b="0" i="0" u="none" strike="noStrike">
+                        <a:solidFill>
+                          <a:srgbClr val="000000"/>
+                        </a:solidFill>
+                        <a:effectLst/>
+                        <a:latin typeface="游ゴシック" panose="020B0400000000000000" pitchFamily="50" charset="-128"/>
+                        <a:ea typeface="游ゴシック" panose="020B0400000000000000" pitchFamily="50" charset="-128"/>
+                      </a:endParaRPr>
+                    </a:p>
+                  </a:txBody>
+                  <a:tcPr marL="7620" marR="7620" marT="7620" marB="0" anchor="ctr"/>
+                </a:tc>
+                <a:tc>
+                  <a:txBody>
+                    <a:bodyPr/>
+                    <a:lstStyle/>
+                    <a:p>
+                      <a:pPr algn="l" fontAlgn="ctr"/>
+                      <a:r>
+                        <a:rPr lang="ja-JP" altLang="en-US" sz="1100" u="none" strike="noStrike">
+                          <a:effectLst/>
+                        </a:rPr>
+                        <a:t>役割</a:t>
                       </a:r>
                       <a:endParaRPr lang="ja-JP" altLang="en-US" sz="1100" b="0" i="0" u="none" strike="noStrike">
                         <a:solidFill>
@@ -7314,7 +5889,7 @@
                 </a:tc>
                 <a:extLst>
                   <a:ext uri="{0D108BD9-81ED-4DB2-BD59-A6C34878D82A}">
-                    <a16:rowId xmlns:a16="http://schemas.microsoft.com/office/drawing/2014/main" val="817913592"/>
+                    <a16:rowId xmlns:a16="http://schemas.microsoft.com/office/drawing/2014/main" val="82105217"/>
                   </a:ext>
                 </a:extLst>
               </a:tr>
@@ -7377,7 +5952,7 @@
                         <a:rPr lang="ja-JP" altLang="en-US" sz="1100" u="none" strike="noStrike">
                           <a:effectLst/>
                         </a:rPr>
-                        <a:t>支出</a:t>
+                        <a:t>ユーザー</a:t>
                       </a:r>
                       <a:r>
                         <a:rPr lang="en-US" sz="1100" u="none" strike="noStrike">
@@ -7475,6 +6050,12 @@
                     <a:lstStyle/>
                     <a:p>
                       <a:pPr algn="l" fontAlgn="ctr"/>
+                      <a:r>
+                        <a:rPr lang="ja-JP" altLang="en-US" sz="1100" u="none" strike="noStrike">
+                          <a:effectLst/>
+                        </a:rPr>
+                        <a:t>　</a:t>
+                      </a:r>
                       <a:endParaRPr lang="ja-JP" altLang="en-US" sz="1100" b="0" i="0" u="none" strike="noStrike">
                         <a:solidFill>
                           <a:srgbClr val="000000"/>
@@ -7489,7 +6070,7 @@
                 </a:tc>
                 <a:extLst>
                   <a:ext uri="{0D108BD9-81ED-4DB2-BD59-A6C34878D82A}">
-                    <a16:rowId xmlns:a16="http://schemas.microsoft.com/office/drawing/2014/main" val="3820497419"/>
+                    <a16:rowId xmlns:a16="http://schemas.microsoft.com/office/drawing/2014/main" val="1935033243"/>
                   </a:ext>
                 </a:extLst>
               </a:tr>
@@ -7528,7 +6109,7 @@
                         <a:rPr lang="en-US" sz="1100" u="none" strike="noStrike">
                           <a:effectLst/>
                         </a:rPr>
-                        <a:t>user_id</a:t>
+                        <a:t>name</a:t>
                       </a:r>
                       <a:endParaRPr lang="en-US" sz="1100" b="0" i="0" u="none" strike="noStrike">
                         <a:solidFill>
@@ -7552,13 +6133,31 @@
                         <a:rPr lang="ja-JP" altLang="en-US" sz="1100" u="none" strike="noStrike">
                           <a:effectLst/>
                         </a:rPr>
-                        <a:t>ユーザー</a:t>
-                      </a:r>
+                        <a:t>ユーザー名</a:t>
+                      </a:r>
+                      <a:endParaRPr lang="ja-JP" altLang="en-US" sz="1100" b="0" i="0" u="none" strike="noStrike">
+                        <a:solidFill>
+                          <a:srgbClr val="000000"/>
+                        </a:solidFill>
+                        <a:effectLst/>
+                        <a:latin typeface="游ゴシック" panose="020B0400000000000000" pitchFamily="50" charset="-128"/>
+                        <a:ea typeface="游ゴシック" panose="020B0400000000000000" pitchFamily="50" charset="-128"/>
+                      </a:endParaRPr>
+                    </a:p>
+                  </a:txBody>
+                  <a:tcPr marL="7620" marR="7620" marT="7620" marB="0" anchor="ctr"/>
+                </a:tc>
+                <a:tc>
+                  <a:txBody>
+                    <a:bodyPr/>
+                    <a:lstStyle/>
+                    <a:p>
+                      <a:pPr algn="l" fontAlgn="ctr"/>
                       <a:r>
                         <a:rPr lang="en-US" sz="1100" u="none" strike="noStrike">
                           <a:effectLst/>
                         </a:rPr>
-                        <a:t>ID</a:t>
+                        <a:t>VARCHAR(255)</a:t>
                       </a:r>
                       <a:endParaRPr lang="en-US" sz="1100" b="0" i="0" u="none" strike="noStrike">
                         <a:solidFill>
@@ -7579,36 +6178,12 @@
                     <a:p>
                       <a:pPr algn="l" fontAlgn="ctr"/>
                       <a:r>
-                        <a:rPr lang="en-US" sz="1100" u="none" strike="noStrike">
-                          <a:effectLst/>
-                        </a:rPr>
-                        <a:t>INT</a:t>
-                      </a:r>
-                      <a:endParaRPr lang="en-US" sz="1100" b="0" i="0" u="none" strike="noStrike">
-                        <a:solidFill>
-                          <a:srgbClr val="000000"/>
-                        </a:solidFill>
-                        <a:effectLst/>
-                        <a:latin typeface="游ゴシック" panose="020B0400000000000000" pitchFamily="50" charset="-128"/>
-                        <a:ea typeface="游ゴシック" panose="020B0400000000000000" pitchFamily="50" charset="-128"/>
-                      </a:endParaRPr>
-                    </a:p>
-                  </a:txBody>
-                  <a:tcPr marL="7620" marR="7620" marT="7620" marB="0" anchor="ctr"/>
-                </a:tc>
-                <a:tc>
-                  <a:txBody>
-                    <a:bodyPr/>
-                    <a:lstStyle/>
-                    <a:p>
-                      <a:pPr algn="l" fontAlgn="ctr"/>
-                      <a:r>
-                        <a:rPr lang="en-US" sz="1100" u="none" strike="noStrike">
-                          <a:effectLst/>
-                        </a:rPr>
-                        <a:t>FK</a:t>
-                      </a:r>
-                      <a:endParaRPr lang="en-US" sz="1100" b="0" i="0" u="none" strike="noStrike">
+                        <a:rPr lang="ja-JP" altLang="en-US" sz="1100" u="none" strike="noStrike">
+                          <a:effectLst/>
+                        </a:rPr>
+                        <a:t>　</a:t>
+                      </a:r>
+                      <a:endParaRPr lang="ja-JP" altLang="en-US" sz="1100" b="0" i="0" u="none" strike="noStrike">
                         <a:solidFill>
                           <a:srgbClr val="000000"/>
                         </a:solidFill>
@@ -7651,16 +6226,10 @@
                     <a:p>
                       <a:pPr algn="l" fontAlgn="ctr"/>
                       <a:r>
-                        <a:rPr lang="en-US" sz="1100" u="none" strike="noStrike">
-                          <a:effectLst/>
-                        </a:rPr>
-                        <a:t>users.id </a:t>
-                      </a:r>
-                      <a:r>
                         <a:rPr lang="ja-JP" altLang="en-US" sz="1100" u="none" strike="noStrike">
                           <a:effectLst/>
                         </a:rPr>
-                        <a:t>参照</a:t>
+                        <a:t>　</a:t>
                       </a:r>
                       <a:endParaRPr lang="ja-JP" altLang="en-US" sz="1100" b="0" i="0" u="none" strike="noStrike">
                         <a:solidFill>
@@ -7676,7 +6245,7 @@
                 </a:tc>
                 <a:extLst>
                   <a:ext uri="{0D108BD9-81ED-4DB2-BD59-A6C34878D82A}">
-                    <a16:rowId xmlns:a16="http://schemas.microsoft.com/office/drawing/2014/main" val="1633120673"/>
+                    <a16:rowId xmlns:a16="http://schemas.microsoft.com/office/drawing/2014/main" val="79183085"/>
                   </a:ext>
                 </a:extLst>
               </a:tr>
@@ -7715,7 +6284,7 @@
                         <a:rPr lang="en-US" sz="1100" u="none" strike="noStrike">
                           <a:effectLst/>
                         </a:rPr>
-                        <a:t>date</a:t>
+                        <a:t>mail</a:t>
                       </a:r>
                       <a:endParaRPr lang="en-US" sz="1100" b="0" i="0" u="none" strike="noStrike">
                         <a:solidFill>
@@ -7739,7 +6308,7 @@
                         <a:rPr lang="ja-JP" altLang="en-US" sz="1100" u="none" strike="noStrike">
                           <a:effectLst/>
                         </a:rPr>
-                        <a:t>日付</a:t>
+                        <a:t>メールアドレス</a:t>
                       </a:r>
                       <a:endParaRPr lang="ja-JP" altLang="en-US" sz="1100" b="0" i="0" u="none" strike="noStrike">
                         <a:solidFill>
@@ -7763,7 +6332,7 @@
                         <a:rPr lang="en-US" sz="1100" u="none" strike="noStrike">
                           <a:effectLst/>
                         </a:rPr>
-                        <a:t>DATE</a:t>
+                        <a:t>VARCHAR(255)</a:t>
                       </a:r>
                       <a:endParaRPr lang="en-US" sz="1100" b="0" i="0" u="none" strike="noStrike">
                         <a:solidFill>
@@ -7783,7 +6352,13 @@
                     <a:lstStyle/>
                     <a:p>
                       <a:pPr algn="l" fontAlgn="ctr"/>
-                      <a:endParaRPr lang="ja-JP" altLang="en-US" sz="1100" b="0" i="0" u="none" strike="noStrike">
+                      <a:r>
+                        <a:rPr lang="en-US" sz="1100" u="none" strike="noStrike">
+                          <a:effectLst/>
+                        </a:rPr>
+                        <a:t>UK</a:t>
+                      </a:r>
+                      <a:endParaRPr lang="en-US" sz="1100" b="0" i="0" u="none" strike="noStrike">
                         <a:solidFill>
                           <a:srgbClr val="000000"/>
                         </a:solidFill>
@@ -7825,6 +6400,12 @@
                     <a:lstStyle/>
                     <a:p>
                       <a:pPr algn="l" fontAlgn="ctr"/>
+                      <a:r>
+                        <a:rPr lang="ja-JP" altLang="en-US" sz="1100" u="none" strike="noStrike">
+                          <a:effectLst/>
+                        </a:rPr>
+                        <a:t>　</a:t>
+                      </a:r>
                       <a:endParaRPr lang="ja-JP" altLang="en-US" sz="1100" b="0" i="0" u="none" strike="noStrike">
                         <a:solidFill>
                           <a:srgbClr val="000000"/>
@@ -7839,7 +6420,7 @@
                 </a:tc>
                 <a:extLst>
                   <a:ext uri="{0D108BD9-81ED-4DB2-BD59-A6C34878D82A}">
-                    <a16:rowId xmlns:a16="http://schemas.microsoft.com/office/drawing/2014/main" val="2629107542"/>
+                    <a16:rowId xmlns:a16="http://schemas.microsoft.com/office/drawing/2014/main" val="3651814172"/>
                   </a:ext>
                 </a:extLst>
               </a:tr>
@@ -7878,7 +6459,7 @@
                         <a:rPr lang="en-US" sz="1100" u="none" strike="noStrike">
                           <a:effectLst/>
                         </a:rPr>
-                        <a:t>amount</a:t>
+                        <a:t>password</a:t>
                       </a:r>
                       <a:endParaRPr lang="en-US" sz="1100" b="0" i="0" u="none" strike="noStrike">
                         <a:solidFill>
@@ -7902,7 +6483,7 @@
                         <a:rPr lang="ja-JP" altLang="en-US" sz="1100" u="none" strike="noStrike">
                           <a:effectLst/>
                         </a:rPr>
-                        <a:t>金額</a:t>
+                        <a:t>パスワード</a:t>
                       </a:r>
                       <a:endParaRPr lang="ja-JP" altLang="en-US" sz="1100" b="0" i="0" u="none" strike="noStrike">
                         <a:solidFill>
@@ -7926,7 +6507,7 @@
                         <a:rPr lang="en-US" sz="1100" u="none" strike="noStrike">
                           <a:effectLst/>
                         </a:rPr>
-                        <a:t>INT</a:t>
+                        <a:t>VARCHAR(255)</a:t>
                       </a:r>
                       <a:endParaRPr lang="en-US" sz="1100" b="0" i="0" u="none" strike="noStrike">
                         <a:solidFill>
@@ -7946,7 +6527,13 @@
                     <a:lstStyle/>
                     <a:p>
                       <a:pPr algn="l" fontAlgn="ctr"/>
-                      <a:endParaRPr lang="ja-JP" altLang="en-US" sz="1100" b="0" i="0" u="none" strike="noStrike" dirty="0">
+                      <a:r>
+                        <a:rPr lang="ja-JP" altLang="en-US" sz="1100" u="none" strike="noStrike">
+                          <a:effectLst/>
+                        </a:rPr>
+                        <a:t>　</a:t>
+                      </a:r>
+                      <a:endParaRPr lang="ja-JP" altLang="en-US" sz="1100" b="0" i="0" u="none" strike="noStrike">
                         <a:solidFill>
                           <a:srgbClr val="000000"/>
                         </a:solidFill>
@@ -7988,6 +6575,12 @@
                     <a:lstStyle/>
                     <a:p>
                       <a:pPr algn="l" fontAlgn="ctr"/>
+                      <a:r>
+                        <a:rPr lang="ja-JP" altLang="en-US" sz="1100" u="none" strike="noStrike">
+                          <a:effectLst/>
+                        </a:rPr>
+                        <a:t>　</a:t>
+                      </a:r>
                       <a:endParaRPr lang="ja-JP" altLang="en-US" sz="1100" b="0" i="0" u="none" strike="noStrike">
                         <a:solidFill>
                           <a:srgbClr val="000000"/>
@@ -8002,7 +6595,7 @@
                 </a:tc>
                 <a:extLst>
                   <a:ext uri="{0D108BD9-81ED-4DB2-BD59-A6C34878D82A}">
-                    <a16:rowId xmlns:a16="http://schemas.microsoft.com/office/drawing/2014/main" val="437060582"/>
+                    <a16:rowId xmlns:a16="http://schemas.microsoft.com/office/drawing/2014/main" val="2824782092"/>
                   </a:ext>
                 </a:extLst>
               </a:tr>
@@ -8041,7 +6634,7 @@
                         <a:rPr lang="en-US" sz="1100" u="none" strike="noStrike">
                           <a:effectLst/>
                         </a:rPr>
-                        <a:t>category</a:t>
+                        <a:t>created_at</a:t>
                       </a:r>
                       <a:endParaRPr lang="en-US" sz="1100" b="0" i="0" u="none" strike="noStrike">
                         <a:solidFill>
@@ -8065,7 +6658,7 @@
                         <a:rPr lang="ja-JP" altLang="en-US" sz="1100" u="none" strike="noStrike">
                           <a:effectLst/>
                         </a:rPr>
-                        <a:t>カテゴリ</a:t>
+                        <a:t>登録日時</a:t>
                       </a:r>
                       <a:endParaRPr lang="ja-JP" altLang="en-US" sz="1100" b="0" i="0" u="none" strike="noStrike">
                         <a:solidFill>
@@ -8089,7 +6682,7 @@
                         <a:rPr lang="en-US" sz="1100" u="none" strike="noStrike">
                           <a:effectLst/>
                         </a:rPr>
-                        <a:t>VARCHAR(100)</a:t>
+                        <a:t>DATETIME</a:t>
                       </a:r>
                       <a:endParaRPr lang="en-US" sz="1100" b="0" i="0" u="none" strike="noStrike">
                         <a:solidFill>
@@ -8109,6 +6702,12 @@
                     <a:lstStyle/>
                     <a:p>
                       <a:pPr algn="l" fontAlgn="ctr"/>
+                      <a:r>
+                        <a:rPr lang="ja-JP" altLang="en-US" sz="1100" u="none" strike="noStrike">
+                          <a:effectLst/>
+                        </a:rPr>
+                        <a:t>　</a:t>
+                      </a:r>
                       <a:endParaRPr lang="ja-JP" altLang="en-US" sz="1100" b="0" i="0" u="none" strike="noStrike">
                         <a:solidFill>
                           <a:srgbClr val="000000"/>
@@ -8127,6 +6726,12 @@
                     <a:lstStyle/>
                     <a:p>
                       <a:pPr algn="l" fontAlgn="ctr"/>
+                      <a:r>
+                        <a:rPr lang="ja-JP" altLang="en-US" sz="1100" u="none" strike="noStrike">
+                          <a:effectLst/>
+                        </a:rPr>
+                        <a:t>　</a:t>
+                      </a:r>
                       <a:endParaRPr lang="ja-JP" altLang="en-US" sz="1100" b="0" i="0" u="none" strike="noStrike">
                         <a:solidFill>
                           <a:srgbClr val="000000"/>
@@ -8145,6 +6750,12 @@
                     <a:lstStyle/>
                     <a:p>
                       <a:pPr algn="l" fontAlgn="ctr"/>
+                      <a:r>
+                        <a:rPr lang="ja-JP" altLang="en-US" sz="1100" u="none" strike="noStrike">
+                          <a:effectLst/>
+                        </a:rPr>
+                        <a:t>　</a:t>
+                      </a:r>
                       <a:endParaRPr lang="ja-JP" altLang="en-US" sz="1100" b="0" i="0" u="none" strike="noStrike">
                         <a:solidFill>
                           <a:srgbClr val="000000"/>
@@ -8159,7 +6770,7 @@
                 </a:tc>
                 <a:extLst>
                   <a:ext uri="{0D108BD9-81ED-4DB2-BD59-A6C34878D82A}">
-                    <a16:rowId xmlns:a16="http://schemas.microsoft.com/office/drawing/2014/main" val="1247955666"/>
+                    <a16:rowId xmlns:a16="http://schemas.microsoft.com/office/drawing/2014/main" val="2993684692"/>
                   </a:ext>
                 </a:extLst>
               </a:tr>
@@ -8198,7 +6809,7 @@
                         <a:rPr lang="en-US" sz="1100" u="none" strike="noStrike">
                           <a:effectLst/>
                         </a:rPr>
-                        <a:t>memo</a:t>
+                        <a:t>updated_at</a:t>
                       </a:r>
                       <a:endParaRPr lang="en-US" sz="1100" b="0" i="0" u="none" strike="noStrike">
                         <a:solidFill>
@@ -8222,7 +6833,7 @@
                         <a:rPr lang="ja-JP" altLang="en-US" sz="1100" u="none" strike="noStrike">
                           <a:effectLst/>
                         </a:rPr>
-                        <a:t>メモ</a:t>
+                        <a:t>更新日時</a:t>
                       </a:r>
                       <a:endParaRPr lang="ja-JP" altLang="en-US" sz="1100" b="0" i="0" u="none" strike="noStrike">
                         <a:solidFill>
@@ -8246,7 +6857,7 @@
                         <a:rPr lang="en-US" sz="1100" u="none" strike="noStrike">
                           <a:effectLst/>
                         </a:rPr>
-                        <a:t>VARCHAR(255)</a:t>
+                        <a:t>DATETIME</a:t>
                       </a:r>
                       <a:endParaRPr lang="en-US" sz="1100" b="0" i="0" u="none" strike="noStrike">
                         <a:solidFill>
@@ -8266,6 +6877,12 @@
                     <a:lstStyle/>
                     <a:p>
                       <a:pPr algn="l" fontAlgn="ctr"/>
+                      <a:r>
+                        <a:rPr lang="ja-JP" altLang="en-US" sz="1100" u="none" strike="noStrike">
+                          <a:effectLst/>
+                        </a:rPr>
+                        <a:t>　</a:t>
+                      </a:r>
                       <a:endParaRPr lang="ja-JP" altLang="en-US" sz="1100" b="0" i="0" u="none" strike="noStrike">
                         <a:solidFill>
                           <a:srgbClr val="000000"/>
@@ -8284,6 +6901,12 @@
                     <a:lstStyle/>
                     <a:p>
                       <a:pPr algn="l" fontAlgn="ctr"/>
+                      <a:r>
+                        <a:rPr lang="ja-JP" altLang="en-US" sz="1100" u="none" strike="noStrike">
+                          <a:effectLst/>
+                        </a:rPr>
+                        <a:t>　</a:t>
+                      </a:r>
                       <a:endParaRPr lang="ja-JP" altLang="en-US" sz="1100" b="0" i="0" u="none" strike="noStrike">
                         <a:solidFill>
                           <a:srgbClr val="000000"/>
@@ -8302,6 +6925,12 @@
                     <a:lstStyle/>
                     <a:p>
                       <a:pPr algn="l" fontAlgn="ctr"/>
+                      <a:r>
+                        <a:rPr lang="ja-JP" altLang="en-US" sz="1100" u="none" strike="noStrike" dirty="0">
+                          <a:effectLst/>
+                        </a:rPr>
+                        <a:t>　</a:t>
+                      </a:r>
                       <a:endParaRPr lang="ja-JP" altLang="en-US" sz="1100" b="0" i="0" u="none" strike="noStrike" dirty="0">
                         <a:solidFill>
                           <a:srgbClr val="000000"/>
@@ -8316,7 +6945,7 @@
                 </a:tc>
                 <a:extLst>
                   <a:ext uri="{0D108BD9-81ED-4DB2-BD59-A6C34878D82A}">
-                    <a16:rowId xmlns:a16="http://schemas.microsoft.com/office/drawing/2014/main" val="1663681220"/>
+                    <a16:rowId xmlns:a16="http://schemas.microsoft.com/office/drawing/2014/main" val="98604419"/>
                   </a:ext>
                 </a:extLst>
               </a:tr>
@@ -8326,10 +6955,10 @@
       </p:graphicFrame>
       <p:graphicFrame>
         <p:nvGraphicFramePr>
-          <p:cNvPr id="8" name="表 7">
+          <p:cNvPr id="9" name="表 8">
             <a:extLst>
               <a:ext uri="{FF2B5EF4-FFF2-40B4-BE49-F238E27FC236}">
-                <a16:creationId xmlns:a16="http://schemas.microsoft.com/office/drawing/2014/main" id="{E1D42A0C-CBEE-CD71-C768-654409DAF8BF}"/>
+                <a16:creationId xmlns:a16="http://schemas.microsoft.com/office/drawing/2014/main" id="{7A39BA5E-95AD-BDFB-8BC3-0C04A07197E7}"/>
               </a:ext>
             </a:extLst>
           </p:cNvPr>
@@ -8339,14 +6968,14 @@
           <p:nvPr>
             <p:extLst>
               <p:ext uri="{D42A27DB-BD31-4B8C-83A1-F6EECF244321}">
-                <p14:modId xmlns:p14="http://schemas.microsoft.com/office/powerpoint/2010/main" val="851087206"/>
+                <p14:modId xmlns:p14="http://schemas.microsoft.com/office/powerpoint/2010/main" val="2813636186"/>
               </p:ext>
             </p:extLst>
           </p:nvPr>
         </p:nvGraphicFramePr>
         <p:xfrm>
-          <a:off x="0" y="2247900"/>
-          <a:ext cx="5018089" cy="2057400"/>
+          <a:off x="6788945" y="2785445"/>
+          <a:ext cx="5400672" cy="1714500"/>
         </p:xfrm>
         <a:graphic>
           <a:graphicData uri="http://schemas.openxmlformats.org/drawingml/2006/table">
@@ -8355,52 +6984,52 @@
                 <a:tableStyleId>{5C22544A-7EE6-4342-B048-85BDC9FD1C3A}</a:tableStyleId>
               </a:tblPr>
               <a:tblGrid>
-                <a:gridCol w="511459">
+                <a:gridCol w="564567">
                   <a:extLst>
                     <a:ext uri="{9D8B030D-6E8A-4147-A177-3AD203B41FA5}">
-                      <a16:colId xmlns:a16="http://schemas.microsoft.com/office/drawing/2014/main" val="3134000283"/>
+                      <a16:colId xmlns:a16="http://schemas.microsoft.com/office/drawing/2014/main" val="1940033016"/>
                     </a:ext>
                   </a:extLst>
                 </a:gridCol>
-                <a:gridCol w="829915">
+                <a:gridCol w="564567">
                   <a:extLst>
                     <a:ext uri="{9D8B030D-6E8A-4147-A177-3AD203B41FA5}">
-                      <a16:colId xmlns:a16="http://schemas.microsoft.com/office/drawing/2014/main" val="365116797"/>
+                      <a16:colId xmlns:a16="http://schemas.microsoft.com/office/drawing/2014/main" val="3335379819"/>
                     </a:ext>
                   </a:extLst>
                 </a:gridCol>
-                <a:gridCol w="1177321">
+                <a:gridCol w="862830">
                   <a:extLst>
                     <a:ext uri="{9D8B030D-6E8A-4147-A177-3AD203B41FA5}">
-                      <a16:colId xmlns:a16="http://schemas.microsoft.com/office/drawing/2014/main" val="1169051290"/>
+                      <a16:colId xmlns:a16="http://schemas.microsoft.com/office/drawing/2014/main" val="2129307459"/>
                     </a:ext>
                   </a:extLst>
                 </a:gridCol>
-                <a:gridCol w="974667">
+                <a:gridCol w="1299570">
                   <a:extLst>
                     <a:ext uri="{9D8B030D-6E8A-4147-A177-3AD203B41FA5}">
-                      <a16:colId xmlns:a16="http://schemas.microsoft.com/office/drawing/2014/main" val="3331726261"/>
+                      <a16:colId xmlns:a16="http://schemas.microsoft.com/office/drawing/2014/main" val="3609527362"/>
                     </a:ext>
                   </a:extLst>
                 </a:gridCol>
-                <a:gridCol w="501809">
+                <a:gridCol w="564567">
                   <a:extLst>
                     <a:ext uri="{9D8B030D-6E8A-4147-A177-3AD203B41FA5}">
-                      <a16:colId xmlns:a16="http://schemas.microsoft.com/office/drawing/2014/main" val="48488569"/>
+                      <a16:colId xmlns:a16="http://schemas.microsoft.com/office/drawing/2014/main" val="548843829"/>
                     </a:ext>
                   </a:extLst>
                 </a:gridCol>
-                <a:gridCol w="511459">
+                <a:gridCol w="511306">
                   <a:extLst>
                     <a:ext uri="{9D8B030D-6E8A-4147-A177-3AD203B41FA5}">
-                      <a16:colId xmlns:a16="http://schemas.microsoft.com/office/drawing/2014/main" val="1009574746"/>
+                      <a16:colId xmlns:a16="http://schemas.microsoft.com/office/drawing/2014/main" val="1930135222"/>
                     </a:ext>
                   </a:extLst>
                 </a:gridCol>
-                <a:gridCol w="511459">
+                <a:gridCol w="1033265">
                   <a:extLst>
                     <a:ext uri="{9D8B030D-6E8A-4147-A177-3AD203B41FA5}">
-                      <a16:colId xmlns:a16="http://schemas.microsoft.com/office/drawing/2014/main" val="2080714405"/>
+                      <a16:colId xmlns:a16="http://schemas.microsoft.com/office/drawing/2014/main" val="2463095274"/>
                     </a:ext>
                   </a:extLst>
                 </a:gridCol>
@@ -8413,30 +7042,6 @@
                     <a:p>
                       <a:pPr algn="l" fontAlgn="ctr"/>
                       <a:r>
-                        <a:rPr lang="en-US" sz="900" u="none" strike="noStrike">
-                          <a:effectLst/>
-                        </a:rPr>
-                        <a:t>No</a:t>
-                      </a:r>
-                      <a:endParaRPr lang="en-US" sz="900" b="0" i="0" u="none" strike="noStrike">
-                        <a:solidFill>
-                          <a:srgbClr val="242424"/>
-                        </a:solidFill>
-                        <a:effectLst/>
-                        <a:latin typeface="Segoe UI" panose="020B0502040204020203" pitchFamily="34" charset="0"/>
-                        <a:ea typeface="游ゴシック" panose="020B0400000000000000" pitchFamily="50" charset="-128"/>
-                      </a:endParaRPr>
-                    </a:p>
-                  </a:txBody>
-                  <a:tcPr marL="7620" marR="7620" marT="7620" marB="0" anchor="ctr"/>
-                </a:tc>
-                <a:tc>
-                  <a:txBody>
-                    <a:bodyPr/>
-                    <a:lstStyle/>
-                    <a:p>
-                      <a:pPr algn="l" fontAlgn="ctr"/>
-                      <a:r>
                         <a:rPr lang="en-US" sz="1100" u="none" strike="noStrike">
                           <a:effectLst/>
                         </a:rPr>
@@ -8461,12 +7066,12 @@
                     <a:p>
                       <a:pPr algn="l" fontAlgn="ctr"/>
                       <a:r>
-                        <a:rPr lang="ja-JP" altLang="en-US" sz="1100" u="none" strike="noStrike" dirty="0">
+                        <a:rPr lang="ja-JP" altLang="en-US" sz="1100" u="none" strike="noStrike">
                           <a:effectLst/>
                         </a:rPr>
                         <a:t>カラム名</a:t>
                       </a:r>
-                      <a:endParaRPr lang="ja-JP" altLang="en-US" sz="1100" b="0" i="0" u="none" strike="noStrike" dirty="0">
+                      <a:endParaRPr lang="ja-JP" altLang="en-US" sz="1100" b="0" i="0" u="none" strike="noStrike">
                         <a:solidFill>
                           <a:srgbClr val="000000"/>
                         </a:solidFill>
@@ -8513,6 +7118,30 @@
                           <a:effectLst/>
                         </a:rPr>
                         <a:t>データ型</a:t>
+                      </a:r>
+                      <a:endParaRPr lang="ja-JP" altLang="en-US" sz="1100" b="0" i="0" u="none" strike="noStrike">
+                        <a:solidFill>
+                          <a:srgbClr val="000000"/>
+                        </a:solidFill>
+                        <a:effectLst/>
+                        <a:latin typeface="游ゴシック" panose="020B0400000000000000" pitchFamily="50" charset="-128"/>
+                        <a:ea typeface="游ゴシック" panose="020B0400000000000000" pitchFamily="50" charset="-128"/>
+                      </a:endParaRPr>
+                    </a:p>
+                  </a:txBody>
+                  <a:tcPr marL="7620" marR="7620" marT="7620" marB="0" anchor="ctr"/>
+                </a:tc>
+                <a:tc>
+                  <a:txBody>
+                    <a:bodyPr/>
+                    <a:lstStyle/>
+                    <a:p>
+                      <a:pPr algn="l" fontAlgn="ctr"/>
+                      <a:r>
+                        <a:rPr lang="ja-JP" altLang="en-US" sz="1100" u="none" strike="noStrike">
+                          <a:effectLst/>
+                        </a:rPr>
+                        <a:t>役割</a:t>
                       </a:r>
                       <a:endParaRPr lang="ja-JP" altLang="en-US" sz="1100" b="0" i="0" u="none" strike="noStrike">
                         <a:solidFill>
@@ -8576,7 +7205,7 @@
                 </a:tc>
                 <a:extLst>
                   <a:ext uri="{0D108BD9-81ED-4DB2-BD59-A6C34878D82A}">
-                    <a16:rowId xmlns:a16="http://schemas.microsoft.com/office/drawing/2014/main" val="1621501021"/>
+                    <a16:rowId xmlns:a16="http://schemas.microsoft.com/office/drawing/2014/main" val="246863926"/>
                   </a:ext>
                 </a:extLst>
               </a:tr>
@@ -8639,7 +7268,7 @@
                         <a:rPr lang="ja-JP" altLang="en-US" sz="1100" u="none" strike="noStrike">
                           <a:effectLst/>
                         </a:rPr>
-                        <a:t>ユーザー</a:t>
+                        <a:t>収入</a:t>
                       </a:r>
                       <a:r>
                         <a:rPr lang="en-US" sz="1100" u="none" strike="noStrike">
@@ -8737,6 +7366,12 @@
                     <a:lstStyle/>
                     <a:p>
                       <a:pPr algn="l" fontAlgn="ctr"/>
+                      <a:r>
+                        <a:rPr lang="ja-JP" altLang="en-US" sz="1100" u="none" strike="noStrike">
+                          <a:effectLst/>
+                        </a:rPr>
+                        <a:t>　</a:t>
+                      </a:r>
                       <a:endParaRPr lang="ja-JP" altLang="en-US" sz="1100" b="0" i="0" u="none" strike="noStrike">
                         <a:solidFill>
                           <a:srgbClr val="000000"/>
@@ -8751,7 +7386,7 @@
                 </a:tc>
                 <a:extLst>
                   <a:ext uri="{0D108BD9-81ED-4DB2-BD59-A6C34878D82A}">
-                    <a16:rowId xmlns:a16="http://schemas.microsoft.com/office/drawing/2014/main" val="1399800544"/>
+                    <a16:rowId xmlns:a16="http://schemas.microsoft.com/office/drawing/2014/main" val="4037535565"/>
                   </a:ext>
                 </a:extLst>
               </a:tr>
@@ -8790,7 +7425,7 @@
                         <a:rPr lang="en-US" sz="1100" u="none" strike="noStrike">
                           <a:effectLst/>
                         </a:rPr>
-                        <a:t>name</a:t>
+                        <a:t>user_id</a:t>
                       </a:r>
                       <a:endParaRPr lang="en-US" sz="1100" b="0" i="0" u="none" strike="noStrike">
                         <a:solidFill>
@@ -8814,31 +7449,13 @@
                         <a:rPr lang="ja-JP" altLang="en-US" sz="1100" u="none" strike="noStrike">
                           <a:effectLst/>
                         </a:rPr>
-                        <a:t>ユーザー名</a:t>
-                      </a:r>
-                      <a:endParaRPr lang="ja-JP" altLang="en-US" sz="1100" b="0" i="0" u="none" strike="noStrike">
-                        <a:solidFill>
-                          <a:srgbClr val="000000"/>
-                        </a:solidFill>
-                        <a:effectLst/>
-                        <a:latin typeface="游ゴシック" panose="020B0400000000000000" pitchFamily="50" charset="-128"/>
-                        <a:ea typeface="游ゴシック" panose="020B0400000000000000" pitchFamily="50" charset="-128"/>
-                      </a:endParaRPr>
-                    </a:p>
-                  </a:txBody>
-                  <a:tcPr marL="7620" marR="7620" marT="7620" marB="0" anchor="ctr"/>
-                </a:tc>
-                <a:tc>
-                  <a:txBody>
-                    <a:bodyPr/>
-                    <a:lstStyle/>
-                    <a:p>
-                      <a:pPr algn="l" fontAlgn="ctr"/>
+                        <a:t>ユーザー</a:t>
+                      </a:r>
                       <a:r>
                         <a:rPr lang="en-US" sz="1100" u="none" strike="noStrike">
                           <a:effectLst/>
                         </a:rPr>
-                        <a:t>VARCHAR(255)</a:t>
+                        <a:t>ID</a:t>
                       </a:r>
                       <a:endParaRPr lang="en-US" sz="1100" b="0" i="0" u="none" strike="noStrike">
                         <a:solidFill>
@@ -8858,7 +7475,37 @@
                     <a:lstStyle/>
                     <a:p>
                       <a:pPr algn="l" fontAlgn="ctr"/>
-                      <a:endParaRPr lang="ja-JP" altLang="en-US" sz="1100" b="0" i="0" u="none" strike="noStrike">
+                      <a:r>
+                        <a:rPr lang="en-US" sz="1100" u="none" strike="noStrike">
+                          <a:effectLst/>
+                        </a:rPr>
+                        <a:t>INT</a:t>
+                      </a:r>
+                      <a:endParaRPr lang="en-US" sz="1100" b="0" i="0" u="none" strike="noStrike">
+                        <a:solidFill>
+                          <a:srgbClr val="000000"/>
+                        </a:solidFill>
+                        <a:effectLst/>
+                        <a:latin typeface="游ゴシック" panose="020B0400000000000000" pitchFamily="50" charset="-128"/>
+                        <a:ea typeface="游ゴシック" panose="020B0400000000000000" pitchFamily="50" charset="-128"/>
+                      </a:endParaRPr>
+                    </a:p>
+                  </a:txBody>
+                  <a:tcPr marL="7620" marR="7620" marT="7620" marB="0" anchor="ctr"/>
+                </a:tc>
+                <a:tc>
+                  <a:txBody>
+                    <a:bodyPr/>
+                    <a:lstStyle/>
+                    <a:p>
+                      <a:pPr algn="l" fontAlgn="ctr"/>
+                      <a:r>
+                        <a:rPr lang="en-US" sz="1100" u="none" strike="noStrike">
+                          <a:effectLst/>
+                        </a:rPr>
+                        <a:t>FK</a:t>
+                      </a:r>
+                      <a:endParaRPr lang="en-US" sz="1100" b="0" i="0" u="none" strike="noStrike">
                         <a:solidFill>
                           <a:srgbClr val="000000"/>
                         </a:solidFill>
@@ -8900,6 +7547,18 @@
                     <a:lstStyle/>
                     <a:p>
                       <a:pPr algn="l" fontAlgn="ctr"/>
+                      <a:r>
+                        <a:rPr lang="en-US" sz="1100" u="none" strike="noStrike">
+                          <a:effectLst/>
+                        </a:rPr>
+                        <a:t>users.id </a:t>
+                      </a:r>
+                      <a:r>
+                        <a:rPr lang="ja-JP" altLang="en-US" sz="1100" u="none" strike="noStrike">
+                          <a:effectLst/>
+                        </a:rPr>
+                        <a:t>参照</a:t>
+                      </a:r>
                       <a:endParaRPr lang="ja-JP" altLang="en-US" sz="1100" b="0" i="0" u="none" strike="noStrike">
                         <a:solidFill>
                           <a:srgbClr val="000000"/>
@@ -8914,7 +7573,7 @@
                 </a:tc>
                 <a:extLst>
                   <a:ext uri="{0D108BD9-81ED-4DB2-BD59-A6C34878D82A}">
-                    <a16:rowId xmlns:a16="http://schemas.microsoft.com/office/drawing/2014/main" val="2627331180"/>
+                    <a16:rowId xmlns:a16="http://schemas.microsoft.com/office/drawing/2014/main" val="2423743068"/>
                   </a:ext>
                 </a:extLst>
               </a:tr>
@@ -8953,7 +7612,7 @@
                         <a:rPr lang="en-US" sz="1100" u="none" strike="noStrike">
                           <a:effectLst/>
                         </a:rPr>
-                        <a:t>mail</a:t>
+                        <a:t>date</a:t>
                       </a:r>
                       <a:endParaRPr lang="en-US" sz="1100" b="0" i="0" u="none" strike="noStrike">
                         <a:solidFill>
@@ -8977,7 +7636,7 @@
                         <a:rPr lang="ja-JP" altLang="en-US" sz="1100" u="none" strike="noStrike">
                           <a:effectLst/>
                         </a:rPr>
-                        <a:t>メールアドレス</a:t>
+                        <a:t>日付</a:t>
                       </a:r>
                       <a:endParaRPr lang="ja-JP" altLang="en-US" sz="1100" b="0" i="0" u="none" strike="noStrike">
                         <a:solidFill>
@@ -9001,7 +7660,7 @@
                         <a:rPr lang="en-US" sz="1100" u="none" strike="noStrike">
                           <a:effectLst/>
                         </a:rPr>
-                        <a:t>VARCHAR(255)</a:t>
+                        <a:t>DATE</a:t>
                       </a:r>
                       <a:endParaRPr lang="en-US" sz="1100" b="0" i="0" u="none" strike="noStrike">
                         <a:solidFill>
@@ -9022,12 +7681,12 @@
                     <a:p>
                       <a:pPr algn="l" fontAlgn="ctr"/>
                       <a:r>
-                        <a:rPr lang="en-US" sz="1100" u="none" strike="noStrike">
-                          <a:effectLst/>
-                        </a:rPr>
-                        <a:t>UK</a:t>
-                      </a:r>
-                      <a:endParaRPr lang="en-US" sz="1100" b="0" i="0" u="none" strike="noStrike">
+                        <a:rPr lang="ja-JP" altLang="en-US" sz="1100" u="none" strike="noStrike">
+                          <a:effectLst/>
+                        </a:rPr>
+                        <a:t>　</a:t>
+                      </a:r>
+                      <a:endParaRPr lang="ja-JP" altLang="en-US" sz="1100" b="0" i="0" u="none" strike="noStrike">
                         <a:solidFill>
                           <a:srgbClr val="000000"/>
                         </a:solidFill>
@@ -9069,6 +7728,12 @@
                     <a:lstStyle/>
                     <a:p>
                       <a:pPr algn="l" fontAlgn="ctr"/>
+                      <a:r>
+                        <a:rPr lang="ja-JP" altLang="en-US" sz="1100" u="none" strike="noStrike">
+                          <a:effectLst/>
+                        </a:rPr>
+                        <a:t>　</a:t>
+                      </a:r>
                       <a:endParaRPr lang="ja-JP" altLang="en-US" sz="1100" b="0" i="0" u="none" strike="noStrike">
                         <a:solidFill>
                           <a:srgbClr val="000000"/>
@@ -9083,7 +7748,7 @@
                 </a:tc>
                 <a:extLst>
                   <a:ext uri="{0D108BD9-81ED-4DB2-BD59-A6C34878D82A}">
-                    <a16:rowId xmlns:a16="http://schemas.microsoft.com/office/drawing/2014/main" val="1178887533"/>
+                    <a16:rowId xmlns:a16="http://schemas.microsoft.com/office/drawing/2014/main" val="3148139260"/>
                   </a:ext>
                 </a:extLst>
               </a:tr>
@@ -9122,7 +7787,7 @@
                         <a:rPr lang="en-US" sz="1100" u="none" strike="noStrike">
                           <a:effectLst/>
                         </a:rPr>
-                        <a:t>password</a:t>
+                        <a:t>amount</a:t>
                       </a:r>
                       <a:endParaRPr lang="en-US" sz="1100" b="0" i="0" u="none" strike="noStrike">
                         <a:solidFill>
@@ -9146,7 +7811,7 @@
                         <a:rPr lang="ja-JP" altLang="en-US" sz="1100" u="none" strike="noStrike">
                           <a:effectLst/>
                         </a:rPr>
-                        <a:t>パスワード</a:t>
+                        <a:t>金額</a:t>
                       </a:r>
                       <a:endParaRPr lang="ja-JP" altLang="en-US" sz="1100" b="0" i="0" u="none" strike="noStrike">
                         <a:solidFill>
@@ -9170,7 +7835,7 @@
                         <a:rPr lang="en-US" sz="1100" u="none" strike="noStrike">
                           <a:effectLst/>
                         </a:rPr>
-                        <a:t>VARCHAR(255)</a:t>
+                        <a:t>INT</a:t>
                       </a:r>
                       <a:endParaRPr lang="en-US" sz="1100" b="0" i="0" u="none" strike="noStrike">
                         <a:solidFill>
@@ -9190,6 +7855,12 @@
                     <a:lstStyle/>
                     <a:p>
                       <a:pPr algn="l" fontAlgn="ctr"/>
+                      <a:r>
+                        <a:rPr lang="ja-JP" altLang="en-US" sz="1100" u="none" strike="noStrike">
+                          <a:effectLst/>
+                        </a:rPr>
+                        <a:t>　</a:t>
+                      </a:r>
                       <a:endParaRPr lang="ja-JP" altLang="en-US" sz="1100" b="0" i="0" u="none" strike="noStrike">
                         <a:solidFill>
                           <a:srgbClr val="000000"/>
@@ -9232,6 +7903,12 @@
                     <a:lstStyle/>
                     <a:p>
                       <a:pPr algn="l" fontAlgn="ctr"/>
+                      <a:r>
+                        <a:rPr lang="ja-JP" altLang="en-US" sz="1100" u="none" strike="noStrike">
+                          <a:effectLst/>
+                        </a:rPr>
+                        <a:t>　</a:t>
+                      </a:r>
                       <a:endParaRPr lang="ja-JP" altLang="en-US" sz="1100" b="0" i="0" u="none" strike="noStrike">
                         <a:solidFill>
                           <a:srgbClr val="000000"/>
@@ -9246,7 +7923,7 @@
                 </a:tc>
                 <a:extLst>
                   <a:ext uri="{0D108BD9-81ED-4DB2-BD59-A6C34878D82A}">
-                    <a16:rowId xmlns:a16="http://schemas.microsoft.com/office/drawing/2014/main" val="554703605"/>
+                    <a16:rowId xmlns:a16="http://schemas.microsoft.com/office/drawing/2014/main" val="3274636981"/>
                   </a:ext>
                 </a:extLst>
               </a:tr>
@@ -9285,7 +7962,7 @@
                         <a:rPr lang="en-US" sz="1100" u="none" strike="noStrike">
                           <a:effectLst/>
                         </a:rPr>
-                        <a:t>created_at</a:t>
+                        <a:t>category</a:t>
                       </a:r>
                       <a:endParaRPr lang="en-US" sz="1100" b="0" i="0" u="none" strike="noStrike">
                         <a:solidFill>
@@ -9309,7 +7986,7 @@
                         <a:rPr lang="ja-JP" altLang="en-US" sz="1100" u="none" strike="noStrike">
                           <a:effectLst/>
                         </a:rPr>
-                        <a:t>登録日時</a:t>
+                        <a:t>カテゴリ</a:t>
                       </a:r>
                       <a:endParaRPr lang="ja-JP" altLang="en-US" sz="1100" b="0" i="0" u="none" strike="noStrike">
                         <a:solidFill>
@@ -9333,7 +8010,7 @@
                         <a:rPr lang="en-US" sz="1100" u="none" strike="noStrike">
                           <a:effectLst/>
                         </a:rPr>
-                        <a:t>DATETIME</a:t>
+                        <a:t>VARCHAR(100)</a:t>
                       </a:r>
                       <a:endParaRPr lang="en-US" sz="1100" b="0" i="0" u="none" strike="noStrike">
                         <a:solidFill>
@@ -9353,6 +8030,12 @@
                     <a:lstStyle/>
                     <a:p>
                       <a:pPr algn="l" fontAlgn="ctr"/>
+                      <a:r>
+                        <a:rPr lang="ja-JP" altLang="en-US" sz="1100" u="none" strike="noStrike">
+                          <a:effectLst/>
+                        </a:rPr>
+                        <a:t>　</a:t>
+                      </a:r>
                       <a:endParaRPr lang="ja-JP" altLang="en-US" sz="1100" b="0" i="0" u="none" strike="noStrike">
                         <a:solidFill>
                           <a:srgbClr val="000000"/>
@@ -9371,24 +8054,36 @@
                     <a:lstStyle/>
                     <a:p>
                       <a:pPr algn="l" fontAlgn="ctr"/>
-                      <a:endParaRPr lang="ja-JP" altLang="en-US" sz="1100" b="0" i="0" u="none" strike="noStrike">
-                        <a:solidFill>
-                          <a:srgbClr val="000000"/>
-                        </a:solidFill>
-                        <a:effectLst/>
-                        <a:latin typeface="游ゴシック" panose="020B0400000000000000" pitchFamily="50" charset="-128"/>
-                        <a:ea typeface="游ゴシック" panose="020B0400000000000000" pitchFamily="50" charset="-128"/>
-                      </a:endParaRPr>
-                    </a:p>
-                  </a:txBody>
-                  <a:tcPr marL="7620" marR="7620" marT="7620" marB="0" anchor="ctr"/>
-                </a:tc>
-                <a:tc>
-                  <a:txBody>
-                    <a:bodyPr/>
-                    <a:lstStyle/>
-                    <a:p>
-                      <a:pPr algn="l" fontAlgn="ctr"/>
+                      <a:r>
+                        <a:rPr lang="ja-JP" altLang="en-US" sz="1100" u="none" strike="noStrike" dirty="0">
+                          <a:effectLst/>
+                        </a:rPr>
+                        <a:t>　</a:t>
+                      </a:r>
+                      <a:endParaRPr lang="ja-JP" altLang="en-US" sz="1100" b="0" i="0" u="none" strike="noStrike" dirty="0">
+                        <a:solidFill>
+                          <a:srgbClr val="000000"/>
+                        </a:solidFill>
+                        <a:effectLst/>
+                        <a:latin typeface="游ゴシック" panose="020B0400000000000000" pitchFamily="50" charset="-128"/>
+                        <a:ea typeface="游ゴシック" panose="020B0400000000000000" pitchFamily="50" charset="-128"/>
+                      </a:endParaRPr>
+                    </a:p>
+                  </a:txBody>
+                  <a:tcPr marL="7620" marR="7620" marT="7620" marB="0" anchor="ctr"/>
+                </a:tc>
+                <a:tc>
+                  <a:txBody>
+                    <a:bodyPr/>
+                    <a:lstStyle/>
+                    <a:p>
+                      <a:pPr algn="l" fontAlgn="ctr"/>
+                      <a:r>
+                        <a:rPr lang="ja-JP" altLang="en-US" sz="1100" u="none" strike="noStrike">
+                          <a:effectLst/>
+                        </a:rPr>
+                        <a:t>　</a:t>
+                      </a:r>
                       <a:endParaRPr lang="ja-JP" altLang="en-US" sz="1100" b="0" i="0" u="none" strike="noStrike">
                         <a:solidFill>
                           <a:srgbClr val="000000"/>
@@ -9403,7 +8098,7 @@
                 </a:tc>
                 <a:extLst>
                   <a:ext uri="{0D108BD9-81ED-4DB2-BD59-A6C34878D82A}">
-                    <a16:rowId xmlns:a16="http://schemas.microsoft.com/office/drawing/2014/main" val="3830091069"/>
+                    <a16:rowId xmlns:a16="http://schemas.microsoft.com/office/drawing/2014/main" val="15154522"/>
                   </a:ext>
                 </a:extLst>
               </a:tr>
@@ -9442,7 +8137,7 @@
                         <a:rPr lang="en-US" sz="1100" u="none" strike="noStrike">
                           <a:effectLst/>
                         </a:rPr>
-                        <a:t>updated_at</a:t>
+                        <a:t>memo</a:t>
                       </a:r>
                       <a:endParaRPr lang="en-US" sz="1100" b="0" i="0" u="none" strike="noStrike">
                         <a:solidFill>
@@ -9466,7 +8161,7 @@
                         <a:rPr lang="ja-JP" altLang="en-US" sz="1100" u="none" strike="noStrike">
                           <a:effectLst/>
                         </a:rPr>
-                        <a:t>更新日時</a:t>
+                        <a:t>メモ</a:t>
                       </a:r>
                       <a:endParaRPr lang="ja-JP" altLang="en-US" sz="1100" b="0" i="0" u="none" strike="noStrike">
                         <a:solidFill>
@@ -9490,7 +8185,7 @@
                         <a:rPr lang="en-US" sz="1100" u="none" strike="noStrike">
                           <a:effectLst/>
                         </a:rPr>
-                        <a:t>DATETIME</a:t>
+                        <a:t>VARCHAR(255)</a:t>
                       </a:r>
                       <a:endParaRPr lang="en-US" sz="1100" b="0" i="0" u="none" strike="noStrike">
                         <a:solidFill>
@@ -9510,6 +8205,12 @@
                     <a:lstStyle/>
                     <a:p>
                       <a:pPr algn="l" fontAlgn="ctr"/>
+                      <a:r>
+                        <a:rPr lang="ja-JP" altLang="en-US" sz="1100" u="none" strike="noStrike">
+                          <a:effectLst/>
+                        </a:rPr>
+                        <a:t>　</a:t>
+                      </a:r>
                       <a:endParaRPr lang="ja-JP" altLang="en-US" sz="1100" b="0" i="0" u="none" strike="noStrike">
                         <a:solidFill>
                           <a:srgbClr val="000000"/>
@@ -9528,6 +8229,12 @@
                     <a:lstStyle/>
                     <a:p>
                       <a:pPr algn="l" fontAlgn="ctr"/>
+                      <a:r>
+                        <a:rPr lang="ja-JP" altLang="en-US" sz="1100" u="none" strike="noStrike">
+                          <a:effectLst/>
+                        </a:rPr>
+                        <a:t>　</a:t>
+                      </a:r>
                       <a:endParaRPr lang="ja-JP" altLang="en-US" sz="1100" b="0" i="0" u="none" strike="noStrike">
                         <a:solidFill>
                           <a:srgbClr val="000000"/>
@@ -9546,6 +8253,12 @@
                     <a:lstStyle/>
                     <a:p>
                       <a:pPr algn="l" fontAlgn="ctr"/>
+                      <a:r>
+                        <a:rPr lang="ja-JP" altLang="en-US" sz="1100" u="none" strike="noStrike" dirty="0">
+                          <a:effectLst/>
+                        </a:rPr>
+                        <a:t>　</a:t>
+                      </a:r>
                       <a:endParaRPr lang="ja-JP" altLang="en-US" sz="1100" b="0" i="0" u="none" strike="noStrike" dirty="0">
                         <a:solidFill>
                           <a:srgbClr val="000000"/>
@@ -9560,7 +8273,7 @@
                 </a:tc>
                 <a:extLst>
                   <a:ext uri="{0D108BD9-81ED-4DB2-BD59-A6C34878D82A}">
-                    <a16:rowId xmlns:a16="http://schemas.microsoft.com/office/drawing/2014/main" val="2250390342"/>
+                    <a16:rowId xmlns:a16="http://schemas.microsoft.com/office/drawing/2014/main" val="3479306106"/>
                   </a:ext>
                 </a:extLst>
               </a:tr>
@@ -9568,12 +8281,88 @@
           </a:graphicData>
         </a:graphic>
       </p:graphicFrame>
+      <p:cxnSp>
+        <p:nvCxnSpPr>
+          <p:cNvPr id="10" name="直線コネクタ 9">
+            <a:extLst>
+              <a:ext uri="{FF2B5EF4-FFF2-40B4-BE49-F238E27FC236}">
+                <a16:creationId xmlns:a16="http://schemas.microsoft.com/office/drawing/2014/main" id="{30B2B3EB-CE77-3D7D-AB0B-2555F4D123E0}"/>
+              </a:ext>
+            </a:extLst>
+          </p:cNvPr>
+          <p:cNvCxnSpPr>
+            <a:cxnSpLocks/>
+          </p:cNvCxnSpPr>
+          <p:nvPr/>
+        </p:nvCxnSpPr>
+        <p:spPr>
+          <a:xfrm>
+            <a:off x="5935960" y="1123951"/>
+            <a:ext cx="20538" cy="4591049"/>
+          </a:xfrm>
+          <a:prstGeom prst="line">
+            <a:avLst/>
+          </a:prstGeom>
+        </p:spPr>
+        <p:style>
+          <a:lnRef idx="1">
+            <a:schemeClr val="accent1"/>
+          </a:lnRef>
+          <a:fillRef idx="0">
+            <a:schemeClr val="accent1"/>
+          </a:fillRef>
+          <a:effectRef idx="0">
+            <a:schemeClr val="accent1"/>
+          </a:effectRef>
+          <a:fontRef idx="minor">
+            <a:schemeClr val="tx1"/>
+          </a:fontRef>
+        </p:style>
+      </p:cxnSp>
+      <p:cxnSp>
+        <p:nvCxnSpPr>
+          <p:cNvPr id="13" name="直線コネクタ 12">
+            <a:extLst>
+              <a:ext uri="{FF2B5EF4-FFF2-40B4-BE49-F238E27FC236}">
+                <a16:creationId xmlns:a16="http://schemas.microsoft.com/office/drawing/2014/main" id="{92D4CF0A-6914-76B8-14CA-CA9FAC90FA32}"/>
+              </a:ext>
+            </a:extLst>
+          </p:cNvPr>
+          <p:cNvCxnSpPr>
+            <a:cxnSpLocks/>
+          </p:cNvCxnSpPr>
+          <p:nvPr/>
+        </p:nvCxnSpPr>
+        <p:spPr>
+          <a:xfrm flipV="1">
+            <a:off x="5958881" y="3537919"/>
+            <a:ext cx="438944" cy="1"/>
+          </a:xfrm>
+          <a:prstGeom prst="line">
+            <a:avLst/>
+          </a:prstGeom>
+        </p:spPr>
+        <p:style>
+          <a:lnRef idx="1">
+            <a:schemeClr val="accent1"/>
+          </a:lnRef>
+          <a:fillRef idx="0">
+            <a:schemeClr val="accent1"/>
+          </a:fillRef>
+          <a:effectRef idx="0">
+            <a:schemeClr val="accent1"/>
+          </a:effectRef>
+          <a:fontRef idx="minor">
+            <a:schemeClr val="tx1"/>
+          </a:fontRef>
+        </p:style>
+      </p:cxnSp>
       <p:sp>
         <p:nvSpPr>
-          <p:cNvPr id="9" name="楕円 8">
+          <p:cNvPr id="19" name="楕円 18">
             <a:extLst>
               <a:ext uri="{FF2B5EF4-FFF2-40B4-BE49-F238E27FC236}">
-                <a16:creationId xmlns:a16="http://schemas.microsoft.com/office/drawing/2014/main" id="{A7BE7F61-FBE6-9D5A-8785-F96F3A422C06}"/>
+                <a16:creationId xmlns:a16="http://schemas.microsoft.com/office/drawing/2014/main" id="{3637381B-5F6C-952A-DFDF-9DC00ADFAF27}"/>
               </a:ext>
             </a:extLst>
           </p:cNvPr>
@@ -9582,7 +8371,7 @@
         </p:nvSpPr>
         <p:spPr>
           <a:xfrm>
-            <a:off x="6262685" y="2581275"/>
+            <a:off x="6372225" y="3448467"/>
             <a:ext cx="161925" cy="152398"/>
           </a:xfrm>
           <a:prstGeom prst="ellipse">
@@ -9619,10 +8408,10 @@
       </p:sp>
       <p:cxnSp>
         <p:nvCxnSpPr>
-          <p:cNvPr id="10" name="直線コネクタ 9">
+          <p:cNvPr id="20" name="直線コネクタ 19">
             <a:extLst>
               <a:ext uri="{FF2B5EF4-FFF2-40B4-BE49-F238E27FC236}">
-                <a16:creationId xmlns:a16="http://schemas.microsoft.com/office/drawing/2014/main" id="{4E3B73E5-1E90-0F75-E702-57E848365EAD}"/>
+                <a16:creationId xmlns:a16="http://schemas.microsoft.com/office/drawing/2014/main" id="{B4906E4C-0899-DA14-E9CD-5DD0CF9D189D}"/>
               </a:ext>
             </a:extLst>
           </p:cNvPr>
@@ -9633,8 +8422,8 @@
         </p:nvCxnSpPr>
         <p:spPr>
           <a:xfrm>
-            <a:off x="5172075" y="2581274"/>
-            <a:ext cx="0" cy="152399"/>
+            <a:off x="6534150" y="3537919"/>
+            <a:ext cx="274638" cy="76199"/>
           </a:xfrm>
           <a:prstGeom prst="line">
             <a:avLst/>
@@ -9657,23 +8446,23 @@
       </p:cxnSp>
       <p:cxnSp>
         <p:nvCxnSpPr>
-          <p:cNvPr id="11" name="直線コネクタ 10">
+          <p:cNvPr id="28" name="直線コネクタ 27">
             <a:extLst>
               <a:ext uri="{FF2B5EF4-FFF2-40B4-BE49-F238E27FC236}">
-                <a16:creationId xmlns:a16="http://schemas.microsoft.com/office/drawing/2014/main" id="{7830DD0B-7CF9-2F8D-DDDB-C3A92864D4FF}"/>
+                <a16:creationId xmlns:a16="http://schemas.microsoft.com/office/drawing/2014/main" id="{1E81E6FF-3F81-487D-51D9-5F8CD97B4477}"/>
               </a:ext>
             </a:extLst>
           </p:cNvPr>
           <p:cNvCxnSpPr>
             <a:cxnSpLocks/>
-            <a:endCxn id="9" idx="6"/>
+            <a:stCxn id="19" idx="6"/>
           </p:cNvCxnSpPr>
           <p:nvPr/>
         </p:nvCxnSpPr>
         <p:spPr>
-          <a:xfrm flipH="1">
-            <a:off x="6424610" y="2581274"/>
-            <a:ext cx="300039" cy="76200"/>
+          <a:xfrm>
+            <a:off x="6534150" y="3524666"/>
+            <a:ext cx="226613" cy="0"/>
           </a:xfrm>
           <a:prstGeom prst="line">
             <a:avLst/>
@@ -9696,23 +8485,22 @@
       </p:cxnSp>
       <p:cxnSp>
         <p:nvCxnSpPr>
-          <p:cNvPr id="14" name="直線コネクタ 13">
+          <p:cNvPr id="32" name="直線コネクタ 31">
             <a:extLst>
               <a:ext uri="{FF2B5EF4-FFF2-40B4-BE49-F238E27FC236}">
-                <a16:creationId xmlns:a16="http://schemas.microsoft.com/office/drawing/2014/main" id="{047A54DB-84DE-9980-765F-17D6CCD9F105}"/>
+                <a16:creationId xmlns:a16="http://schemas.microsoft.com/office/drawing/2014/main" id="{24B6BDA2-A58F-F1BB-D7D0-02144534B513}"/>
               </a:ext>
             </a:extLst>
           </p:cNvPr>
           <p:cNvCxnSpPr>
             <a:cxnSpLocks/>
-            <a:endCxn id="9" idx="6"/>
           </p:cNvCxnSpPr>
           <p:nvPr/>
         </p:nvCxnSpPr>
         <p:spPr>
-          <a:xfrm flipH="1">
-            <a:off x="6424610" y="2657473"/>
-            <a:ext cx="300039" cy="1"/>
+          <a:xfrm flipV="1">
+            <a:off x="6553202" y="3412021"/>
+            <a:ext cx="274638" cy="76200"/>
           </a:xfrm>
           <a:prstGeom prst="line">
             <a:avLst/>
@@ -9733,234 +8521,29 @@
           </a:fontRef>
         </p:style>
       </p:cxnSp>
-      <p:cxnSp>
-        <p:nvCxnSpPr>
-          <p:cNvPr id="17" name="直線コネクタ 16">
+      <p:graphicFrame>
+        <p:nvGraphicFramePr>
+          <p:cNvPr id="33" name="表 32">
             <a:extLst>
               <a:ext uri="{FF2B5EF4-FFF2-40B4-BE49-F238E27FC236}">
-                <a16:creationId xmlns:a16="http://schemas.microsoft.com/office/drawing/2014/main" id="{66BD9CCD-27A7-4002-4474-3433D969C456}"/>
-              </a:ext>
-            </a:extLst>
-          </p:cNvPr>
-          <p:cNvCxnSpPr>
-            <a:cxnSpLocks/>
-            <a:stCxn id="9" idx="6"/>
-          </p:cNvCxnSpPr>
-          <p:nvPr/>
-        </p:nvCxnSpPr>
-        <p:spPr>
-          <a:xfrm>
-            <a:off x="6424610" y="2657474"/>
-            <a:ext cx="300039" cy="76200"/>
-          </a:xfrm>
-          <a:prstGeom prst="line">
-            <a:avLst/>
-          </a:prstGeom>
-        </p:spPr>
-        <p:style>
-          <a:lnRef idx="1">
-            <a:schemeClr val="accent1"/>
-          </a:lnRef>
-          <a:fillRef idx="0">
-            <a:schemeClr val="accent1"/>
-          </a:fillRef>
-          <a:effectRef idx="0">
-            <a:schemeClr val="accent1"/>
-          </a:effectRef>
-          <a:fontRef idx="minor">
-            <a:schemeClr val="tx1"/>
-          </a:fontRef>
-        </p:style>
-      </p:cxnSp>
-      <p:cxnSp>
-        <p:nvCxnSpPr>
-          <p:cNvPr id="20" name="直線コネクタ 19">
-            <a:extLst>
-              <a:ext uri="{FF2B5EF4-FFF2-40B4-BE49-F238E27FC236}">
-                <a16:creationId xmlns:a16="http://schemas.microsoft.com/office/drawing/2014/main" id="{91053770-1AF1-158F-71F8-D8F53FF5BFF7}"/>
-              </a:ext>
-            </a:extLst>
-          </p:cNvPr>
-          <p:cNvCxnSpPr>
-            <a:cxnSpLocks/>
-            <a:endCxn id="9" idx="2"/>
-          </p:cNvCxnSpPr>
-          <p:nvPr/>
-        </p:nvCxnSpPr>
-        <p:spPr>
-          <a:xfrm>
-            <a:off x="5026026" y="2657474"/>
-            <a:ext cx="1236659" cy="0"/>
-          </a:xfrm>
-          <a:prstGeom prst="line">
-            <a:avLst/>
-          </a:prstGeom>
-        </p:spPr>
-        <p:style>
-          <a:lnRef idx="1">
-            <a:schemeClr val="accent1"/>
-          </a:lnRef>
-          <a:fillRef idx="0">
-            <a:schemeClr val="accent1"/>
-          </a:fillRef>
-          <a:effectRef idx="0">
-            <a:schemeClr val="accent1"/>
-          </a:effectRef>
-          <a:fontRef idx="minor">
-            <a:schemeClr val="tx1"/>
-          </a:fontRef>
-        </p:style>
-      </p:cxnSp>
-    </p:spTree>
-    <p:extLst>
-      <p:ext uri="{BB962C8B-B14F-4D97-AF65-F5344CB8AC3E}">
-        <p14:creationId xmlns:p14="http://schemas.microsoft.com/office/powerpoint/2010/main" val="2000147720"/>
-      </p:ext>
-    </p:extLst>
-  </p:cSld>
-  <p:clrMapOvr>
-    <a:masterClrMapping/>
-  </p:clrMapOvr>
-</p:sld>
-</file>
-
-<file path=ppt/slides/slide3.xml><?xml version="1.0" encoding="utf-8"?>
-<p:sld xmlns:a="http://schemas.openxmlformats.org/drawingml/2006/main" xmlns:r="http://schemas.openxmlformats.org/officeDocument/2006/relationships" xmlns:p="http://schemas.openxmlformats.org/presentationml/2006/main">
-  <p:cSld>
-    <p:spTree>
-      <p:nvGrpSpPr>
-        <p:cNvPr id="1" name="">
-          <a:extLst>
-            <a:ext uri="{FF2B5EF4-FFF2-40B4-BE49-F238E27FC236}">
-              <a16:creationId xmlns:a16="http://schemas.microsoft.com/office/drawing/2014/main" id="{21C0D428-BD6B-F244-7030-4EEBC62E9B57}"/>
-            </a:ext>
-          </a:extLst>
-        </p:cNvPr>
-        <p:cNvGrpSpPr/>
-        <p:nvPr/>
-      </p:nvGrpSpPr>
-      <p:grpSpPr>
-        <a:xfrm>
-          <a:off x="0" y="0"/>
-          <a:ext cx="0" cy="0"/>
-          <a:chOff x="0" y="0"/>
-          <a:chExt cx="0" cy="0"/>
-        </a:xfrm>
-      </p:grpSpPr>
-      <p:sp>
-        <p:nvSpPr>
-          <p:cNvPr id="2" name="タイトル 1">
-            <a:extLst>
-              <a:ext uri="{FF2B5EF4-FFF2-40B4-BE49-F238E27FC236}">
-                <a16:creationId xmlns:a16="http://schemas.microsoft.com/office/drawing/2014/main" id="{856E6AED-D7C3-ED45-3371-31C42242F8F5}"/>
-              </a:ext>
-            </a:extLst>
-          </p:cNvPr>
-          <p:cNvSpPr>
-            <a:spLocks noGrp="1"/>
-          </p:cNvSpPr>
-          <p:nvPr>
-            <p:ph type="title"/>
-          </p:nvPr>
-        </p:nvSpPr>
-        <p:spPr>
-          <a:xfrm flipV="1">
-            <a:off x="838200" y="-676274"/>
-            <a:ext cx="10515600" cy="142874"/>
-          </a:xfrm>
-        </p:spPr>
-        <p:txBody>
-          <a:bodyPr>
-            <a:normAutofit fontScale="90000"/>
-          </a:bodyPr>
-          <a:lstStyle/>
-          <a:p>
-            <a:endParaRPr kumimoji="1" lang="ja-JP" altLang="en-US" dirty="0"/>
-          </a:p>
-        </p:txBody>
-      </p:sp>
-      <p:sp>
-        <p:nvSpPr>
-          <p:cNvPr id="6" name="コンテンツ プレースホルダー 5">
-            <a:extLst>
-              <a:ext uri="{FF2B5EF4-FFF2-40B4-BE49-F238E27FC236}">
-                <a16:creationId xmlns:a16="http://schemas.microsoft.com/office/drawing/2014/main" id="{DBADB3F3-D7A1-9B24-ADED-766A90280924}"/>
-              </a:ext>
-            </a:extLst>
-          </p:cNvPr>
-          <p:cNvSpPr>
-            <a:spLocks noGrp="1"/>
-          </p:cNvSpPr>
-          <p:nvPr>
-            <p:ph idx="1"/>
-          </p:nvPr>
-        </p:nvSpPr>
-        <p:spPr>
-          <a:xfrm>
-            <a:off x="-1" y="0"/>
-            <a:ext cx="12258675" cy="6419850"/>
-          </a:xfrm>
-        </p:spPr>
-        <p:txBody>
-          <a:bodyPr/>
-          <a:lstStyle/>
-          <a:p>
-            <a:pPr marL="0" indent="0">
-              <a:buNone/>
-            </a:pPr>
-            <a:endParaRPr lang="en-US" altLang="ja-JP" dirty="0"/>
-          </a:p>
-          <a:p>
-            <a:pPr marL="0" indent="0">
-              <a:buNone/>
-            </a:pPr>
-            <a:endParaRPr lang="en-US" altLang="ja-JP" dirty="0"/>
-          </a:p>
-          <a:p>
-            <a:pPr marL="0" indent="0">
-              <a:buNone/>
-            </a:pPr>
-            <a:endParaRPr lang="en-US" altLang="ja-JP" dirty="0"/>
-          </a:p>
-          <a:p>
-            <a:pPr marL="0" indent="0">
-              <a:buNone/>
-            </a:pPr>
-            <a:r>
-              <a:rPr lang="en-US" altLang="ja-JP" dirty="0"/>
-              <a:t>                   </a:t>
-            </a:r>
-            <a:r>
-              <a:rPr lang="en-US" altLang="ja-JP"/>
-              <a:t>user                                                       incomes</a:t>
-            </a:r>
-            <a:endParaRPr lang="en-US" altLang="ja-JP" dirty="0"/>
-          </a:p>
-          <a:p>
-            <a:pPr marL="0" indent="0">
-              <a:buNone/>
-            </a:pPr>
-            <a:endParaRPr lang="ja-JP" altLang="en-US" dirty="0"/>
-          </a:p>
-        </p:txBody>
-      </p:sp>
-      <p:graphicFrame>
-        <p:nvGraphicFramePr>
-          <p:cNvPr id="8" name="表 7">
-            <a:extLst>
-              <a:ext uri="{FF2B5EF4-FFF2-40B4-BE49-F238E27FC236}">
-                <a16:creationId xmlns:a16="http://schemas.microsoft.com/office/drawing/2014/main" id="{DBF56E29-A9D3-1479-655F-C23CD4DEA3A3}"/>
+                <a16:creationId xmlns:a16="http://schemas.microsoft.com/office/drawing/2014/main" id="{3E9AFFE4-7B6F-90CA-5ECA-A5B093779D4B}"/>
               </a:ext>
             </a:extLst>
           </p:cNvPr>
           <p:cNvGraphicFramePr>
             <a:graphicFrameLocks noGrp="1"/>
           </p:cNvGraphicFramePr>
-          <p:nvPr/>
+          <p:nvPr>
+            <p:extLst>
+              <p:ext uri="{D42A27DB-BD31-4B8C-83A1-F6EECF244321}">
+                <p14:modId xmlns:p14="http://schemas.microsoft.com/office/powerpoint/2010/main" val="2736198252"/>
+              </p:ext>
+            </p:extLst>
+          </p:nvPr>
         </p:nvGraphicFramePr>
         <p:xfrm>
-          <a:off x="0" y="2247900"/>
-          <a:ext cx="5018089" cy="2057400"/>
+          <a:off x="6827840" y="5029198"/>
+          <a:ext cx="5402663" cy="1828800"/>
         </p:xfrm>
         <a:graphic>
           <a:graphicData uri="http://schemas.openxmlformats.org/drawingml/2006/table">
@@ -9969,52 +8552,52 @@
                 <a:tableStyleId>{5C22544A-7EE6-4342-B048-85BDC9FD1C3A}</a:tableStyleId>
               </a:tblPr>
               <a:tblGrid>
-                <a:gridCol w="511459">
+                <a:gridCol w="557084">
                   <a:extLst>
                     <a:ext uri="{9D8B030D-6E8A-4147-A177-3AD203B41FA5}">
-                      <a16:colId xmlns:a16="http://schemas.microsoft.com/office/drawing/2014/main" val="3134000283"/>
+                      <a16:colId xmlns:a16="http://schemas.microsoft.com/office/drawing/2014/main" val="2211290015"/>
                     </a:ext>
                   </a:extLst>
                 </a:gridCol>
-                <a:gridCol w="829915">
+                <a:gridCol w="557084">
                   <a:extLst>
                     <a:ext uri="{9D8B030D-6E8A-4147-A177-3AD203B41FA5}">
-                      <a16:colId xmlns:a16="http://schemas.microsoft.com/office/drawing/2014/main" val="365116797"/>
+                      <a16:colId xmlns:a16="http://schemas.microsoft.com/office/drawing/2014/main" val="1340143284"/>
                     </a:ext>
                   </a:extLst>
                 </a:gridCol>
-                <a:gridCol w="1177321">
+                <a:gridCol w="1093146">
                   <a:extLst>
                     <a:ext uri="{9D8B030D-6E8A-4147-A177-3AD203B41FA5}">
-                      <a16:colId xmlns:a16="http://schemas.microsoft.com/office/drawing/2014/main" val="1169051290"/>
+                      <a16:colId xmlns:a16="http://schemas.microsoft.com/office/drawing/2014/main" val="4194759487"/>
                     </a:ext>
                   </a:extLst>
                 </a:gridCol>
-                <a:gridCol w="974667">
+                <a:gridCol w="1124679">
                   <a:extLst>
                     <a:ext uri="{9D8B030D-6E8A-4147-A177-3AD203B41FA5}">
-                      <a16:colId xmlns:a16="http://schemas.microsoft.com/office/drawing/2014/main" val="3331726261"/>
+                      <a16:colId xmlns:a16="http://schemas.microsoft.com/office/drawing/2014/main" val="94087418"/>
                     </a:ext>
                   </a:extLst>
                 </a:gridCol>
-                <a:gridCol w="501809">
+                <a:gridCol w="557084">
                   <a:extLst>
                     <a:ext uri="{9D8B030D-6E8A-4147-A177-3AD203B41FA5}">
-                      <a16:colId xmlns:a16="http://schemas.microsoft.com/office/drawing/2014/main" val="48488569"/>
+                      <a16:colId xmlns:a16="http://schemas.microsoft.com/office/drawing/2014/main" val="3676765698"/>
                     </a:ext>
                   </a:extLst>
                 </a:gridCol>
-                <a:gridCol w="511459">
+                <a:gridCol w="557084">
                   <a:extLst>
                     <a:ext uri="{9D8B030D-6E8A-4147-A177-3AD203B41FA5}">
-                      <a16:colId xmlns:a16="http://schemas.microsoft.com/office/drawing/2014/main" val="1009574746"/>
+                      <a16:colId xmlns:a16="http://schemas.microsoft.com/office/drawing/2014/main" val="2152417172"/>
                     </a:ext>
                   </a:extLst>
                 </a:gridCol>
-                <a:gridCol w="511459">
+                <a:gridCol w="956502">
                   <a:extLst>
                     <a:ext uri="{9D8B030D-6E8A-4147-A177-3AD203B41FA5}">
-                      <a16:colId xmlns:a16="http://schemas.microsoft.com/office/drawing/2014/main" val="2080714405"/>
+                      <a16:colId xmlns:a16="http://schemas.microsoft.com/office/drawing/2014/main" val="278066971"/>
                     </a:ext>
                   </a:extLst>
                 </a:gridCol>
@@ -10027,30 +8610,6 @@
                     <a:p>
                       <a:pPr algn="l" fontAlgn="ctr"/>
                       <a:r>
-                        <a:rPr lang="en-US" sz="900" u="none" strike="noStrike">
-                          <a:effectLst/>
-                        </a:rPr>
-                        <a:t>No</a:t>
-                      </a:r>
-                      <a:endParaRPr lang="en-US" sz="900" b="0" i="0" u="none" strike="noStrike">
-                        <a:solidFill>
-                          <a:srgbClr val="242424"/>
-                        </a:solidFill>
-                        <a:effectLst/>
-                        <a:latin typeface="Segoe UI" panose="020B0502040204020203" pitchFamily="34" charset="0"/>
-                        <a:ea typeface="游ゴシック" panose="020B0400000000000000" pitchFamily="50" charset="-128"/>
-                      </a:endParaRPr>
-                    </a:p>
-                  </a:txBody>
-                  <a:tcPr marL="7620" marR="7620" marT="7620" marB="0" anchor="ctr"/>
-                </a:tc>
-                <a:tc>
-                  <a:txBody>
-                    <a:bodyPr/>
-                    <a:lstStyle/>
-                    <a:p>
-                      <a:pPr algn="l" fontAlgn="ctr"/>
-                      <a:r>
                         <a:rPr lang="en-US" sz="1100" u="none" strike="noStrike">
                           <a:effectLst/>
                         </a:rPr>
@@ -10075,12 +8634,12 @@
                     <a:p>
                       <a:pPr algn="l" fontAlgn="ctr"/>
                       <a:r>
-                        <a:rPr lang="ja-JP" altLang="en-US" sz="1100" u="none" strike="noStrike" dirty="0">
+                        <a:rPr lang="ja-JP" altLang="en-US" sz="1100" u="none" strike="noStrike">
                           <a:effectLst/>
                         </a:rPr>
                         <a:t>カラム名</a:t>
                       </a:r>
-                      <a:endParaRPr lang="ja-JP" altLang="en-US" sz="1100" b="0" i="0" u="none" strike="noStrike" dirty="0">
+                      <a:endParaRPr lang="ja-JP" altLang="en-US" sz="1100" b="0" i="0" u="none" strike="noStrike">
                         <a:solidFill>
                           <a:srgbClr val="000000"/>
                         </a:solidFill>
@@ -10127,6 +8686,30 @@
                           <a:effectLst/>
                         </a:rPr>
                         <a:t>データ型</a:t>
+                      </a:r>
+                      <a:endParaRPr lang="ja-JP" altLang="en-US" sz="1100" b="0" i="0" u="none" strike="noStrike">
+                        <a:solidFill>
+                          <a:srgbClr val="000000"/>
+                        </a:solidFill>
+                        <a:effectLst/>
+                        <a:latin typeface="游ゴシック" panose="020B0400000000000000" pitchFamily="50" charset="-128"/>
+                        <a:ea typeface="游ゴシック" panose="020B0400000000000000" pitchFamily="50" charset="-128"/>
+                      </a:endParaRPr>
+                    </a:p>
+                  </a:txBody>
+                  <a:tcPr marL="7620" marR="7620" marT="7620" marB="0" anchor="ctr"/>
+                </a:tc>
+                <a:tc>
+                  <a:txBody>
+                    <a:bodyPr/>
+                    <a:lstStyle/>
+                    <a:p>
+                      <a:pPr algn="l" fontAlgn="ctr"/>
+                      <a:r>
+                        <a:rPr lang="ja-JP" altLang="en-US" sz="1100" u="none" strike="noStrike">
+                          <a:effectLst/>
+                        </a:rPr>
+                        <a:t>役割</a:t>
                       </a:r>
                       <a:endParaRPr lang="ja-JP" altLang="en-US" sz="1100" b="0" i="0" u="none" strike="noStrike">
                         <a:solidFill>
@@ -10190,7 +8773,7 @@
                 </a:tc>
                 <a:extLst>
                   <a:ext uri="{0D108BD9-81ED-4DB2-BD59-A6C34878D82A}">
-                    <a16:rowId xmlns:a16="http://schemas.microsoft.com/office/drawing/2014/main" val="1621501021"/>
+                    <a16:rowId xmlns:a16="http://schemas.microsoft.com/office/drawing/2014/main" val="1703775990"/>
                   </a:ext>
                 </a:extLst>
               </a:tr>
@@ -10253,7 +8836,7 @@
                         <a:rPr lang="ja-JP" altLang="en-US" sz="1100" u="none" strike="noStrike">
                           <a:effectLst/>
                         </a:rPr>
-                        <a:t>ユーザー</a:t>
+                        <a:t>支出</a:t>
                       </a:r>
                       <a:r>
                         <a:rPr lang="en-US" sz="1100" u="none" strike="noStrike">
@@ -10351,6 +8934,12 @@
                     <a:lstStyle/>
                     <a:p>
                       <a:pPr algn="l" fontAlgn="ctr"/>
+                      <a:r>
+                        <a:rPr lang="ja-JP" altLang="en-US" sz="1100" u="none" strike="noStrike">
+                          <a:effectLst/>
+                        </a:rPr>
+                        <a:t>　</a:t>
+                      </a:r>
                       <a:endParaRPr lang="ja-JP" altLang="en-US" sz="1100" b="0" i="0" u="none" strike="noStrike">
                         <a:solidFill>
                           <a:srgbClr val="000000"/>
@@ -10365,7 +8954,7 @@
                 </a:tc>
                 <a:extLst>
                   <a:ext uri="{0D108BD9-81ED-4DB2-BD59-A6C34878D82A}">
-                    <a16:rowId xmlns:a16="http://schemas.microsoft.com/office/drawing/2014/main" val="1399800544"/>
+                    <a16:rowId xmlns:a16="http://schemas.microsoft.com/office/drawing/2014/main" val="595169518"/>
                   </a:ext>
                 </a:extLst>
               </a:tr>
@@ -10404,7 +8993,7 @@
                         <a:rPr lang="en-US" sz="1100" u="none" strike="noStrike">
                           <a:effectLst/>
                         </a:rPr>
-                        <a:t>name</a:t>
+                        <a:t>user_id</a:t>
                       </a:r>
                       <a:endParaRPr lang="en-US" sz="1100" b="0" i="0" u="none" strike="noStrike">
                         <a:solidFill>
@@ -10428,31 +9017,13 @@
                         <a:rPr lang="ja-JP" altLang="en-US" sz="1100" u="none" strike="noStrike">
                           <a:effectLst/>
                         </a:rPr>
-                        <a:t>ユーザー名</a:t>
-                      </a:r>
-                      <a:endParaRPr lang="ja-JP" altLang="en-US" sz="1100" b="0" i="0" u="none" strike="noStrike">
-                        <a:solidFill>
-                          <a:srgbClr val="000000"/>
-                        </a:solidFill>
-                        <a:effectLst/>
-                        <a:latin typeface="游ゴシック" panose="020B0400000000000000" pitchFamily="50" charset="-128"/>
-                        <a:ea typeface="游ゴシック" panose="020B0400000000000000" pitchFamily="50" charset="-128"/>
-                      </a:endParaRPr>
-                    </a:p>
-                  </a:txBody>
-                  <a:tcPr marL="7620" marR="7620" marT="7620" marB="0" anchor="ctr"/>
-                </a:tc>
-                <a:tc>
-                  <a:txBody>
-                    <a:bodyPr/>
-                    <a:lstStyle/>
-                    <a:p>
-                      <a:pPr algn="l" fontAlgn="ctr"/>
+                        <a:t>ユーザー</a:t>
+                      </a:r>
                       <a:r>
                         <a:rPr lang="en-US" sz="1100" u="none" strike="noStrike">
                           <a:effectLst/>
                         </a:rPr>
-                        <a:t>VARCHAR(255)</a:t>
+                        <a:t>ID</a:t>
                       </a:r>
                       <a:endParaRPr lang="en-US" sz="1100" b="0" i="0" u="none" strike="noStrike">
                         <a:solidFill>
@@ -10472,7 +9043,37 @@
                     <a:lstStyle/>
                     <a:p>
                       <a:pPr algn="l" fontAlgn="ctr"/>
-                      <a:endParaRPr lang="ja-JP" altLang="en-US" sz="1100" b="0" i="0" u="none" strike="noStrike">
+                      <a:r>
+                        <a:rPr lang="en-US" sz="1100" u="none" strike="noStrike">
+                          <a:effectLst/>
+                        </a:rPr>
+                        <a:t>INT</a:t>
+                      </a:r>
+                      <a:endParaRPr lang="en-US" sz="1100" b="0" i="0" u="none" strike="noStrike">
+                        <a:solidFill>
+                          <a:srgbClr val="000000"/>
+                        </a:solidFill>
+                        <a:effectLst/>
+                        <a:latin typeface="游ゴシック" panose="020B0400000000000000" pitchFamily="50" charset="-128"/>
+                        <a:ea typeface="游ゴシック" panose="020B0400000000000000" pitchFamily="50" charset="-128"/>
+                      </a:endParaRPr>
+                    </a:p>
+                  </a:txBody>
+                  <a:tcPr marL="7620" marR="7620" marT="7620" marB="0" anchor="ctr"/>
+                </a:tc>
+                <a:tc>
+                  <a:txBody>
+                    <a:bodyPr/>
+                    <a:lstStyle/>
+                    <a:p>
+                      <a:pPr algn="l" fontAlgn="ctr"/>
+                      <a:r>
+                        <a:rPr lang="en-US" sz="1100" u="none" strike="noStrike">
+                          <a:effectLst/>
+                        </a:rPr>
+                        <a:t>FK</a:t>
+                      </a:r>
+                      <a:endParaRPr lang="en-US" sz="1100" b="0" i="0" u="none" strike="noStrike">
                         <a:solidFill>
                           <a:srgbClr val="000000"/>
                         </a:solidFill>
@@ -10514,6 +9115,18 @@
                     <a:lstStyle/>
                     <a:p>
                       <a:pPr algn="l" fontAlgn="ctr"/>
+                      <a:r>
+                        <a:rPr lang="en-US" sz="1100" u="none" strike="noStrike">
+                          <a:effectLst/>
+                        </a:rPr>
+                        <a:t>users.id </a:t>
+                      </a:r>
+                      <a:r>
+                        <a:rPr lang="ja-JP" altLang="en-US" sz="1100" u="none" strike="noStrike">
+                          <a:effectLst/>
+                        </a:rPr>
+                        <a:t>参照</a:t>
+                      </a:r>
                       <a:endParaRPr lang="ja-JP" altLang="en-US" sz="1100" b="0" i="0" u="none" strike="noStrike">
                         <a:solidFill>
                           <a:srgbClr val="000000"/>
@@ -10528,7 +9141,7 @@
                 </a:tc>
                 <a:extLst>
                   <a:ext uri="{0D108BD9-81ED-4DB2-BD59-A6C34878D82A}">
-                    <a16:rowId xmlns:a16="http://schemas.microsoft.com/office/drawing/2014/main" val="2627331180"/>
+                    <a16:rowId xmlns:a16="http://schemas.microsoft.com/office/drawing/2014/main" val="3607827310"/>
                   </a:ext>
                 </a:extLst>
               </a:tr>
@@ -10567,7 +9180,7 @@
                         <a:rPr lang="en-US" sz="1100" u="none" strike="noStrike">
                           <a:effectLst/>
                         </a:rPr>
-                        <a:t>mail</a:t>
+                        <a:t>date</a:t>
                       </a:r>
                       <a:endParaRPr lang="en-US" sz="1100" b="0" i="0" u="none" strike="noStrike">
                         <a:solidFill>
@@ -10591,7 +9204,7 @@
                         <a:rPr lang="ja-JP" altLang="en-US" sz="1100" u="none" strike="noStrike">
                           <a:effectLst/>
                         </a:rPr>
-                        <a:t>メールアドレス</a:t>
+                        <a:t>日付</a:t>
                       </a:r>
                       <a:endParaRPr lang="ja-JP" altLang="en-US" sz="1100" b="0" i="0" u="none" strike="noStrike">
                         <a:solidFill>
@@ -10615,7 +9228,7 @@
                         <a:rPr lang="en-US" sz="1100" u="none" strike="noStrike">
                           <a:effectLst/>
                         </a:rPr>
-                        <a:t>VARCHAR(255)</a:t>
+                        <a:t>DATE</a:t>
                       </a:r>
                       <a:endParaRPr lang="en-US" sz="1100" b="0" i="0" u="none" strike="noStrike">
                         <a:solidFill>
@@ -10636,12 +9249,12 @@
                     <a:p>
                       <a:pPr algn="l" fontAlgn="ctr"/>
                       <a:r>
-                        <a:rPr lang="en-US" sz="1100" u="none" strike="noStrike">
-                          <a:effectLst/>
-                        </a:rPr>
-                        <a:t>UK</a:t>
-                      </a:r>
-                      <a:endParaRPr lang="en-US" sz="1100" b="0" i="0" u="none" strike="noStrike">
+                        <a:rPr lang="ja-JP" altLang="en-US" sz="1100" u="none" strike="noStrike">
+                          <a:effectLst/>
+                        </a:rPr>
+                        <a:t>　</a:t>
+                      </a:r>
+                      <a:endParaRPr lang="ja-JP" altLang="en-US" sz="1100" b="0" i="0" u="none" strike="noStrike">
                         <a:solidFill>
                           <a:srgbClr val="000000"/>
                         </a:solidFill>
@@ -10683,6 +9296,12 @@
                     <a:lstStyle/>
                     <a:p>
                       <a:pPr algn="l" fontAlgn="ctr"/>
+                      <a:r>
+                        <a:rPr lang="ja-JP" altLang="en-US" sz="1100" u="none" strike="noStrike">
+                          <a:effectLst/>
+                        </a:rPr>
+                        <a:t>　</a:t>
+                      </a:r>
                       <a:endParaRPr lang="ja-JP" altLang="en-US" sz="1100" b="0" i="0" u="none" strike="noStrike">
                         <a:solidFill>
                           <a:srgbClr val="000000"/>
@@ -10697,7 +9316,7 @@
                 </a:tc>
                 <a:extLst>
                   <a:ext uri="{0D108BD9-81ED-4DB2-BD59-A6C34878D82A}">
-                    <a16:rowId xmlns:a16="http://schemas.microsoft.com/office/drawing/2014/main" val="1178887533"/>
+                    <a16:rowId xmlns:a16="http://schemas.microsoft.com/office/drawing/2014/main" val="3089099250"/>
                   </a:ext>
                 </a:extLst>
               </a:tr>
@@ -10736,7 +9355,7 @@
                         <a:rPr lang="en-US" sz="1100" u="none" strike="noStrike">
                           <a:effectLst/>
                         </a:rPr>
-                        <a:t>password</a:t>
+                        <a:t>amount</a:t>
                       </a:r>
                       <a:endParaRPr lang="en-US" sz="1100" b="0" i="0" u="none" strike="noStrike">
                         <a:solidFill>
@@ -10760,7 +9379,7 @@
                         <a:rPr lang="ja-JP" altLang="en-US" sz="1100" u="none" strike="noStrike">
                           <a:effectLst/>
                         </a:rPr>
-                        <a:t>パスワード</a:t>
+                        <a:t>金額</a:t>
                       </a:r>
                       <a:endParaRPr lang="ja-JP" altLang="en-US" sz="1100" b="0" i="0" u="none" strike="noStrike">
                         <a:solidFill>
@@ -10784,7 +9403,7 @@
                         <a:rPr lang="en-US" sz="1100" u="none" strike="noStrike">
                           <a:effectLst/>
                         </a:rPr>
-                        <a:t>VARCHAR(255)</a:t>
+                        <a:t>INT</a:t>
                       </a:r>
                       <a:endParaRPr lang="en-US" sz="1100" b="0" i="0" u="none" strike="noStrike">
                         <a:solidFill>
@@ -10804,6 +9423,12 @@
                     <a:lstStyle/>
                     <a:p>
                       <a:pPr algn="l" fontAlgn="ctr"/>
+                      <a:r>
+                        <a:rPr lang="ja-JP" altLang="en-US" sz="1100" u="none" strike="noStrike">
+                          <a:effectLst/>
+                        </a:rPr>
+                        <a:t>　</a:t>
+                      </a:r>
                       <a:endParaRPr lang="ja-JP" altLang="en-US" sz="1100" b="0" i="0" u="none" strike="noStrike">
                         <a:solidFill>
                           <a:srgbClr val="000000"/>
@@ -10846,6 +9471,12 @@
                     <a:lstStyle/>
                     <a:p>
                       <a:pPr algn="l" fontAlgn="ctr"/>
+                      <a:r>
+                        <a:rPr lang="ja-JP" altLang="en-US" sz="1100" u="none" strike="noStrike">
+                          <a:effectLst/>
+                        </a:rPr>
+                        <a:t>　</a:t>
+                      </a:r>
                       <a:endParaRPr lang="ja-JP" altLang="en-US" sz="1100" b="0" i="0" u="none" strike="noStrike">
                         <a:solidFill>
                           <a:srgbClr val="000000"/>
@@ -10860,7 +9491,7 @@
                 </a:tc>
                 <a:extLst>
                   <a:ext uri="{0D108BD9-81ED-4DB2-BD59-A6C34878D82A}">
-                    <a16:rowId xmlns:a16="http://schemas.microsoft.com/office/drawing/2014/main" val="554703605"/>
+                    <a16:rowId xmlns:a16="http://schemas.microsoft.com/office/drawing/2014/main" val="1307755326"/>
                   </a:ext>
                 </a:extLst>
               </a:tr>
@@ -10899,7 +9530,7 @@
                         <a:rPr lang="en-US" sz="1100" u="none" strike="noStrike">
                           <a:effectLst/>
                         </a:rPr>
-                        <a:t>created_at</a:t>
+                        <a:t>category</a:t>
                       </a:r>
                       <a:endParaRPr lang="en-US" sz="1100" b="0" i="0" u="none" strike="noStrike">
                         <a:solidFill>
@@ -10923,7 +9554,7 @@
                         <a:rPr lang="ja-JP" altLang="en-US" sz="1100" u="none" strike="noStrike">
                           <a:effectLst/>
                         </a:rPr>
-                        <a:t>登録日時</a:t>
+                        <a:t>カテゴリ</a:t>
                       </a:r>
                       <a:endParaRPr lang="ja-JP" altLang="en-US" sz="1100" b="0" i="0" u="none" strike="noStrike">
                         <a:solidFill>
@@ -10947,7 +9578,7 @@
                         <a:rPr lang="en-US" sz="1100" u="none" strike="noStrike">
                           <a:effectLst/>
                         </a:rPr>
-                        <a:t>DATETIME</a:t>
+                        <a:t>VARCHAR(100)</a:t>
                       </a:r>
                       <a:endParaRPr lang="en-US" sz="1100" b="0" i="0" u="none" strike="noStrike">
                         <a:solidFill>
@@ -10967,6 +9598,12 @@
                     <a:lstStyle/>
                     <a:p>
                       <a:pPr algn="l" fontAlgn="ctr"/>
+                      <a:r>
+                        <a:rPr lang="ja-JP" altLang="en-US" sz="1100" u="none" strike="noStrike">
+                          <a:effectLst/>
+                        </a:rPr>
+                        <a:t>　</a:t>
+                      </a:r>
                       <a:endParaRPr lang="ja-JP" altLang="en-US" sz="1100" b="0" i="0" u="none" strike="noStrike">
                         <a:solidFill>
                           <a:srgbClr val="000000"/>
@@ -10985,6 +9622,12 @@
                     <a:lstStyle/>
                     <a:p>
                       <a:pPr algn="l" fontAlgn="ctr"/>
+                      <a:r>
+                        <a:rPr lang="ja-JP" altLang="en-US" sz="1100" u="none" strike="noStrike">
+                          <a:effectLst/>
+                        </a:rPr>
+                        <a:t>　</a:t>
+                      </a:r>
                       <a:endParaRPr lang="ja-JP" altLang="en-US" sz="1100" b="0" i="0" u="none" strike="noStrike">
                         <a:solidFill>
                           <a:srgbClr val="000000"/>
@@ -11003,6 +9646,12 @@
                     <a:lstStyle/>
                     <a:p>
                       <a:pPr algn="l" fontAlgn="ctr"/>
+                      <a:r>
+                        <a:rPr lang="ja-JP" altLang="en-US" sz="1100" u="none" strike="noStrike">
+                          <a:effectLst/>
+                        </a:rPr>
+                        <a:t>　</a:t>
+                      </a:r>
                       <a:endParaRPr lang="ja-JP" altLang="en-US" sz="1100" b="0" i="0" u="none" strike="noStrike">
                         <a:solidFill>
                           <a:srgbClr val="000000"/>
@@ -11017,7 +9666,7 @@
                 </a:tc>
                 <a:extLst>
                   <a:ext uri="{0D108BD9-81ED-4DB2-BD59-A6C34878D82A}">
-                    <a16:rowId xmlns:a16="http://schemas.microsoft.com/office/drawing/2014/main" val="3830091069"/>
+                    <a16:rowId xmlns:a16="http://schemas.microsoft.com/office/drawing/2014/main" val="3637669525"/>
                   </a:ext>
                 </a:extLst>
               </a:tr>
@@ -11056,7 +9705,7 @@
                         <a:rPr lang="en-US" sz="1100" u="none" strike="noStrike">
                           <a:effectLst/>
                         </a:rPr>
-                        <a:t>updated_at</a:t>
+                        <a:t>memo</a:t>
                       </a:r>
                       <a:endParaRPr lang="en-US" sz="1100" b="0" i="0" u="none" strike="noStrike">
                         <a:solidFill>
@@ -11080,7 +9729,7 @@
                         <a:rPr lang="ja-JP" altLang="en-US" sz="1100" u="none" strike="noStrike">
                           <a:effectLst/>
                         </a:rPr>
-                        <a:t>更新日時</a:t>
+                        <a:t>メモ</a:t>
                       </a:r>
                       <a:endParaRPr lang="ja-JP" altLang="en-US" sz="1100" b="0" i="0" u="none" strike="noStrike">
                         <a:solidFill>
@@ -11104,7 +9753,7 @@
                         <a:rPr lang="en-US" sz="1100" u="none" strike="noStrike">
                           <a:effectLst/>
                         </a:rPr>
-                        <a:t>DATETIME</a:t>
+                        <a:t>VARCHAR(255)</a:t>
                       </a:r>
                       <a:endParaRPr lang="en-US" sz="1100" b="0" i="0" u="none" strike="noStrike">
                         <a:solidFill>
@@ -11124,6 +9773,12 @@
                     <a:lstStyle/>
                     <a:p>
                       <a:pPr algn="l" fontAlgn="ctr"/>
+                      <a:r>
+                        <a:rPr lang="ja-JP" altLang="en-US" sz="1100" u="none" strike="noStrike">
+                          <a:effectLst/>
+                        </a:rPr>
+                        <a:t>　</a:t>
+                      </a:r>
                       <a:endParaRPr lang="ja-JP" altLang="en-US" sz="1100" b="0" i="0" u="none" strike="noStrike">
                         <a:solidFill>
                           <a:srgbClr val="000000"/>
@@ -11142,6 +9797,12 @@
                     <a:lstStyle/>
                     <a:p>
                       <a:pPr algn="l" fontAlgn="ctr"/>
+                      <a:r>
+                        <a:rPr lang="ja-JP" altLang="en-US" sz="1100" u="none" strike="noStrike">
+                          <a:effectLst/>
+                        </a:rPr>
+                        <a:t>　</a:t>
+                      </a:r>
                       <a:endParaRPr lang="ja-JP" altLang="en-US" sz="1100" b="0" i="0" u="none" strike="noStrike">
                         <a:solidFill>
                           <a:srgbClr val="000000"/>
@@ -11160,6 +9821,12 @@
                     <a:lstStyle/>
                     <a:p>
                       <a:pPr algn="l" fontAlgn="ctr"/>
+                      <a:r>
+                        <a:rPr lang="ja-JP" altLang="en-US" sz="1100" u="none" strike="noStrike" dirty="0">
+                          <a:effectLst/>
+                        </a:rPr>
+                        <a:t>　</a:t>
+                      </a:r>
                       <a:endParaRPr lang="ja-JP" altLang="en-US" sz="1100" b="0" i="0" u="none" strike="noStrike" dirty="0">
                         <a:solidFill>
                           <a:srgbClr val="000000"/>
@@ -11174,7 +9841,7 @@
                 </a:tc>
                 <a:extLst>
                   <a:ext uri="{0D108BD9-81ED-4DB2-BD59-A6C34878D82A}">
-                    <a16:rowId xmlns:a16="http://schemas.microsoft.com/office/drawing/2014/main" val="2250390342"/>
+                    <a16:rowId xmlns:a16="http://schemas.microsoft.com/office/drawing/2014/main" val="322250099"/>
                   </a:ext>
                 </a:extLst>
               </a:tr>
@@ -11184,10 +9851,10 @@
       </p:graphicFrame>
       <p:sp>
         <p:nvSpPr>
-          <p:cNvPr id="9" name="楕円 8">
+          <p:cNvPr id="34" name="楕円 33">
             <a:extLst>
               <a:ext uri="{FF2B5EF4-FFF2-40B4-BE49-F238E27FC236}">
-                <a16:creationId xmlns:a16="http://schemas.microsoft.com/office/drawing/2014/main" id="{F5934EB0-3EB3-677C-09EF-4CDD1D6E7F8E}"/>
+                <a16:creationId xmlns:a16="http://schemas.microsoft.com/office/drawing/2014/main" id="{024083EA-0C37-4B9B-BA71-FAF7F6A4649A}"/>
               </a:ext>
             </a:extLst>
           </p:cNvPr>
@@ -11196,7 +9863,7 @@
         </p:nvSpPr>
         <p:spPr>
           <a:xfrm>
-            <a:off x="6262685" y="2581275"/>
+            <a:off x="6408738" y="5642944"/>
             <a:ext cx="161925" cy="152398"/>
           </a:xfrm>
           <a:prstGeom prst="ellipse">
@@ -11233,10 +9900,10 @@
       </p:sp>
       <p:cxnSp>
         <p:nvCxnSpPr>
-          <p:cNvPr id="10" name="直線コネクタ 9">
+          <p:cNvPr id="35" name="直線コネクタ 34">
             <a:extLst>
               <a:ext uri="{FF2B5EF4-FFF2-40B4-BE49-F238E27FC236}">
-                <a16:creationId xmlns:a16="http://schemas.microsoft.com/office/drawing/2014/main" id="{6D94A643-F13A-0DE8-3026-99B5E22E731A}"/>
+                <a16:creationId xmlns:a16="http://schemas.microsoft.com/office/drawing/2014/main" id="{4075D0BE-4A8A-5761-72A2-1F49EFFF19D7}"/>
               </a:ext>
             </a:extLst>
           </p:cNvPr>
@@ -11246,9 +9913,9 @@
           <p:nvPr/>
         </p:nvCxnSpPr>
         <p:spPr>
-          <a:xfrm>
-            <a:off x="5172075" y="2581274"/>
-            <a:ext cx="0" cy="152399"/>
+          <a:xfrm flipV="1">
+            <a:off x="6542090" y="5604844"/>
+            <a:ext cx="377030" cy="76200"/>
           </a:xfrm>
           <a:prstGeom prst="line">
             <a:avLst/>
@@ -11271,23 +9938,22 @@
       </p:cxnSp>
       <p:cxnSp>
         <p:nvCxnSpPr>
-          <p:cNvPr id="11" name="直線コネクタ 10">
+          <p:cNvPr id="36" name="直線コネクタ 35">
             <a:extLst>
               <a:ext uri="{FF2B5EF4-FFF2-40B4-BE49-F238E27FC236}">
-                <a16:creationId xmlns:a16="http://schemas.microsoft.com/office/drawing/2014/main" id="{28BAE139-351C-DC93-DC5D-2D287C56508D}"/>
+                <a16:creationId xmlns:a16="http://schemas.microsoft.com/office/drawing/2014/main" id="{D46B6745-3BF5-7915-E7A4-6F776DAE89EA}"/>
               </a:ext>
             </a:extLst>
           </p:cNvPr>
           <p:cNvCxnSpPr>
             <a:cxnSpLocks/>
-            <a:endCxn id="9" idx="6"/>
           </p:cNvCxnSpPr>
           <p:nvPr/>
         </p:nvCxnSpPr>
         <p:spPr>
-          <a:xfrm flipH="1">
-            <a:off x="6424610" y="2581274"/>
-            <a:ext cx="300039" cy="76200"/>
+          <a:xfrm flipV="1">
+            <a:off x="6534150" y="5700093"/>
+            <a:ext cx="392114" cy="32304"/>
           </a:xfrm>
           <a:prstGeom prst="line">
             <a:avLst/>
@@ -11310,23 +9976,23 @@
       </p:cxnSp>
       <p:cxnSp>
         <p:nvCxnSpPr>
-          <p:cNvPr id="14" name="直線コネクタ 13">
+          <p:cNvPr id="38" name="直線コネクタ 37">
             <a:extLst>
               <a:ext uri="{FF2B5EF4-FFF2-40B4-BE49-F238E27FC236}">
-                <a16:creationId xmlns:a16="http://schemas.microsoft.com/office/drawing/2014/main" id="{CF97516A-04E7-5268-4137-E27B28024A4F}"/>
+                <a16:creationId xmlns:a16="http://schemas.microsoft.com/office/drawing/2014/main" id="{223C5B06-AEE7-9AB2-F8D8-7B183C2C8FE2}"/>
               </a:ext>
             </a:extLst>
           </p:cNvPr>
           <p:cNvCxnSpPr>
             <a:cxnSpLocks/>
-            <a:endCxn id="9" idx="6"/>
+            <a:stCxn id="34" idx="5"/>
           </p:cNvCxnSpPr>
           <p:nvPr/>
         </p:nvCxnSpPr>
         <p:spPr>
-          <a:xfrm flipH="1">
-            <a:off x="6424610" y="2657473"/>
-            <a:ext cx="300039" cy="1"/>
+          <a:xfrm>
+            <a:off x="6546950" y="5773024"/>
+            <a:ext cx="297960" cy="5522"/>
           </a:xfrm>
           <a:prstGeom prst="line">
             <a:avLst/>
@@ -11349,23 +10015,22 @@
       </p:cxnSp>
       <p:cxnSp>
         <p:nvCxnSpPr>
-          <p:cNvPr id="17" name="直線コネクタ 16">
+          <p:cNvPr id="43" name="直線コネクタ 42">
             <a:extLst>
               <a:ext uri="{FF2B5EF4-FFF2-40B4-BE49-F238E27FC236}">
-                <a16:creationId xmlns:a16="http://schemas.microsoft.com/office/drawing/2014/main" id="{C8C50A2A-32AE-07EB-8247-37C61A3EB43B}"/>
+                <a16:creationId xmlns:a16="http://schemas.microsoft.com/office/drawing/2014/main" id="{B06AC699-39FD-2BCE-EB25-2D944A05F1B9}"/>
               </a:ext>
             </a:extLst>
           </p:cNvPr>
           <p:cNvCxnSpPr>
             <a:cxnSpLocks/>
-            <a:stCxn id="9" idx="6"/>
           </p:cNvCxnSpPr>
           <p:nvPr/>
         </p:nvCxnSpPr>
         <p:spPr>
-          <a:xfrm>
-            <a:off x="6424610" y="2657474"/>
-            <a:ext cx="300039" cy="76200"/>
+          <a:xfrm flipV="1">
+            <a:off x="5958881" y="5700093"/>
+            <a:ext cx="438944" cy="1"/>
           </a:xfrm>
           <a:prstGeom prst="line">
             <a:avLst/>
@@ -11386,1311 +10051,10 @@
           </a:fontRef>
         </p:style>
       </p:cxnSp>
-      <p:cxnSp>
-        <p:nvCxnSpPr>
-          <p:cNvPr id="20" name="直線コネクタ 19">
-            <a:extLst>
-              <a:ext uri="{FF2B5EF4-FFF2-40B4-BE49-F238E27FC236}">
-                <a16:creationId xmlns:a16="http://schemas.microsoft.com/office/drawing/2014/main" id="{E0891998-771A-9784-57FD-2E56446985EE}"/>
-              </a:ext>
-            </a:extLst>
-          </p:cNvPr>
-          <p:cNvCxnSpPr>
-            <a:cxnSpLocks/>
-            <a:endCxn id="9" idx="2"/>
-          </p:cNvCxnSpPr>
-          <p:nvPr/>
-        </p:nvCxnSpPr>
-        <p:spPr>
-          <a:xfrm>
-            <a:off x="5026026" y="2657474"/>
-            <a:ext cx="1236659" cy="0"/>
-          </a:xfrm>
-          <a:prstGeom prst="line">
-            <a:avLst/>
-          </a:prstGeom>
-        </p:spPr>
-        <p:style>
-          <a:lnRef idx="1">
-            <a:schemeClr val="accent1"/>
-          </a:lnRef>
-          <a:fillRef idx="0">
-            <a:schemeClr val="accent1"/>
-          </a:fillRef>
-          <a:effectRef idx="0">
-            <a:schemeClr val="accent1"/>
-          </a:effectRef>
-          <a:fontRef idx="minor">
-            <a:schemeClr val="tx1"/>
-          </a:fontRef>
-        </p:style>
-      </p:cxnSp>
-      <p:graphicFrame>
-        <p:nvGraphicFramePr>
-          <p:cNvPr id="3" name="表 2">
-            <a:extLst>
-              <a:ext uri="{FF2B5EF4-FFF2-40B4-BE49-F238E27FC236}">
-                <a16:creationId xmlns:a16="http://schemas.microsoft.com/office/drawing/2014/main" id="{F2C125F8-5B7A-4EE7-BC59-939C69EFC347}"/>
-              </a:ext>
-            </a:extLst>
-          </p:cNvPr>
-          <p:cNvGraphicFramePr>
-            <a:graphicFrameLocks noGrp="1"/>
-          </p:cNvGraphicFramePr>
-          <p:nvPr>
-            <p:extLst>
-              <p:ext uri="{D42A27DB-BD31-4B8C-83A1-F6EECF244321}">
-                <p14:modId xmlns:p14="http://schemas.microsoft.com/office/powerpoint/2010/main" val="278918023"/>
-              </p:ext>
-            </p:extLst>
-          </p:nvPr>
-        </p:nvGraphicFramePr>
-        <p:xfrm>
-          <a:off x="6724650" y="1990725"/>
-          <a:ext cx="5467350" cy="1714500"/>
-        </p:xfrm>
-        <a:graphic>
-          <a:graphicData uri="http://schemas.openxmlformats.org/drawingml/2006/table">
-            <a:tbl>
-              <a:tblPr>
-                <a:tableStyleId>{5C22544A-7EE6-4342-B048-85BDC9FD1C3A}</a:tableStyleId>
-              </a:tblPr>
-              <a:tblGrid>
-                <a:gridCol w="571538">
-                  <a:extLst>
-                    <a:ext uri="{9D8B030D-6E8A-4147-A177-3AD203B41FA5}">
-                      <a16:colId xmlns:a16="http://schemas.microsoft.com/office/drawing/2014/main" val="3990502469"/>
-                    </a:ext>
-                  </a:extLst>
-                </a:gridCol>
-                <a:gridCol w="571538">
-                  <a:extLst>
-                    <a:ext uri="{9D8B030D-6E8A-4147-A177-3AD203B41FA5}">
-                      <a16:colId xmlns:a16="http://schemas.microsoft.com/office/drawing/2014/main" val="2860207720"/>
-                    </a:ext>
-                  </a:extLst>
-                </a:gridCol>
-                <a:gridCol w="873482">
-                  <a:extLst>
-                    <a:ext uri="{9D8B030D-6E8A-4147-A177-3AD203B41FA5}">
-                      <a16:colId xmlns:a16="http://schemas.microsoft.com/office/drawing/2014/main" val="3202582120"/>
-                    </a:ext>
-                  </a:extLst>
-                </a:gridCol>
-                <a:gridCol w="1315615">
-                  <a:extLst>
-                    <a:ext uri="{9D8B030D-6E8A-4147-A177-3AD203B41FA5}">
-                      <a16:colId xmlns:a16="http://schemas.microsoft.com/office/drawing/2014/main" val="3845818550"/>
-                    </a:ext>
-                  </a:extLst>
-                </a:gridCol>
-                <a:gridCol w="571538">
-                  <a:extLst>
-                    <a:ext uri="{9D8B030D-6E8A-4147-A177-3AD203B41FA5}">
-                      <a16:colId xmlns:a16="http://schemas.microsoft.com/office/drawing/2014/main" val="2930751748"/>
-                    </a:ext>
-                  </a:extLst>
-                </a:gridCol>
-                <a:gridCol w="517618">
-                  <a:extLst>
-                    <a:ext uri="{9D8B030D-6E8A-4147-A177-3AD203B41FA5}">
-                      <a16:colId xmlns:a16="http://schemas.microsoft.com/office/drawing/2014/main" val="2470868546"/>
-                    </a:ext>
-                  </a:extLst>
-                </a:gridCol>
-                <a:gridCol w="1046021">
-                  <a:extLst>
-                    <a:ext uri="{9D8B030D-6E8A-4147-A177-3AD203B41FA5}">
-                      <a16:colId xmlns:a16="http://schemas.microsoft.com/office/drawing/2014/main" val="2978844655"/>
-                    </a:ext>
-                  </a:extLst>
-                </a:gridCol>
-              </a:tblGrid>
-              <a:tr h="228600">
-                <a:tc>
-                  <a:txBody>
-                    <a:bodyPr/>
-                    <a:lstStyle/>
-                    <a:p>
-                      <a:pPr algn="l" fontAlgn="ctr"/>
-                      <a:r>
-                        <a:rPr lang="en-US" sz="900" u="none" strike="noStrike">
-                          <a:effectLst/>
-                        </a:rPr>
-                        <a:t>No</a:t>
-                      </a:r>
-                      <a:endParaRPr lang="en-US" sz="900" b="0" i="0" u="none" strike="noStrike">
-                        <a:solidFill>
-                          <a:srgbClr val="242424"/>
-                        </a:solidFill>
-                        <a:effectLst/>
-                        <a:latin typeface="Segoe UI" panose="020B0502040204020203" pitchFamily="34" charset="0"/>
-                        <a:ea typeface="游ゴシック" panose="020B0400000000000000" pitchFamily="50" charset="-128"/>
-                      </a:endParaRPr>
-                    </a:p>
-                  </a:txBody>
-                  <a:tcPr marL="7620" marR="7620" marT="7620" marB="0" anchor="ctr"/>
-                </a:tc>
-                <a:tc>
-                  <a:txBody>
-                    <a:bodyPr/>
-                    <a:lstStyle/>
-                    <a:p>
-                      <a:pPr algn="l" fontAlgn="ctr"/>
-                      <a:r>
-                        <a:rPr lang="en-US" sz="1100" u="none" strike="noStrike">
-                          <a:effectLst/>
-                        </a:rPr>
-                        <a:t>ID</a:t>
-                      </a:r>
-                      <a:endParaRPr lang="en-US" sz="1100" b="0" i="0" u="none" strike="noStrike">
-                        <a:solidFill>
-                          <a:srgbClr val="000000"/>
-                        </a:solidFill>
-                        <a:effectLst/>
-                        <a:latin typeface="游ゴシック" panose="020B0400000000000000" pitchFamily="50" charset="-128"/>
-                        <a:ea typeface="游ゴシック" panose="020B0400000000000000" pitchFamily="50" charset="-128"/>
-                      </a:endParaRPr>
-                    </a:p>
-                  </a:txBody>
-                  <a:tcPr marL="7620" marR="7620" marT="7620" marB="0" anchor="ctr"/>
-                </a:tc>
-                <a:tc>
-                  <a:txBody>
-                    <a:bodyPr/>
-                    <a:lstStyle/>
-                    <a:p>
-                      <a:pPr algn="l" fontAlgn="ctr"/>
-                      <a:r>
-                        <a:rPr lang="ja-JP" altLang="en-US" sz="1100" u="none" strike="noStrike">
-                          <a:effectLst/>
-                        </a:rPr>
-                        <a:t>カラム名</a:t>
-                      </a:r>
-                      <a:endParaRPr lang="ja-JP" altLang="en-US" sz="1100" b="0" i="0" u="none" strike="noStrike">
-                        <a:solidFill>
-                          <a:srgbClr val="000000"/>
-                        </a:solidFill>
-                        <a:effectLst/>
-                        <a:latin typeface="游ゴシック" panose="020B0400000000000000" pitchFamily="50" charset="-128"/>
-                        <a:ea typeface="游ゴシック" panose="020B0400000000000000" pitchFamily="50" charset="-128"/>
-                      </a:endParaRPr>
-                    </a:p>
-                  </a:txBody>
-                  <a:tcPr marL="7620" marR="7620" marT="7620" marB="0" anchor="ctr"/>
-                </a:tc>
-                <a:tc>
-                  <a:txBody>
-                    <a:bodyPr/>
-                    <a:lstStyle/>
-                    <a:p>
-                      <a:pPr algn="l" fontAlgn="ctr"/>
-                      <a:r>
-                        <a:rPr lang="ja-JP" altLang="en-US" sz="1100" u="none" strike="noStrike">
-                          <a:effectLst/>
-                        </a:rPr>
-                        <a:t>項目名</a:t>
-                      </a:r>
-                      <a:endParaRPr lang="ja-JP" altLang="en-US" sz="1100" b="0" i="0" u="none" strike="noStrike">
-                        <a:solidFill>
-                          <a:srgbClr val="000000"/>
-                        </a:solidFill>
-                        <a:effectLst/>
-                        <a:latin typeface="游ゴシック" panose="020B0400000000000000" pitchFamily="50" charset="-128"/>
-                        <a:ea typeface="游ゴシック" panose="020B0400000000000000" pitchFamily="50" charset="-128"/>
-                      </a:endParaRPr>
-                    </a:p>
-                  </a:txBody>
-                  <a:tcPr marL="7620" marR="7620" marT="7620" marB="0" anchor="ctr"/>
-                </a:tc>
-                <a:tc>
-                  <a:txBody>
-                    <a:bodyPr/>
-                    <a:lstStyle/>
-                    <a:p>
-                      <a:pPr algn="l" fontAlgn="ctr"/>
-                      <a:r>
-                        <a:rPr lang="ja-JP" altLang="en-US" sz="1100" u="none" strike="noStrike">
-                          <a:effectLst/>
-                        </a:rPr>
-                        <a:t>データ型</a:t>
-                      </a:r>
-                      <a:endParaRPr lang="ja-JP" altLang="en-US" sz="1100" b="0" i="0" u="none" strike="noStrike">
-                        <a:solidFill>
-                          <a:srgbClr val="000000"/>
-                        </a:solidFill>
-                        <a:effectLst/>
-                        <a:latin typeface="游ゴシック" panose="020B0400000000000000" pitchFamily="50" charset="-128"/>
-                        <a:ea typeface="游ゴシック" panose="020B0400000000000000" pitchFamily="50" charset="-128"/>
-                      </a:endParaRPr>
-                    </a:p>
-                  </a:txBody>
-                  <a:tcPr marL="7620" marR="7620" marT="7620" marB="0" anchor="ctr"/>
-                </a:tc>
-                <a:tc>
-                  <a:txBody>
-                    <a:bodyPr/>
-                    <a:lstStyle/>
-                    <a:p>
-                      <a:pPr algn="l" fontAlgn="ctr"/>
-                      <a:r>
-                        <a:rPr lang="en-US" sz="1100" u="none" strike="noStrike">
-                          <a:effectLst/>
-                        </a:rPr>
-                        <a:t>Null</a:t>
-                      </a:r>
-                      <a:endParaRPr lang="en-US" sz="1100" b="0" i="0" u="none" strike="noStrike">
-                        <a:solidFill>
-                          <a:srgbClr val="000000"/>
-                        </a:solidFill>
-                        <a:effectLst/>
-                        <a:latin typeface="游ゴシック" panose="020B0400000000000000" pitchFamily="50" charset="-128"/>
-                        <a:ea typeface="游ゴシック" panose="020B0400000000000000" pitchFamily="50" charset="-128"/>
-                      </a:endParaRPr>
-                    </a:p>
-                  </a:txBody>
-                  <a:tcPr marL="7620" marR="7620" marT="7620" marB="0" anchor="ctr"/>
-                </a:tc>
-                <a:tc>
-                  <a:txBody>
-                    <a:bodyPr/>
-                    <a:lstStyle/>
-                    <a:p>
-                      <a:pPr algn="l" fontAlgn="ctr"/>
-                      <a:r>
-                        <a:rPr lang="ja-JP" altLang="en-US" sz="1100" u="none" strike="noStrike">
-                          <a:effectLst/>
-                        </a:rPr>
-                        <a:t>備考</a:t>
-                      </a:r>
-                      <a:endParaRPr lang="ja-JP" altLang="en-US" sz="1100" b="0" i="0" u="none" strike="noStrike">
-                        <a:solidFill>
-                          <a:srgbClr val="000000"/>
-                        </a:solidFill>
-                        <a:effectLst/>
-                        <a:latin typeface="游ゴシック" panose="020B0400000000000000" pitchFamily="50" charset="-128"/>
-                        <a:ea typeface="游ゴシック" panose="020B0400000000000000" pitchFamily="50" charset="-128"/>
-                      </a:endParaRPr>
-                    </a:p>
-                  </a:txBody>
-                  <a:tcPr marL="7620" marR="7620" marT="7620" marB="0" anchor="ctr"/>
-                </a:tc>
-                <a:extLst>
-                  <a:ext uri="{0D108BD9-81ED-4DB2-BD59-A6C34878D82A}">
-                    <a16:rowId xmlns:a16="http://schemas.microsoft.com/office/drawing/2014/main" val="1767197051"/>
-                  </a:ext>
-                </a:extLst>
-              </a:tr>
-              <a:tr h="228600">
-                <a:tc>
-                  <a:txBody>
-                    <a:bodyPr/>
-                    <a:lstStyle/>
-                    <a:p>
-                      <a:pPr algn="r" fontAlgn="ctr"/>
-                      <a:r>
-                        <a:rPr lang="en-US" altLang="ja-JP" sz="900" u="none" strike="noStrike">
-                          <a:effectLst/>
-                        </a:rPr>
-                        <a:t>1</a:t>
-                      </a:r>
-                      <a:endParaRPr lang="en-US" altLang="ja-JP" sz="900" b="0" i="0" u="none" strike="noStrike">
-                        <a:solidFill>
-                          <a:srgbClr val="242424"/>
-                        </a:solidFill>
-                        <a:effectLst/>
-                        <a:latin typeface="Segoe UI" panose="020B0502040204020203" pitchFamily="34" charset="0"/>
-                        <a:ea typeface="游ゴシック" panose="020B0400000000000000" pitchFamily="50" charset="-128"/>
-                      </a:endParaRPr>
-                    </a:p>
-                  </a:txBody>
-                  <a:tcPr marL="7620" marR="7620" marT="7620" marB="0" anchor="ctr"/>
-                </a:tc>
-                <a:tc>
-                  <a:txBody>
-                    <a:bodyPr/>
-                    <a:lstStyle/>
-                    <a:p>
-                      <a:pPr algn="l" fontAlgn="ctr"/>
-                      <a:r>
-                        <a:rPr lang="en-US" sz="1100" u="none" strike="noStrike">
-                          <a:effectLst/>
-                        </a:rPr>
-                        <a:t>id</a:t>
-                      </a:r>
-                      <a:endParaRPr lang="en-US" sz="1100" b="0" i="0" u="none" strike="noStrike">
-                        <a:solidFill>
-                          <a:srgbClr val="000000"/>
-                        </a:solidFill>
-                        <a:effectLst/>
-                        <a:latin typeface="游ゴシック" panose="020B0400000000000000" pitchFamily="50" charset="-128"/>
-                        <a:ea typeface="游ゴシック" panose="020B0400000000000000" pitchFamily="50" charset="-128"/>
-                      </a:endParaRPr>
-                    </a:p>
-                  </a:txBody>
-                  <a:tcPr marL="7620" marR="7620" marT="7620" marB="0" anchor="ctr"/>
-                </a:tc>
-                <a:tc>
-                  <a:txBody>
-                    <a:bodyPr/>
-                    <a:lstStyle/>
-                    <a:p>
-                      <a:pPr algn="l" fontAlgn="ctr"/>
-                      <a:r>
-                        <a:rPr lang="ja-JP" altLang="en-US" sz="1100" u="none" strike="noStrike">
-                          <a:effectLst/>
-                        </a:rPr>
-                        <a:t>収入</a:t>
-                      </a:r>
-                      <a:r>
-                        <a:rPr lang="en-US" sz="1100" u="none" strike="noStrike">
-                          <a:effectLst/>
-                        </a:rPr>
-                        <a:t>ID</a:t>
-                      </a:r>
-                      <a:endParaRPr lang="en-US" sz="1100" b="0" i="0" u="none" strike="noStrike">
-                        <a:solidFill>
-                          <a:srgbClr val="000000"/>
-                        </a:solidFill>
-                        <a:effectLst/>
-                        <a:latin typeface="游ゴシック" panose="020B0400000000000000" pitchFamily="50" charset="-128"/>
-                        <a:ea typeface="游ゴシック" panose="020B0400000000000000" pitchFamily="50" charset="-128"/>
-                      </a:endParaRPr>
-                    </a:p>
-                  </a:txBody>
-                  <a:tcPr marL="7620" marR="7620" marT="7620" marB="0" anchor="ctr"/>
-                </a:tc>
-                <a:tc>
-                  <a:txBody>
-                    <a:bodyPr/>
-                    <a:lstStyle/>
-                    <a:p>
-                      <a:pPr algn="l" fontAlgn="ctr"/>
-                      <a:r>
-                        <a:rPr lang="en-US" sz="1100" u="none" strike="noStrike">
-                          <a:effectLst/>
-                        </a:rPr>
-                        <a:t>INT</a:t>
-                      </a:r>
-                      <a:endParaRPr lang="en-US" sz="1100" b="0" i="0" u="none" strike="noStrike">
-                        <a:solidFill>
-                          <a:srgbClr val="000000"/>
-                        </a:solidFill>
-                        <a:effectLst/>
-                        <a:latin typeface="游ゴシック" panose="020B0400000000000000" pitchFamily="50" charset="-128"/>
-                        <a:ea typeface="游ゴシック" panose="020B0400000000000000" pitchFamily="50" charset="-128"/>
-                      </a:endParaRPr>
-                    </a:p>
-                  </a:txBody>
-                  <a:tcPr marL="7620" marR="7620" marT="7620" marB="0" anchor="ctr"/>
-                </a:tc>
-                <a:tc>
-                  <a:txBody>
-                    <a:bodyPr/>
-                    <a:lstStyle/>
-                    <a:p>
-                      <a:pPr algn="l" fontAlgn="ctr"/>
-                      <a:r>
-                        <a:rPr lang="en-US" sz="1100" u="none" strike="noStrike">
-                          <a:effectLst/>
-                        </a:rPr>
-                        <a:t>PK</a:t>
-                      </a:r>
-                      <a:endParaRPr lang="en-US" sz="1100" b="0" i="0" u="none" strike="noStrike">
-                        <a:solidFill>
-                          <a:srgbClr val="000000"/>
-                        </a:solidFill>
-                        <a:effectLst/>
-                        <a:latin typeface="游ゴシック" panose="020B0400000000000000" pitchFamily="50" charset="-128"/>
-                        <a:ea typeface="游ゴシック" panose="020B0400000000000000" pitchFamily="50" charset="-128"/>
-                      </a:endParaRPr>
-                    </a:p>
-                  </a:txBody>
-                  <a:tcPr marL="7620" marR="7620" marT="7620" marB="0" anchor="ctr"/>
-                </a:tc>
-                <a:tc>
-                  <a:txBody>
-                    <a:bodyPr/>
-                    <a:lstStyle/>
-                    <a:p>
-                      <a:pPr algn="l" fontAlgn="ctr"/>
-                      <a:r>
-                        <a:rPr lang="en-US" altLang="ja-JP" sz="1100" u="none" strike="noStrike">
-                          <a:effectLst/>
-                        </a:rPr>
-                        <a:t>×</a:t>
-                      </a:r>
-                      <a:endParaRPr lang="en-US" altLang="ja-JP" sz="1100" b="0" i="0" u="none" strike="noStrike">
-                        <a:solidFill>
-                          <a:srgbClr val="000000"/>
-                        </a:solidFill>
-                        <a:effectLst/>
-                        <a:latin typeface="游ゴシック" panose="020B0400000000000000" pitchFamily="50" charset="-128"/>
-                        <a:ea typeface="游ゴシック" panose="020B0400000000000000" pitchFamily="50" charset="-128"/>
-                      </a:endParaRPr>
-                    </a:p>
-                  </a:txBody>
-                  <a:tcPr marL="7620" marR="7620" marT="7620" marB="0" anchor="ctr"/>
-                </a:tc>
-                <a:tc>
-                  <a:txBody>
-                    <a:bodyPr/>
-                    <a:lstStyle/>
-                    <a:p>
-                      <a:pPr algn="l" fontAlgn="ctr"/>
-                      <a:endParaRPr lang="ja-JP" altLang="en-US" sz="1100" b="0" i="0" u="none" strike="noStrike">
-                        <a:solidFill>
-                          <a:srgbClr val="000000"/>
-                        </a:solidFill>
-                        <a:effectLst/>
-                        <a:latin typeface="游ゴシック" panose="020B0400000000000000" pitchFamily="50" charset="-128"/>
-                        <a:ea typeface="游ゴシック" panose="020B0400000000000000" pitchFamily="50" charset="-128"/>
-                      </a:endParaRPr>
-                    </a:p>
-                  </a:txBody>
-                  <a:tcPr marL="7620" marR="7620" marT="7620" marB="0" anchor="ctr"/>
-                </a:tc>
-                <a:extLst>
-                  <a:ext uri="{0D108BD9-81ED-4DB2-BD59-A6C34878D82A}">
-                    <a16:rowId xmlns:a16="http://schemas.microsoft.com/office/drawing/2014/main" val="1362653355"/>
-                  </a:ext>
-                </a:extLst>
-              </a:tr>
-              <a:tr h="228600">
-                <a:tc>
-                  <a:txBody>
-                    <a:bodyPr/>
-                    <a:lstStyle/>
-                    <a:p>
-                      <a:pPr algn="r" fontAlgn="ctr"/>
-                      <a:r>
-                        <a:rPr lang="en-US" altLang="ja-JP" sz="900" u="none" strike="noStrike">
-                          <a:effectLst/>
-                        </a:rPr>
-                        <a:t>2</a:t>
-                      </a:r>
-                      <a:endParaRPr lang="en-US" altLang="ja-JP" sz="900" b="0" i="0" u="none" strike="noStrike">
-                        <a:solidFill>
-                          <a:srgbClr val="242424"/>
-                        </a:solidFill>
-                        <a:effectLst/>
-                        <a:latin typeface="Segoe UI" panose="020B0502040204020203" pitchFamily="34" charset="0"/>
-                        <a:ea typeface="游ゴシック" panose="020B0400000000000000" pitchFamily="50" charset="-128"/>
-                      </a:endParaRPr>
-                    </a:p>
-                  </a:txBody>
-                  <a:tcPr marL="7620" marR="7620" marT="7620" marB="0" anchor="ctr"/>
-                </a:tc>
-                <a:tc>
-                  <a:txBody>
-                    <a:bodyPr/>
-                    <a:lstStyle/>
-                    <a:p>
-                      <a:pPr algn="l" fontAlgn="ctr"/>
-                      <a:r>
-                        <a:rPr lang="en-US" sz="1100" u="none" strike="noStrike">
-                          <a:effectLst/>
-                        </a:rPr>
-                        <a:t>user_id</a:t>
-                      </a:r>
-                      <a:endParaRPr lang="en-US" sz="1100" b="0" i="0" u="none" strike="noStrike">
-                        <a:solidFill>
-                          <a:srgbClr val="000000"/>
-                        </a:solidFill>
-                        <a:effectLst/>
-                        <a:latin typeface="游ゴシック" panose="020B0400000000000000" pitchFamily="50" charset="-128"/>
-                        <a:ea typeface="游ゴシック" panose="020B0400000000000000" pitchFamily="50" charset="-128"/>
-                      </a:endParaRPr>
-                    </a:p>
-                  </a:txBody>
-                  <a:tcPr marL="7620" marR="7620" marT="7620" marB="0" anchor="ctr"/>
-                </a:tc>
-                <a:tc>
-                  <a:txBody>
-                    <a:bodyPr/>
-                    <a:lstStyle/>
-                    <a:p>
-                      <a:pPr algn="l" fontAlgn="ctr"/>
-                      <a:r>
-                        <a:rPr lang="ja-JP" altLang="en-US" sz="1100" u="none" strike="noStrike">
-                          <a:effectLst/>
-                        </a:rPr>
-                        <a:t>ユーザー</a:t>
-                      </a:r>
-                      <a:r>
-                        <a:rPr lang="en-US" sz="1100" u="none" strike="noStrike">
-                          <a:effectLst/>
-                        </a:rPr>
-                        <a:t>ID</a:t>
-                      </a:r>
-                      <a:endParaRPr lang="en-US" sz="1100" b="0" i="0" u="none" strike="noStrike">
-                        <a:solidFill>
-                          <a:srgbClr val="000000"/>
-                        </a:solidFill>
-                        <a:effectLst/>
-                        <a:latin typeface="游ゴシック" panose="020B0400000000000000" pitchFamily="50" charset="-128"/>
-                        <a:ea typeface="游ゴシック" panose="020B0400000000000000" pitchFamily="50" charset="-128"/>
-                      </a:endParaRPr>
-                    </a:p>
-                  </a:txBody>
-                  <a:tcPr marL="7620" marR="7620" marT="7620" marB="0" anchor="ctr"/>
-                </a:tc>
-                <a:tc>
-                  <a:txBody>
-                    <a:bodyPr/>
-                    <a:lstStyle/>
-                    <a:p>
-                      <a:pPr algn="l" fontAlgn="ctr"/>
-                      <a:r>
-                        <a:rPr lang="en-US" sz="1100" u="none" strike="noStrike">
-                          <a:effectLst/>
-                        </a:rPr>
-                        <a:t>INT</a:t>
-                      </a:r>
-                      <a:endParaRPr lang="en-US" sz="1100" b="0" i="0" u="none" strike="noStrike">
-                        <a:solidFill>
-                          <a:srgbClr val="000000"/>
-                        </a:solidFill>
-                        <a:effectLst/>
-                        <a:latin typeface="游ゴシック" panose="020B0400000000000000" pitchFamily="50" charset="-128"/>
-                        <a:ea typeface="游ゴシック" panose="020B0400000000000000" pitchFamily="50" charset="-128"/>
-                      </a:endParaRPr>
-                    </a:p>
-                  </a:txBody>
-                  <a:tcPr marL="7620" marR="7620" marT="7620" marB="0" anchor="ctr"/>
-                </a:tc>
-                <a:tc>
-                  <a:txBody>
-                    <a:bodyPr/>
-                    <a:lstStyle/>
-                    <a:p>
-                      <a:pPr algn="l" fontAlgn="ctr"/>
-                      <a:r>
-                        <a:rPr lang="en-US" sz="1100" u="none" strike="noStrike">
-                          <a:effectLst/>
-                        </a:rPr>
-                        <a:t>FK</a:t>
-                      </a:r>
-                      <a:endParaRPr lang="en-US" sz="1100" b="0" i="0" u="none" strike="noStrike">
-                        <a:solidFill>
-                          <a:srgbClr val="000000"/>
-                        </a:solidFill>
-                        <a:effectLst/>
-                        <a:latin typeface="游ゴシック" panose="020B0400000000000000" pitchFamily="50" charset="-128"/>
-                        <a:ea typeface="游ゴシック" panose="020B0400000000000000" pitchFamily="50" charset="-128"/>
-                      </a:endParaRPr>
-                    </a:p>
-                  </a:txBody>
-                  <a:tcPr marL="7620" marR="7620" marT="7620" marB="0" anchor="ctr"/>
-                </a:tc>
-                <a:tc>
-                  <a:txBody>
-                    <a:bodyPr/>
-                    <a:lstStyle/>
-                    <a:p>
-                      <a:pPr algn="l" fontAlgn="ctr"/>
-                      <a:r>
-                        <a:rPr lang="en-US" altLang="ja-JP" sz="1100" u="none" strike="noStrike">
-                          <a:effectLst/>
-                        </a:rPr>
-                        <a:t>×</a:t>
-                      </a:r>
-                      <a:endParaRPr lang="en-US" altLang="ja-JP" sz="1100" b="0" i="0" u="none" strike="noStrike">
-                        <a:solidFill>
-                          <a:srgbClr val="000000"/>
-                        </a:solidFill>
-                        <a:effectLst/>
-                        <a:latin typeface="游ゴシック" panose="020B0400000000000000" pitchFamily="50" charset="-128"/>
-                        <a:ea typeface="游ゴシック" panose="020B0400000000000000" pitchFamily="50" charset="-128"/>
-                      </a:endParaRPr>
-                    </a:p>
-                  </a:txBody>
-                  <a:tcPr marL="7620" marR="7620" marT="7620" marB="0" anchor="ctr"/>
-                </a:tc>
-                <a:tc>
-                  <a:txBody>
-                    <a:bodyPr/>
-                    <a:lstStyle/>
-                    <a:p>
-                      <a:pPr algn="l" fontAlgn="ctr"/>
-                      <a:r>
-                        <a:rPr lang="en-US" sz="1100" u="none" strike="noStrike">
-                          <a:effectLst/>
-                        </a:rPr>
-                        <a:t>users.id </a:t>
-                      </a:r>
-                      <a:r>
-                        <a:rPr lang="ja-JP" altLang="en-US" sz="1100" u="none" strike="noStrike">
-                          <a:effectLst/>
-                        </a:rPr>
-                        <a:t>参照</a:t>
-                      </a:r>
-                      <a:endParaRPr lang="ja-JP" altLang="en-US" sz="1100" b="0" i="0" u="none" strike="noStrike">
-                        <a:solidFill>
-                          <a:srgbClr val="000000"/>
-                        </a:solidFill>
-                        <a:effectLst/>
-                        <a:latin typeface="游ゴシック" panose="020B0400000000000000" pitchFamily="50" charset="-128"/>
-                        <a:ea typeface="游ゴシック" panose="020B0400000000000000" pitchFamily="50" charset="-128"/>
-                      </a:endParaRPr>
-                    </a:p>
-                  </a:txBody>
-                  <a:tcPr marL="7620" marR="7620" marT="7620" marB="0" anchor="ctr"/>
-                </a:tc>
-                <a:extLst>
-                  <a:ext uri="{0D108BD9-81ED-4DB2-BD59-A6C34878D82A}">
-                    <a16:rowId xmlns:a16="http://schemas.microsoft.com/office/drawing/2014/main" val="2563015842"/>
-                  </a:ext>
-                </a:extLst>
-              </a:tr>
-              <a:tr h="228600">
-                <a:tc>
-                  <a:txBody>
-                    <a:bodyPr/>
-                    <a:lstStyle/>
-                    <a:p>
-                      <a:pPr algn="r" fontAlgn="ctr"/>
-                      <a:r>
-                        <a:rPr lang="en-US" altLang="ja-JP" sz="900" u="none" strike="noStrike">
-                          <a:effectLst/>
-                        </a:rPr>
-                        <a:t>3</a:t>
-                      </a:r>
-                      <a:endParaRPr lang="en-US" altLang="ja-JP" sz="900" b="0" i="0" u="none" strike="noStrike">
-                        <a:solidFill>
-                          <a:srgbClr val="242424"/>
-                        </a:solidFill>
-                        <a:effectLst/>
-                        <a:latin typeface="Segoe UI" panose="020B0502040204020203" pitchFamily="34" charset="0"/>
-                        <a:ea typeface="游ゴシック" panose="020B0400000000000000" pitchFamily="50" charset="-128"/>
-                      </a:endParaRPr>
-                    </a:p>
-                  </a:txBody>
-                  <a:tcPr marL="7620" marR="7620" marT="7620" marB="0" anchor="ctr"/>
-                </a:tc>
-                <a:tc>
-                  <a:txBody>
-                    <a:bodyPr/>
-                    <a:lstStyle/>
-                    <a:p>
-                      <a:pPr algn="l" fontAlgn="ctr"/>
-                      <a:r>
-                        <a:rPr lang="en-US" sz="1100" u="none" strike="noStrike">
-                          <a:effectLst/>
-                        </a:rPr>
-                        <a:t>date</a:t>
-                      </a:r>
-                      <a:endParaRPr lang="en-US" sz="1100" b="0" i="0" u="none" strike="noStrike">
-                        <a:solidFill>
-                          <a:srgbClr val="000000"/>
-                        </a:solidFill>
-                        <a:effectLst/>
-                        <a:latin typeface="游ゴシック" panose="020B0400000000000000" pitchFamily="50" charset="-128"/>
-                        <a:ea typeface="游ゴシック" panose="020B0400000000000000" pitchFamily="50" charset="-128"/>
-                      </a:endParaRPr>
-                    </a:p>
-                  </a:txBody>
-                  <a:tcPr marL="7620" marR="7620" marT="7620" marB="0" anchor="ctr"/>
-                </a:tc>
-                <a:tc>
-                  <a:txBody>
-                    <a:bodyPr/>
-                    <a:lstStyle/>
-                    <a:p>
-                      <a:pPr algn="l" fontAlgn="ctr"/>
-                      <a:r>
-                        <a:rPr lang="ja-JP" altLang="en-US" sz="1100" u="none" strike="noStrike">
-                          <a:effectLst/>
-                        </a:rPr>
-                        <a:t>日付</a:t>
-                      </a:r>
-                      <a:endParaRPr lang="ja-JP" altLang="en-US" sz="1100" b="0" i="0" u="none" strike="noStrike">
-                        <a:solidFill>
-                          <a:srgbClr val="000000"/>
-                        </a:solidFill>
-                        <a:effectLst/>
-                        <a:latin typeface="游ゴシック" panose="020B0400000000000000" pitchFamily="50" charset="-128"/>
-                        <a:ea typeface="游ゴシック" panose="020B0400000000000000" pitchFamily="50" charset="-128"/>
-                      </a:endParaRPr>
-                    </a:p>
-                  </a:txBody>
-                  <a:tcPr marL="7620" marR="7620" marT="7620" marB="0" anchor="ctr"/>
-                </a:tc>
-                <a:tc>
-                  <a:txBody>
-                    <a:bodyPr/>
-                    <a:lstStyle/>
-                    <a:p>
-                      <a:pPr algn="l" fontAlgn="ctr"/>
-                      <a:r>
-                        <a:rPr lang="en-US" sz="1100" u="none" strike="noStrike">
-                          <a:effectLst/>
-                        </a:rPr>
-                        <a:t>DATE</a:t>
-                      </a:r>
-                      <a:endParaRPr lang="en-US" sz="1100" b="0" i="0" u="none" strike="noStrike">
-                        <a:solidFill>
-                          <a:srgbClr val="000000"/>
-                        </a:solidFill>
-                        <a:effectLst/>
-                        <a:latin typeface="游ゴシック" panose="020B0400000000000000" pitchFamily="50" charset="-128"/>
-                        <a:ea typeface="游ゴシック" panose="020B0400000000000000" pitchFamily="50" charset="-128"/>
-                      </a:endParaRPr>
-                    </a:p>
-                  </a:txBody>
-                  <a:tcPr marL="7620" marR="7620" marT="7620" marB="0" anchor="ctr"/>
-                </a:tc>
-                <a:tc>
-                  <a:txBody>
-                    <a:bodyPr/>
-                    <a:lstStyle/>
-                    <a:p>
-                      <a:pPr algn="l" fontAlgn="ctr"/>
-                      <a:endParaRPr lang="ja-JP" altLang="en-US" sz="1100" b="0" i="0" u="none" strike="noStrike">
-                        <a:solidFill>
-                          <a:srgbClr val="000000"/>
-                        </a:solidFill>
-                        <a:effectLst/>
-                        <a:latin typeface="游ゴシック" panose="020B0400000000000000" pitchFamily="50" charset="-128"/>
-                        <a:ea typeface="游ゴシック" panose="020B0400000000000000" pitchFamily="50" charset="-128"/>
-                      </a:endParaRPr>
-                    </a:p>
-                  </a:txBody>
-                  <a:tcPr marL="7620" marR="7620" marT="7620" marB="0" anchor="ctr"/>
-                </a:tc>
-                <a:tc>
-                  <a:txBody>
-                    <a:bodyPr/>
-                    <a:lstStyle/>
-                    <a:p>
-                      <a:pPr algn="l" fontAlgn="ctr"/>
-                      <a:r>
-                        <a:rPr lang="en-US" altLang="ja-JP" sz="1100" u="none" strike="noStrike">
-                          <a:effectLst/>
-                        </a:rPr>
-                        <a:t>×</a:t>
-                      </a:r>
-                      <a:endParaRPr lang="en-US" altLang="ja-JP" sz="1100" b="0" i="0" u="none" strike="noStrike">
-                        <a:solidFill>
-                          <a:srgbClr val="000000"/>
-                        </a:solidFill>
-                        <a:effectLst/>
-                        <a:latin typeface="游ゴシック" panose="020B0400000000000000" pitchFamily="50" charset="-128"/>
-                        <a:ea typeface="游ゴシック" panose="020B0400000000000000" pitchFamily="50" charset="-128"/>
-                      </a:endParaRPr>
-                    </a:p>
-                  </a:txBody>
-                  <a:tcPr marL="7620" marR="7620" marT="7620" marB="0" anchor="ctr"/>
-                </a:tc>
-                <a:tc>
-                  <a:txBody>
-                    <a:bodyPr/>
-                    <a:lstStyle/>
-                    <a:p>
-                      <a:pPr algn="l" fontAlgn="ctr"/>
-                      <a:endParaRPr lang="ja-JP" altLang="en-US" sz="1100" b="0" i="0" u="none" strike="noStrike">
-                        <a:solidFill>
-                          <a:srgbClr val="000000"/>
-                        </a:solidFill>
-                        <a:effectLst/>
-                        <a:latin typeface="游ゴシック" panose="020B0400000000000000" pitchFamily="50" charset="-128"/>
-                        <a:ea typeface="游ゴシック" panose="020B0400000000000000" pitchFamily="50" charset="-128"/>
-                      </a:endParaRPr>
-                    </a:p>
-                  </a:txBody>
-                  <a:tcPr marL="7620" marR="7620" marT="7620" marB="0" anchor="ctr"/>
-                </a:tc>
-                <a:extLst>
-                  <a:ext uri="{0D108BD9-81ED-4DB2-BD59-A6C34878D82A}">
-                    <a16:rowId xmlns:a16="http://schemas.microsoft.com/office/drawing/2014/main" val="20943959"/>
-                  </a:ext>
-                </a:extLst>
-              </a:tr>
-              <a:tr h="228600">
-                <a:tc>
-                  <a:txBody>
-                    <a:bodyPr/>
-                    <a:lstStyle/>
-                    <a:p>
-                      <a:pPr algn="r" fontAlgn="ctr"/>
-                      <a:r>
-                        <a:rPr lang="en-US" altLang="ja-JP" sz="900" u="none" strike="noStrike">
-                          <a:effectLst/>
-                        </a:rPr>
-                        <a:t>4</a:t>
-                      </a:r>
-                      <a:endParaRPr lang="en-US" altLang="ja-JP" sz="900" b="0" i="0" u="none" strike="noStrike">
-                        <a:solidFill>
-                          <a:srgbClr val="242424"/>
-                        </a:solidFill>
-                        <a:effectLst/>
-                        <a:latin typeface="Segoe UI" panose="020B0502040204020203" pitchFamily="34" charset="0"/>
-                        <a:ea typeface="游ゴシック" panose="020B0400000000000000" pitchFamily="50" charset="-128"/>
-                      </a:endParaRPr>
-                    </a:p>
-                  </a:txBody>
-                  <a:tcPr marL="7620" marR="7620" marT="7620" marB="0" anchor="ctr"/>
-                </a:tc>
-                <a:tc>
-                  <a:txBody>
-                    <a:bodyPr/>
-                    <a:lstStyle/>
-                    <a:p>
-                      <a:pPr algn="l" fontAlgn="ctr"/>
-                      <a:r>
-                        <a:rPr lang="en-US" sz="1100" u="none" strike="noStrike">
-                          <a:effectLst/>
-                        </a:rPr>
-                        <a:t>amount</a:t>
-                      </a:r>
-                      <a:endParaRPr lang="en-US" sz="1100" b="0" i="0" u="none" strike="noStrike">
-                        <a:solidFill>
-                          <a:srgbClr val="000000"/>
-                        </a:solidFill>
-                        <a:effectLst/>
-                        <a:latin typeface="游ゴシック" panose="020B0400000000000000" pitchFamily="50" charset="-128"/>
-                        <a:ea typeface="游ゴシック" panose="020B0400000000000000" pitchFamily="50" charset="-128"/>
-                      </a:endParaRPr>
-                    </a:p>
-                  </a:txBody>
-                  <a:tcPr marL="7620" marR="7620" marT="7620" marB="0" anchor="ctr"/>
-                </a:tc>
-                <a:tc>
-                  <a:txBody>
-                    <a:bodyPr/>
-                    <a:lstStyle/>
-                    <a:p>
-                      <a:pPr algn="l" fontAlgn="ctr"/>
-                      <a:r>
-                        <a:rPr lang="ja-JP" altLang="en-US" sz="1100" u="none" strike="noStrike">
-                          <a:effectLst/>
-                        </a:rPr>
-                        <a:t>金額</a:t>
-                      </a:r>
-                      <a:endParaRPr lang="ja-JP" altLang="en-US" sz="1100" b="0" i="0" u="none" strike="noStrike">
-                        <a:solidFill>
-                          <a:srgbClr val="000000"/>
-                        </a:solidFill>
-                        <a:effectLst/>
-                        <a:latin typeface="游ゴシック" panose="020B0400000000000000" pitchFamily="50" charset="-128"/>
-                        <a:ea typeface="游ゴシック" panose="020B0400000000000000" pitchFamily="50" charset="-128"/>
-                      </a:endParaRPr>
-                    </a:p>
-                  </a:txBody>
-                  <a:tcPr marL="7620" marR="7620" marT="7620" marB="0" anchor="ctr"/>
-                </a:tc>
-                <a:tc>
-                  <a:txBody>
-                    <a:bodyPr/>
-                    <a:lstStyle/>
-                    <a:p>
-                      <a:pPr algn="l" fontAlgn="ctr"/>
-                      <a:r>
-                        <a:rPr lang="en-US" sz="1100" u="none" strike="noStrike">
-                          <a:effectLst/>
-                        </a:rPr>
-                        <a:t>INT</a:t>
-                      </a:r>
-                      <a:endParaRPr lang="en-US" sz="1100" b="0" i="0" u="none" strike="noStrike">
-                        <a:solidFill>
-                          <a:srgbClr val="000000"/>
-                        </a:solidFill>
-                        <a:effectLst/>
-                        <a:latin typeface="游ゴシック" panose="020B0400000000000000" pitchFamily="50" charset="-128"/>
-                        <a:ea typeface="游ゴシック" panose="020B0400000000000000" pitchFamily="50" charset="-128"/>
-                      </a:endParaRPr>
-                    </a:p>
-                  </a:txBody>
-                  <a:tcPr marL="7620" marR="7620" marT="7620" marB="0" anchor="ctr"/>
-                </a:tc>
-                <a:tc>
-                  <a:txBody>
-                    <a:bodyPr/>
-                    <a:lstStyle/>
-                    <a:p>
-                      <a:pPr algn="l" fontAlgn="ctr"/>
-                      <a:endParaRPr lang="ja-JP" altLang="en-US" sz="1100" b="0" i="0" u="none" strike="noStrike">
-                        <a:solidFill>
-                          <a:srgbClr val="000000"/>
-                        </a:solidFill>
-                        <a:effectLst/>
-                        <a:latin typeface="游ゴシック" panose="020B0400000000000000" pitchFamily="50" charset="-128"/>
-                        <a:ea typeface="游ゴシック" panose="020B0400000000000000" pitchFamily="50" charset="-128"/>
-                      </a:endParaRPr>
-                    </a:p>
-                  </a:txBody>
-                  <a:tcPr marL="7620" marR="7620" marT="7620" marB="0" anchor="ctr"/>
-                </a:tc>
-                <a:tc>
-                  <a:txBody>
-                    <a:bodyPr/>
-                    <a:lstStyle/>
-                    <a:p>
-                      <a:pPr algn="l" fontAlgn="ctr"/>
-                      <a:r>
-                        <a:rPr lang="en-US" altLang="ja-JP" sz="1100" u="none" strike="noStrike">
-                          <a:effectLst/>
-                        </a:rPr>
-                        <a:t>×</a:t>
-                      </a:r>
-                      <a:endParaRPr lang="en-US" altLang="ja-JP" sz="1100" b="0" i="0" u="none" strike="noStrike">
-                        <a:solidFill>
-                          <a:srgbClr val="000000"/>
-                        </a:solidFill>
-                        <a:effectLst/>
-                        <a:latin typeface="游ゴシック" panose="020B0400000000000000" pitchFamily="50" charset="-128"/>
-                        <a:ea typeface="游ゴシック" panose="020B0400000000000000" pitchFamily="50" charset="-128"/>
-                      </a:endParaRPr>
-                    </a:p>
-                  </a:txBody>
-                  <a:tcPr marL="7620" marR="7620" marT="7620" marB="0" anchor="ctr"/>
-                </a:tc>
-                <a:tc>
-                  <a:txBody>
-                    <a:bodyPr/>
-                    <a:lstStyle/>
-                    <a:p>
-                      <a:pPr algn="l" fontAlgn="ctr"/>
-                      <a:endParaRPr lang="ja-JP" altLang="en-US" sz="1100" b="0" i="0" u="none" strike="noStrike">
-                        <a:solidFill>
-                          <a:srgbClr val="000000"/>
-                        </a:solidFill>
-                        <a:effectLst/>
-                        <a:latin typeface="游ゴシック" panose="020B0400000000000000" pitchFamily="50" charset="-128"/>
-                        <a:ea typeface="游ゴシック" panose="020B0400000000000000" pitchFamily="50" charset="-128"/>
-                      </a:endParaRPr>
-                    </a:p>
-                  </a:txBody>
-                  <a:tcPr marL="7620" marR="7620" marT="7620" marB="0" anchor="ctr"/>
-                </a:tc>
-                <a:extLst>
-                  <a:ext uri="{0D108BD9-81ED-4DB2-BD59-A6C34878D82A}">
-                    <a16:rowId xmlns:a16="http://schemas.microsoft.com/office/drawing/2014/main" val="235273767"/>
-                  </a:ext>
-                </a:extLst>
-              </a:tr>
-              <a:tr h="228600">
-                <a:tc>
-                  <a:txBody>
-                    <a:bodyPr/>
-                    <a:lstStyle/>
-                    <a:p>
-                      <a:pPr algn="r" fontAlgn="ctr"/>
-                      <a:r>
-                        <a:rPr lang="en-US" altLang="ja-JP" sz="900" u="none" strike="noStrike">
-                          <a:effectLst/>
-                        </a:rPr>
-                        <a:t>5</a:t>
-                      </a:r>
-                      <a:endParaRPr lang="en-US" altLang="ja-JP" sz="900" b="0" i="0" u="none" strike="noStrike">
-                        <a:solidFill>
-                          <a:srgbClr val="242424"/>
-                        </a:solidFill>
-                        <a:effectLst/>
-                        <a:latin typeface="Segoe UI" panose="020B0502040204020203" pitchFamily="34" charset="0"/>
-                        <a:ea typeface="游ゴシック" panose="020B0400000000000000" pitchFamily="50" charset="-128"/>
-                      </a:endParaRPr>
-                    </a:p>
-                  </a:txBody>
-                  <a:tcPr marL="7620" marR="7620" marT="7620" marB="0" anchor="ctr"/>
-                </a:tc>
-                <a:tc>
-                  <a:txBody>
-                    <a:bodyPr/>
-                    <a:lstStyle/>
-                    <a:p>
-                      <a:pPr algn="l" fontAlgn="ctr"/>
-                      <a:r>
-                        <a:rPr lang="en-US" sz="1100" u="none" strike="noStrike">
-                          <a:effectLst/>
-                        </a:rPr>
-                        <a:t>category</a:t>
-                      </a:r>
-                      <a:endParaRPr lang="en-US" sz="1100" b="0" i="0" u="none" strike="noStrike">
-                        <a:solidFill>
-                          <a:srgbClr val="000000"/>
-                        </a:solidFill>
-                        <a:effectLst/>
-                        <a:latin typeface="游ゴシック" panose="020B0400000000000000" pitchFamily="50" charset="-128"/>
-                        <a:ea typeface="游ゴシック" panose="020B0400000000000000" pitchFamily="50" charset="-128"/>
-                      </a:endParaRPr>
-                    </a:p>
-                  </a:txBody>
-                  <a:tcPr marL="7620" marR="7620" marT="7620" marB="0" anchor="ctr"/>
-                </a:tc>
-                <a:tc>
-                  <a:txBody>
-                    <a:bodyPr/>
-                    <a:lstStyle/>
-                    <a:p>
-                      <a:pPr algn="l" fontAlgn="ctr"/>
-                      <a:r>
-                        <a:rPr lang="ja-JP" altLang="en-US" sz="1100" u="none" strike="noStrike">
-                          <a:effectLst/>
-                        </a:rPr>
-                        <a:t>カテゴリ</a:t>
-                      </a:r>
-                      <a:endParaRPr lang="ja-JP" altLang="en-US" sz="1100" b="0" i="0" u="none" strike="noStrike">
-                        <a:solidFill>
-                          <a:srgbClr val="000000"/>
-                        </a:solidFill>
-                        <a:effectLst/>
-                        <a:latin typeface="游ゴシック" panose="020B0400000000000000" pitchFamily="50" charset="-128"/>
-                        <a:ea typeface="游ゴシック" panose="020B0400000000000000" pitchFamily="50" charset="-128"/>
-                      </a:endParaRPr>
-                    </a:p>
-                  </a:txBody>
-                  <a:tcPr marL="7620" marR="7620" marT="7620" marB="0" anchor="ctr"/>
-                </a:tc>
-                <a:tc>
-                  <a:txBody>
-                    <a:bodyPr/>
-                    <a:lstStyle/>
-                    <a:p>
-                      <a:pPr algn="l" fontAlgn="ctr"/>
-                      <a:r>
-                        <a:rPr lang="en-US" sz="1100" u="none" strike="noStrike">
-                          <a:effectLst/>
-                        </a:rPr>
-                        <a:t>VARCHAR(100)</a:t>
-                      </a:r>
-                      <a:endParaRPr lang="en-US" sz="1100" b="0" i="0" u="none" strike="noStrike">
-                        <a:solidFill>
-                          <a:srgbClr val="000000"/>
-                        </a:solidFill>
-                        <a:effectLst/>
-                        <a:latin typeface="游ゴシック" panose="020B0400000000000000" pitchFamily="50" charset="-128"/>
-                        <a:ea typeface="游ゴシック" panose="020B0400000000000000" pitchFamily="50" charset="-128"/>
-                      </a:endParaRPr>
-                    </a:p>
-                  </a:txBody>
-                  <a:tcPr marL="7620" marR="7620" marT="7620" marB="0" anchor="ctr"/>
-                </a:tc>
-                <a:tc>
-                  <a:txBody>
-                    <a:bodyPr/>
-                    <a:lstStyle/>
-                    <a:p>
-                      <a:pPr algn="l" fontAlgn="ctr"/>
-                      <a:endParaRPr lang="ja-JP" altLang="en-US" sz="1100" b="0" i="0" u="none" strike="noStrike">
-                        <a:solidFill>
-                          <a:srgbClr val="000000"/>
-                        </a:solidFill>
-                        <a:effectLst/>
-                        <a:latin typeface="游ゴシック" panose="020B0400000000000000" pitchFamily="50" charset="-128"/>
-                        <a:ea typeface="游ゴシック" panose="020B0400000000000000" pitchFamily="50" charset="-128"/>
-                      </a:endParaRPr>
-                    </a:p>
-                  </a:txBody>
-                  <a:tcPr marL="7620" marR="7620" marT="7620" marB="0" anchor="ctr"/>
-                </a:tc>
-                <a:tc>
-                  <a:txBody>
-                    <a:bodyPr/>
-                    <a:lstStyle/>
-                    <a:p>
-                      <a:pPr algn="l" fontAlgn="ctr"/>
-                      <a:endParaRPr lang="ja-JP" altLang="en-US" sz="1100" b="0" i="0" u="none" strike="noStrike">
-                        <a:solidFill>
-                          <a:srgbClr val="000000"/>
-                        </a:solidFill>
-                        <a:effectLst/>
-                        <a:latin typeface="游ゴシック" panose="020B0400000000000000" pitchFamily="50" charset="-128"/>
-                        <a:ea typeface="游ゴシック" panose="020B0400000000000000" pitchFamily="50" charset="-128"/>
-                      </a:endParaRPr>
-                    </a:p>
-                  </a:txBody>
-                  <a:tcPr marL="7620" marR="7620" marT="7620" marB="0" anchor="ctr"/>
-                </a:tc>
-                <a:tc>
-                  <a:txBody>
-                    <a:bodyPr/>
-                    <a:lstStyle/>
-                    <a:p>
-                      <a:pPr algn="l" fontAlgn="ctr"/>
-                      <a:endParaRPr lang="ja-JP" altLang="en-US" sz="1100" b="0" i="0" u="none" strike="noStrike">
-                        <a:solidFill>
-                          <a:srgbClr val="000000"/>
-                        </a:solidFill>
-                        <a:effectLst/>
-                        <a:latin typeface="游ゴシック" panose="020B0400000000000000" pitchFamily="50" charset="-128"/>
-                        <a:ea typeface="游ゴシック" panose="020B0400000000000000" pitchFamily="50" charset="-128"/>
-                      </a:endParaRPr>
-                    </a:p>
-                  </a:txBody>
-                  <a:tcPr marL="7620" marR="7620" marT="7620" marB="0" anchor="ctr"/>
-                </a:tc>
-                <a:extLst>
-                  <a:ext uri="{0D108BD9-81ED-4DB2-BD59-A6C34878D82A}">
-                    <a16:rowId xmlns:a16="http://schemas.microsoft.com/office/drawing/2014/main" val="3827264561"/>
-                  </a:ext>
-                </a:extLst>
-              </a:tr>
-              <a:tr h="228600">
-                <a:tc>
-                  <a:txBody>
-                    <a:bodyPr/>
-                    <a:lstStyle/>
-                    <a:p>
-                      <a:pPr algn="r" fontAlgn="ctr"/>
-                      <a:r>
-                        <a:rPr lang="en-US" altLang="ja-JP" sz="900" u="none" strike="noStrike">
-                          <a:effectLst/>
-                        </a:rPr>
-                        <a:t>6</a:t>
-                      </a:r>
-                      <a:endParaRPr lang="en-US" altLang="ja-JP" sz="900" b="0" i="0" u="none" strike="noStrike">
-                        <a:solidFill>
-                          <a:srgbClr val="242424"/>
-                        </a:solidFill>
-                        <a:effectLst/>
-                        <a:latin typeface="Segoe UI" panose="020B0502040204020203" pitchFamily="34" charset="0"/>
-                        <a:ea typeface="游ゴシック" panose="020B0400000000000000" pitchFamily="50" charset="-128"/>
-                      </a:endParaRPr>
-                    </a:p>
-                  </a:txBody>
-                  <a:tcPr marL="7620" marR="7620" marT="7620" marB="0" anchor="ctr"/>
-                </a:tc>
-                <a:tc>
-                  <a:txBody>
-                    <a:bodyPr/>
-                    <a:lstStyle/>
-                    <a:p>
-                      <a:pPr algn="l" fontAlgn="ctr"/>
-                      <a:r>
-                        <a:rPr lang="en-US" sz="1100" u="none" strike="noStrike">
-                          <a:effectLst/>
-                        </a:rPr>
-                        <a:t>memo</a:t>
-                      </a:r>
-                      <a:endParaRPr lang="en-US" sz="1100" b="0" i="0" u="none" strike="noStrike">
-                        <a:solidFill>
-                          <a:srgbClr val="000000"/>
-                        </a:solidFill>
-                        <a:effectLst/>
-                        <a:latin typeface="游ゴシック" panose="020B0400000000000000" pitchFamily="50" charset="-128"/>
-                        <a:ea typeface="游ゴシック" panose="020B0400000000000000" pitchFamily="50" charset="-128"/>
-                      </a:endParaRPr>
-                    </a:p>
-                  </a:txBody>
-                  <a:tcPr marL="7620" marR="7620" marT="7620" marB="0" anchor="ctr"/>
-                </a:tc>
-                <a:tc>
-                  <a:txBody>
-                    <a:bodyPr/>
-                    <a:lstStyle/>
-                    <a:p>
-                      <a:pPr algn="l" fontAlgn="ctr"/>
-                      <a:r>
-                        <a:rPr lang="ja-JP" altLang="en-US" sz="1100" u="none" strike="noStrike">
-                          <a:effectLst/>
-                        </a:rPr>
-                        <a:t>メモ</a:t>
-                      </a:r>
-                      <a:endParaRPr lang="ja-JP" altLang="en-US" sz="1100" b="0" i="0" u="none" strike="noStrike">
-                        <a:solidFill>
-                          <a:srgbClr val="000000"/>
-                        </a:solidFill>
-                        <a:effectLst/>
-                        <a:latin typeface="游ゴシック" panose="020B0400000000000000" pitchFamily="50" charset="-128"/>
-                        <a:ea typeface="游ゴシック" panose="020B0400000000000000" pitchFamily="50" charset="-128"/>
-                      </a:endParaRPr>
-                    </a:p>
-                  </a:txBody>
-                  <a:tcPr marL="7620" marR="7620" marT="7620" marB="0" anchor="ctr"/>
-                </a:tc>
-                <a:tc>
-                  <a:txBody>
-                    <a:bodyPr/>
-                    <a:lstStyle/>
-                    <a:p>
-                      <a:pPr algn="l" fontAlgn="ctr"/>
-                      <a:r>
-                        <a:rPr lang="en-US" sz="1100" u="none" strike="noStrike">
-                          <a:effectLst/>
-                        </a:rPr>
-                        <a:t>VARCHAR(255)</a:t>
-                      </a:r>
-                      <a:endParaRPr lang="en-US" sz="1100" b="0" i="0" u="none" strike="noStrike">
-                        <a:solidFill>
-                          <a:srgbClr val="000000"/>
-                        </a:solidFill>
-                        <a:effectLst/>
-                        <a:latin typeface="游ゴシック" panose="020B0400000000000000" pitchFamily="50" charset="-128"/>
-                        <a:ea typeface="游ゴシック" panose="020B0400000000000000" pitchFamily="50" charset="-128"/>
-                      </a:endParaRPr>
-                    </a:p>
-                  </a:txBody>
-                  <a:tcPr marL="7620" marR="7620" marT="7620" marB="0" anchor="ctr"/>
-                </a:tc>
-                <a:tc>
-                  <a:txBody>
-                    <a:bodyPr/>
-                    <a:lstStyle/>
-                    <a:p>
-                      <a:pPr algn="l" fontAlgn="ctr"/>
-                      <a:endParaRPr lang="ja-JP" altLang="en-US" sz="1100" b="0" i="0" u="none" strike="noStrike">
-                        <a:solidFill>
-                          <a:srgbClr val="000000"/>
-                        </a:solidFill>
-                        <a:effectLst/>
-                        <a:latin typeface="游ゴシック" panose="020B0400000000000000" pitchFamily="50" charset="-128"/>
-                        <a:ea typeface="游ゴシック" panose="020B0400000000000000" pitchFamily="50" charset="-128"/>
-                      </a:endParaRPr>
-                    </a:p>
-                  </a:txBody>
-                  <a:tcPr marL="7620" marR="7620" marT="7620" marB="0" anchor="ctr"/>
-                </a:tc>
-                <a:tc>
-                  <a:txBody>
-                    <a:bodyPr/>
-                    <a:lstStyle/>
-                    <a:p>
-                      <a:pPr algn="l" fontAlgn="ctr"/>
-                      <a:endParaRPr lang="ja-JP" altLang="en-US" sz="1100" b="0" i="0" u="none" strike="noStrike">
-                        <a:solidFill>
-                          <a:srgbClr val="000000"/>
-                        </a:solidFill>
-                        <a:effectLst/>
-                        <a:latin typeface="游ゴシック" panose="020B0400000000000000" pitchFamily="50" charset="-128"/>
-                        <a:ea typeface="游ゴシック" panose="020B0400000000000000" pitchFamily="50" charset="-128"/>
-                      </a:endParaRPr>
-                    </a:p>
-                  </a:txBody>
-                  <a:tcPr marL="7620" marR="7620" marT="7620" marB="0" anchor="ctr"/>
-                </a:tc>
-                <a:tc>
-                  <a:txBody>
-                    <a:bodyPr/>
-                    <a:lstStyle/>
-                    <a:p>
-                      <a:pPr algn="l" fontAlgn="ctr"/>
-                      <a:endParaRPr lang="ja-JP" altLang="en-US" sz="1100" b="0" i="0" u="none" strike="noStrike" dirty="0">
-                        <a:solidFill>
-                          <a:srgbClr val="000000"/>
-                        </a:solidFill>
-                        <a:effectLst/>
-                        <a:latin typeface="游ゴシック" panose="020B0400000000000000" pitchFamily="50" charset="-128"/>
-                        <a:ea typeface="游ゴシック" panose="020B0400000000000000" pitchFamily="50" charset="-128"/>
-                      </a:endParaRPr>
-                    </a:p>
-                  </a:txBody>
-                  <a:tcPr marL="7620" marR="7620" marT="7620" marB="0" anchor="ctr"/>
-                </a:tc>
-                <a:extLst>
-                  <a:ext uri="{0D108BD9-81ED-4DB2-BD59-A6C34878D82A}">
-                    <a16:rowId xmlns:a16="http://schemas.microsoft.com/office/drawing/2014/main" val="1715086147"/>
-                  </a:ext>
-                </a:extLst>
-              </a:tr>
-            </a:tbl>
-          </a:graphicData>
-        </a:graphic>
-      </p:graphicFrame>
     </p:spTree>
     <p:extLst>
       <p:ext uri="{BB962C8B-B14F-4D97-AF65-F5344CB8AC3E}">
-        <p14:creationId xmlns:p14="http://schemas.microsoft.com/office/powerpoint/2010/main" val="993729704"/>
+        <p14:creationId xmlns:p14="http://schemas.microsoft.com/office/powerpoint/2010/main" val="4162796079"/>
       </p:ext>
     </p:extLst>
   </p:cSld>
